--- a/docs/DAS - Presentación.pptx
+++ b/docs/DAS - Presentación.pptx
@@ -34,16 +34,21 @@
     <p:sldId id="279" r:id="rId29"/>
     <p:sldId id="280" r:id="rId30"/>
     <p:sldId id="281" r:id="rId31"/>
+    <p:sldId id="282" r:id="rId32"/>
+    <p:sldId id="283" r:id="rId33"/>
+    <p:sldId id="284" r:id="rId34"/>
+    <p:sldId id="285" r:id="rId35"/>
+    <p:sldId id="286" r:id="rId36"/>
   </p:sldIdLst>
   <p:sldSz cy="6858000" cx="9144000"/>
   <p:notesSz cx="6858000" cy="9144000"/>
   <p:embeddedFontLst>
     <p:embeddedFont>
       <p:font typeface="Economica"/>
-      <p:regular r:id="rId32"/>
-      <p:bold r:id="rId33"/>
-      <p:italic r:id="rId34"/>
-      <p:boldItalic r:id="rId35"/>
+      <p:regular r:id="rId37"/>
+      <p:bold r:id="rId38"/>
+      <p:italic r:id="rId39"/>
+      <p:boldItalic r:id="rId40"/>
     </p:embeddedFont>
   </p:embeddedFontLst>
   <p:defaultTextStyle>
@@ -1641,7 +1646,7 @@
   <p:cSld>
     <p:spTree>
       <p:nvGrpSpPr>
-        <p:cNvPr id="194" name="Shape 194"/>
+        <p:cNvPr id="195" name="Shape 195"/>
         <p:cNvGrpSpPr/>
         <p:nvPr/>
       </p:nvGrpSpPr>
@@ -1655,7 +1660,7 @@
       </p:grpSpPr>
       <p:sp>
         <p:nvSpPr>
-          <p:cNvPr id="195" name="Google Shape;195;g215c8bf60af_0_97:notes"/>
+          <p:cNvPr id="196" name="Google Shape;196;g215c8bf60af_0_103:notes"/>
           <p:cNvSpPr/>
           <p:nvPr>
             <p:ph idx="2" type="sldImg"/>
@@ -1690,7 +1695,7 @@
       </p:sp>
       <p:sp>
         <p:nvSpPr>
-          <p:cNvPr id="196" name="Google Shape;196;g215c8bf60af_0_97:notes"/>
+          <p:cNvPr id="197" name="Google Shape;197;g215c8bf60af_0_103:notes"/>
           <p:cNvSpPr txBox="1"/>
           <p:nvPr>
             <p:ph idx="1" type="body"/>
@@ -1740,7 +1745,7 @@
   <p:cSld>
     <p:spTree>
       <p:nvGrpSpPr>
-        <p:cNvPr id="201" name="Shape 201"/>
+        <p:cNvPr id="205" name="Shape 205"/>
         <p:cNvGrpSpPr/>
         <p:nvPr/>
       </p:nvGrpSpPr>
@@ -1754,7 +1759,7 @@
       </p:grpSpPr>
       <p:sp>
         <p:nvSpPr>
-          <p:cNvPr id="202" name="Google Shape;202;g215c8bf60af_0_103:notes"/>
+          <p:cNvPr id="206" name="Google Shape;206;g216cdd1463a_0_28:notes"/>
           <p:cNvSpPr/>
           <p:nvPr>
             <p:ph idx="2" type="sldImg"/>
@@ -1789,7 +1794,7 @@
       </p:sp>
       <p:sp>
         <p:nvSpPr>
-          <p:cNvPr id="203" name="Google Shape;203;g215c8bf60af_0_103:notes"/>
+          <p:cNvPr id="207" name="Google Shape;207;g216cdd1463a_0_28:notes"/>
           <p:cNvSpPr txBox="1"/>
           <p:nvPr>
             <p:ph idx="1" type="body"/>
@@ -1938,7 +1943,7 @@
   <p:cSld>
     <p:spTree>
       <p:nvGrpSpPr>
-        <p:cNvPr id="208" name="Shape 208"/>
+        <p:cNvPr id="213" name="Shape 213"/>
         <p:cNvGrpSpPr/>
         <p:nvPr/>
       </p:nvGrpSpPr>
@@ -1952,7 +1957,7 @@
       </p:grpSpPr>
       <p:sp>
         <p:nvSpPr>
-          <p:cNvPr id="209" name="Google Shape;209;g215c8bf60af_0_42:notes"/>
+          <p:cNvPr id="214" name="Google Shape;214;g216cdd1463a_0_52:notes"/>
           <p:cNvSpPr/>
           <p:nvPr>
             <p:ph idx="2" type="sldImg"/>
@@ -1987,7 +1992,7 @@
       </p:sp>
       <p:sp>
         <p:nvSpPr>
-          <p:cNvPr id="210" name="Google Shape;210;g215c8bf60af_0_42:notes"/>
+          <p:cNvPr id="215" name="Google Shape;215;g216cdd1463a_0_52:notes"/>
           <p:cNvSpPr txBox="1"/>
           <p:nvPr>
             <p:ph idx="1" type="body"/>
@@ -2037,7 +2042,7 @@
   <p:cSld>
     <p:spTree>
       <p:nvGrpSpPr>
-        <p:cNvPr id="215" name="Shape 215"/>
+        <p:cNvPr id="222" name="Shape 222"/>
         <p:cNvGrpSpPr/>
         <p:nvPr/>
       </p:nvGrpSpPr>
@@ -2051,7 +2056,7 @@
       </p:grpSpPr>
       <p:sp>
         <p:nvSpPr>
-          <p:cNvPr id="216" name="Google Shape;216;g215c8bf60af_0_109:notes"/>
+          <p:cNvPr id="223" name="Google Shape;223;g216cdd1463a_0_74:notes"/>
           <p:cNvSpPr/>
           <p:nvPr>
             <p:ph idx="2" type="sldImg"/>
@@ -2086,7 +2091,7 @@
       </p:sp>
       <p:sp>
         <p:nvSpPr>
-          <p:cNvPr id="217" name="Google Shape;217;g215c8bf60af_0_109:notes"/>
+          <p:cNvPr id="224" name="Google Shape;224;g216cdd1463a_0_74:notes"/>
           <p:cNvSpPr txBox="1"/>
           <p:nvPr>
             <p:ph idx="1" type="body"/>
@@ -2136,7 +2141,7 @@
   <p:cSld>
     <p:spTree>
       <p:nvGrpSpPr>
-        <p:cNvPr id="222" name="Shape 222"/>
+        <p:cNvPr id="230" name="Shape 230"/>
         <p:cNvGrpSpPr/>
         <p:nvPr/>
       </p:nvGrpSpPr>
@@ -2150,7 +2155,7 @@
       </p:grpSpPr>
       <p:sp>
         <p:nvSpPr>
-          <p:cNvPr id="223" name="Google Shape;223;g215c8bf60af_0_241:notes"/>
+          <p:cNvPr id="231" name="Google Shape;231;g216cdd1463a_0_91:notes"/>
           <p:cNvSpPr/>
           <p:nvPr>
             <p:ph idx="2" type="sldImg"/>
@@ -2185,7 +2190,7 @@
       </p:sp>
       <p:sp>
         <p:nvSpPr>
-          <p:cNvPr id="224" name="Google Shape;224;g215c8bf60af_0_241:notes"/>
+          <p:cNvPr id="232" name="Google Shape;232;g216cdd1463a_0_91:notes"/>
           <p:cNvSpPr txBox="1"/>
           <p:nvPr>
             <p:ph idx="1" type="body"/>
@@ -2235,7 +2240,7 @@
   <p:cSld>
     <p:spTree>
       <p:nvGrpSpPr>
-        <p:cNvPr id="230" name="Shape 230"/>
+        <p:cNvPr id="238" name="Shape 238"/>
         <p:cNvGrpSpPr/>
         <p:nvPr/>
       </p:nvGrpSpPr>
@@ -2249,7 +2254,7 @@
       </p:grpSpPr>
       <p:sp>
         <p:nvSpPr>
-          <p:cNvPr id="231" name="Google Shape;231;g215c8bf60af_0_48:notes"/>
+          <p:cNvPr id="239" name="Google Shape;239;g215c8bf60af_0_42:notes"/>
           <p:cNvSpPr/>
           <p:nvPr>
             <p:ph idx="2" type="sldImg"/>
@@ -2284,7 +2289,7 @@
       </p:sp>
       <p:sp>
         <p:nvSpPr>
-          <p:cNvPr id="232" name="Google Shape;232;g215c8bf60af_0_48:notes"/>
+          <p:cNvPr id="240" name="Google Shape;240;g215c8bf60af_0_42:notes"/>
           <p:cNvSpPr txBox="1"/>
           <p:nvPr>
             <p:ph idx="1" type="body"/>
@@ -2334,7 +2339,7 @@
   <p:cSld>
     <p:spTree>
       <p:nvGrpSpPr>
-        <p:cNvPr id="237" name="Shape 237"/>
+        <p:cNvPr id="245" name="Shape 245"/>
         <p:cNvGrpSpPr/>
         <p:nvPr/>
       </p:nvGrpSpPr>
@@ -2348,7 +2353,7 @@
       </p:grpSpPr>
       <p:sp>
         <p:nvSpPr>
-          <p:cNvPr id="238" name="Google Shape;238;g215c8bf60af_0_121:notes"/>
+          <p:cNvPr id="246" name="Google Shape;246;g2197b14ef94_0_11:notes"/>
           <p:cNvSpPr/>
           <p:nvPr>
             <p:ph idx="2" type="sldImg"/>
@@ -2383,7 +2388,7 @@
       </p:sp>
       <p:sp>
         <p:nvSpPr>
-          <p:cNvPr id="239" name="Google Shape;239;g215c8bf60af_0_121:notes"/>
+          <p:cNvPr id="247" name="Google Shape;247;g2197b14ef94_0_11:notes"/>
           <p:cNvSpPr txBox="1"/>
           <p:nvPr>
             <p:ph idx="1" type="body"/>
@@ -2433,7 +2438,7 @@
   <p:cSld>
     <p:spTree>
       <p:nvGrpSpPr>
-        <p:cNvPr id="245" name="Shape 245"/>
+        <p:cNvPr id="253" name="Shape 253"/>
         <p:cNvGrpSpPr/>
         <p:nvPr/>
       </p:nvGrpSpPr>
@@ -2447,7 +2452,7 @@
       </p:grpSpPr>
       <p:sp>
         <p:nvSpPr>
-          <p:cNvPr id="246" name="Google Shape;246;g215c8bf60af_0_128:notes"/>
+          <p:cNvPr id="254" name="Google Shape;254;g215c8bf60af_0_109:notes"/>
           <p:cNvSpPr/>
           <p:nvPr>
             <p:ph idx="2" type="sldImg"/>
@@ -2482,7 +2487,7 @@
       </p:sp>
       <p:sp>
         <p:nvSpPr>
-          <p:cNvPr id="247" name="Google Shape;247;g215c8bf60af_0_128:notes"/>
+          <p:cNvPr id="255" name="Google Shape;255;g215c8bf60af_0_109:notes"/>
           <p:cNvSpPr txBox="1"/>
           <p:nvPr>
             <p:ph idx="1" type="body"/>
@@ -2532,7 +2537,7 @@
   <p:cSld>
     <p:spTree>
       <p:nvGrpSpPr>
-        <p:cNvPr id="253" name="Shape 253"/>
+        <p:cNvPr id="265" name="Shape 265"/>
         <p:cNvGrpSpPr/>
         <p:nvPr/>
       </p:nvGrpSpPr>
@@ -2546,7 +2551,7 @@
       </p:grpSpPr>
       <p:sp>
         <p:nvSpPr>
-          <p:cNvPr id="254" name="Google Shape;254;g215c8bf60af_0_2:notes"/>
+          <p:cNvPr id="266" name="Google Shape;266;g215c8bf60af_0_241:notes"/>
           <p:cNvSpPr/>
           <p:nvPr>
             <p:ph idx="2" type="sldImg"/>
@@ -2581,7 +2586,304 @@
       </p:sp>
       <p:sp>
         <p:nvSpPr>
-          <p:cNvPr id="255" name="Google Shape;255;g215c8bf60af_0_2:notes"/>
+          <p:cNvPr id="267" name="Google Shape;267;g215c8bf60af_0_241:notes"/>
+          <p:cNvSpPr txBox="1"/>
+          <p:nvPr>
+            <p:ph idx="1" type="body"/>
+          </p:nvPr>
+        </p:nvSpPr>
+        <p:spPr>
+          <a:xfrm>
+            <a:off x="685800" y="4343400"/>
+            <a:ext cx="5486400" cy="4114800"/>
+          </a:xfrm>
+          <a:prstGeom prst="rect">
+            <a:avLst/>
+          </a:prstGeom>
+        </p:spPr>
+        <p:txBody>
+          <a:bodyPr anchorCtr="0" anchor="t" bIns="91425" lIns="91425" spcFirstLastPara="1" rIns="91425" wrap="square" tIns="91425">
+            <a:noAutofit/>
+          </a:bodyPr>
+          <a:lstStyle/>
+          <a:p>
+            <a:pPr indent="0" lvl="0" marL="0" rtl="0" algn="l">
+              <a:spcBef>
+                <a:spcPts val="0"/>
+              </a:spcBef>
+              <a:spcAft>
+                <a:spcPts val="0"/>
+              </a:spcAft>
+              <a:buNone/>
+            </a:pPr>
+            <a:r>
+              <a:t/>
+            </a:r>
+            <a:endParaRPr/>
+          </a:p>
+        </p:txBody>
+      </p:sp>
+    </p:spTree>
+  </p:cSld>
+  <p:clrMapOvr>
+    <a:masterClrMapping/>
+  </p:clrMapOvr>
+</p:notes>
+</file>
+
+<file path=ppt/notesSlides/notesSlide27.xml><?xml version="1.0" encoding="utf-8"?>
+<p:notes xmlns:a="http://schemas.openxmlformats.org/drawingml/2006/main" xmlns:r="http://schemas.openxmlformats.org/officeDocument/2006/relationships" xmlns:mc="http://schemas.openxmlformats.org/markup-compatibility/2006" xmlns:mv="urn:schemas-microsoft-com:mac:vml" xmlns:p="http://schemas.openxmlformats.org/presentationml/2006/main" xmlns:c="http://schemas.openxmlformats.org/drawingml/2006/chart" xmlns:dgm="http://schemas.openxmlformats.org/drawingml/2006/diagram" xmlns:o="urn:schemas-microsoft-com:office:office" xmlns:v="urn:schemas-microsoft-com:vml" xmlns:pvml="urn:schemas-microsoft-com:office:powerpoint" xmlns:com="http://schemas.openxmlformats.org/drawingml/2006/compatibility" xmlns:p14="http://schemas.microsoft.com/office/powerpoint/2010/main" xmlns:p15="http://schemas.microsoft.com/office/powerpoint/2012/main" xmlns:ahyp="http://schemas.microsoft.com/office/drawing/2018/hyperlinkcolor" showMasterPhAnim="0" showMasterSp="0">
+  <p:cSld>
+    <p:spTree>
+      <p:nvGrpSpPr>
+        <p:cNvPr id="273" name="Shape 273"/>
+        <p:cNvGrpSpPr/>
+        <p:nvPr/>
+      </p:nvGrpSpPr>
+      <p:grpSpPr>
+        <a:xfrm>
+          <a:off x="0" y="0"/>
+          <a:ext cx="0" cy="0"/>
+          <a:chOff x="0" y="0"/>
+          <a:chExt cx="0" cy="0"/>
+        </a:xfrm>
+      </p:grpSpPr>
+      <p:sp>
+        <p:nvSpPr>
+          <p:cNvPr id="274" name="Google Shape;274;g2197b14ef94_0_3:notes"/>
+          <p:cNvSpPr/>
+          <p:nvPr>
+            <p:ph idx="2" type="sldImg"/>
+          </p:nvPr>
+        </p:nvSpPr>
+        <p:spPr>
+          <a:xfrm>
+            <a:off x="1143309" y="685800"/>
+            <a:ext cx="4572000" cy="3429000"/>
+          </a:xfrm>
+          <a:custGeom>
+            <a:rect b="b" l="l" r="r" t="t"/>
+            <a:pathLst>
+              <a:path extrusionOk="0" h="120000" w="120000">
+                <a:moveTo>
+                  <a:pt x="0" y="0"/>
+                </a:moveTo>
+                <a:lnTo>
+                  <a:pt x="120000" y="0"/>
+                </a:lnTo>
+                <a:lnTo>
+                  <a:pt x="120000" y="120000"/>
+                </a:lnTo>
+                <a:lnTo>
+                  <a:pt x="0" y="120000"/>
+                </a:lnTo>
+                <a:close/>
+              </a:path>
+            </a:pathLst>
+          </a:custGeom>
+        </p:spPr>
+      </p:sp>
+      <p:sp>
+        <p:nvSpPr>
+          <p:cNvPr id="275" name="Google Shape;275;g2197b14ef94_0_3:notes"/>
+          <p:cNvSpPr txBox="1"/>
+          <p:nvPr>
+            <p:ph idx="1" type="body"/>
+          </p:nvPr>
+        </p:nvSpPr>
+        <p:spPr>
+          <a:xfrm>
+            <a:off x="685800" y="4343400"/>
+            <a:ext cx="5486400" cy="4114800"/>
+          </a:xfrm>
+          <a:prstGeom prst="rect">
+            <a:avLst/>
+          </a:prstGeom>
+        </p:spPr>
+        <p:txBody>
+          <a:bodyPr anchorCtr="0" anchor="t" bIns="91425" lIns="91425" spcFirstLastPara="1" rIns="91425" wrap="square" tIns="91425">
+            <a:noAutofit/>
+          </a:bodyPr>
+          <a:lstStyle/>
+          <a:p>
+            <a:pPr indent="0" lvl="0" marL="0" rtl="0" algn="l">
+              <a:spcBef>
+                <a:spcPts val="0"/>
+              </a:spcBef>
+              <a:spcAft>
+                <a:spcPts val="0"/>
+              </a:spcAft>
+              <a:buNone/>
+            </a:pPr>
+            <a:r>
+              <a:t/>
+            </a:r>
+            <a:endParaRPr/>
+          </a:p>
+        </p:txBody>
+      </p:sp>
+    </p:spTree>
+  </p:cSld>
+  <p:clrMapOvr>
+    <a:masterClrMapping/>
+  </p:clrMapOvr>
+</p:notes>
+</file>
+
+<file path=ppt/notesSlides/notesSlide28.xml><?xml version="1.0" encoding="utf-8"?>
+<p:notes xmlns:a="http://schemas.openxmlformats.org/drawingml/2006/main" xmlns:r="http://schemas.openxmlformats.org/officeDocument/2006/relationships" xmlns:mc="http://schemas.openxmlformats.org/markup-compatibility/2006" xmlns:mv="urn:schemas-microsoft-com:mac:vml" xmlns:p="http://schemas.openxmlformats.org/presentationml/2006/main" xmlns:c="http://schemas.openxmlformats.org/drawingml/2006/chart" xmlns:dgm="http://schemas.openxmlformats.org/drawingml/2006/diagram" xmlns:o="urn:schemas-microsoft-com:office:office" xmlns:v="urn:schemas-microsoft-com:vml" xmlns:pvml="urn:schemas-microsoft-com:office:powerpoint" xmlns:com="http://schemas.openxmlformats.org/drawingml/2006/compatibility" xmlns:p14="http://schemas.microsoft.com/office/powerpoint/2010/main" xmlns:p15="http://schemas.microsoft.com/office/powerpoint/2012/main" xmlns:ahyp="http://schemas.microsoft.com/office/drawing/2018/hyperlinkcolor" showMasterPhAnim="0" showMasterSp="0">
+  <p:cSld>
+    <p:spTree>
+      <p:nvGrpSpPr>
+        <p:cNvPr id="281" name="Shape 281"/>
+        <p:cNvGrpSpPr/>
+        <p:nvPr/>
+      </p:nvGrpSpPr>
+      <p:grpSpPr>
+        <a:xfrm>
+          <a:off x="0" y="0"/>
+          <a:ext cx="0" cy="0"/>
+          <a:chOff x="0" y="0"/>
+          <a:chExt cx="0" cy="0"/>
+        </a:xfrm>
+      </p:grpSpPr>
+      <p:sp>
+        <p:nvSpPr>
+          <p:cNvPr id="282" name="Google Shape;282;g215c8bf60af_0_48:notes"/>
+          <p:cNvSpPr/>
+          <p:nvPr>
+            <p:ph idx="2" type="sldImg"/>
+          </p:nvPr>
+        </p:nvSpPr>
+        <p:spPr>
+          <a:xfrm>
+            <a:off x="1143309" y="685800"/>
+            <a:ext cx="4572000" cy="3429000"/>
+          </a:xfrm>
+          <a:custGeom>
+            <a:rect b="b" l="l" r="r" t="t"/>
+            <a:pathLst>
+              <a:path extrusionOk="0" h="120000" w="120000">
+                <a:moveTo>
+                  <a:pt x="0" y="0"/>
+                </a:moveTo>
+                <a:lnTo>
+                  <a:pt x="120000" y="0"/>
+                </a:lnTo>
+                <a:lnTo>
+                  <a:pt x="120000" y="120000"/>
+                </a:lnTo>
+                <a:lnTo>
+                  <a:pt x="0" y="120000"/>
+                </a:lnTo>
+                <a:close/>
+              </a:path>
+            </a:pathLst>
+          </a:custGeom>
+        </p:spPr>
+      </p:sp>
+      <p:sp>
+        <p:nvSpPr>
+          <p:cNvPr id="283" name="Google Shape;283;g215c8bf60af_0_48:notes"/>
+          <p:cNvSpPr txBox="1"/>
+          <p:nvPr>
+            <p:ph idx="1" type="body"/>
+          </p:nvPr>
+        </p:nvSpPr>
+        <p:spPr>
+          <a:xfrm>
+            <a:off x="685800" y="4343400"/>
+            <a:ext cx="5486400" cy="4114800"/>
+          </a:xfrm>
+          <a:prstGeom prst="rect">
+            <a:avLst/>
+          </a:prstGeom>
+        </p:spPr>
+        <p:txBody>
+          <a:bodyPr anchorCtr="0" anchor="t" bIns="91425" lIns="91425" spcFirstLastPara="1" rIns="91425" wrap="square" tIns="91425">
+            <a:noAutofit/>
+          </a:bodyPr>
+          <a:lstStyle/>
+          <a:p>
+            <a:pPr indent="0" lvl="0" marL="0" rtl="0" algn="l">
+              <a:spcBef>
+                <a:spcPts val="0"/>
+              </a:spcBef>
+              <a:spcAft>
+                <a:spcPts val="0"/>
+              </a:spcAft>
+              <a:buNone/>
+            </a:pPr>
+            <a:r>
+              <a:t/>
+            </a:r>
+            <a:endParaRPr/>
+          </a:p>
+        </p:txBody>
+      </p:sp>
+    </p:spTree>
+  </p:cSld>
+  <p:clrMapOvr>
+    <a:masterClrMapping/>
+  </p:clrMapOvr>
+</p:notes>
+</file>
+
+<file path=ppt/notesSlides/notesSlide29.xml><?xml version="1.0" encoding="utf-8"?>
+<p:notes xmlns:a="http://schemas.openxmlformats.org/drawingml/2006/main" xmlns:r="http://schemas.openxmlformats.org/officeDocument/2006/relationships" xmlns:mc="http://schemas.openxmlformats.org/markup-compatibility/2006" xmlns:mv="urn:schemas-microsoft-com:mac:vml" xmlns:p="http://schemas.openxmlformats.org/presentationml/2006/main" xmlns:c="http://schemas.openxmlformats.org/drawingml/2006/chart" xmlns:dgm="http://schemas.openxmlformats.org/drawingml/2006/diagram" xmlns:o="urn:schemas-microsoft-com:office:office" xmlns:v="urn:schemas-microsoft-com:vml" xmlns:pvml="urn:schemas-microsoft-com:office:powerpoint" xmlns:com="http://schemas.openxmlformats.org/drawingml/2006/compatibility" xmlns:p14="http://schemas.microsoft.com/office/powerpoint/2010/main" xmlns:p15="http://schemas.microsoft.com/office/powerpoint/2012/main" xmlns:ahyp="http://schemas.microsoft.com/office/drawing/2018/hyperlinkcolor" showMasterPhAnim="0" showMasterSp="0">
+  <p:cSld>
+    <p:spTree>
+      <p:nvGrpSpPr>
+        <p:cNvPr id="288" name="Shape 288"/>
+        <p:cNvGrpSpPr/>
+        <p:nvPr/>
+      </p:nvGrpSpPr>
+      <p:grpSpPr>
+        <a:xfrm>
+          <a:off x="0" y="0"/>
+          <a:ext cx="0" cy="0"/>
+          <a:chOff x="0" y="0"/>
+          <a:chExt cx="0" cy="0"/>
+        </a:xfrm>
+      </p:grpSpPr>
+      <p:sp>
+        <p:nvSpPr>
+          <p:cNvPr id="289" name="Google Shape;289;g215c8bf60af_0_121:notes"/>
+          <p:cNvSpPr/>
+          <p:nvPr>
+            <p:ph idx="2" type="sldImg"/>
+          </p:nvPr>
+        </p:nvSpPr>
+        <p:spPr>
+          <a:xfrm>
+            <a:off x="1143309" y="685800"/>
+            <a:ext cx="4572000" cy="3429000"/>
+          </a:xfrm>
+          <a:custGeom>
+            <a:rect b="b" l="l" r="r" t="t"/>
+            <a:pathLst>
+              <a:path extrusionOk="0" h="120000" w="120000">
+                <a:moveTo>
+                  <a:pt x="0" y="0"/>
+                </a:moveTo>
+                <a:lnTo>
+                  <a:pt x="120000" y="0"/>
+                </a:lnTo>
+                <a:lnTo>
+                  <a:pt x="120000" y="120000"/>
+                </a:lnTo>
+                <a:lnTo>
+                  <a:pt x="0" y="120000"/>
+                </a:lnTo>
+                <a:close/>
+              </a:path>
+            </a:pathLst>
+          </a:custGeom>
+        </p:spPr>
+      </p:sp>
+      <p:sp>
+        <p:nvSpPr>
+          <p:cNvPr id="290" name="Google Shape;290;g215c8bf60af_0_121:notes"/>
           <p:cNvSpPr txBox="1"/>
           <p:nvPr>
             <p:ph idx="1" type="body"/>
@@ -2681,6 +2983,204 @@
       <p:sp>
         <p:nvSpPr>
           <p:cNvPr id="70" name="Google Shape;70;g215c8bf60af_0_18:notes"/>
+          <p:cNvSpPr txBox="1"/>
+          <p:nvPr>
+            <p:ph idx="1" type="body"/>
+          </p:nvPr>
+        </p:nvSpPr>
+        <p:spPr>
+          <a:xfrm>
+            <a:off x="685800" y="4343400"/>
+            <a:ext cx="5486400" cy="4114800"/>
+          </a:xfrm>
+          <a:prstGeom prst="rect">
+            <a:avLst/>
+          </a:prstGeom>
+        </p:spPr>
+        <p:txBody>
+          <a:bodyPr anchorCtr="0" anchor="t" bIns="91425" lIns="91425" spcFirstLastPara="1" rIns="91425" wrap="square" tIns="91425">
+            <a:noAutofit/>
+          </a:bodyPr>
+          <a:lstStyle/>
+          <a:p>
+            <a:pPr indent="0" lvl="0" marL="0" rtl="0" algn="l">
+              <a:spcBef>
+                <a:spcPts val="0"/>
+              </a:spcBef>
+              <a:spcAft>
+                <a:spcPts val="0"/>
+              </a:spcAft>
+              <a:buNone/>
+            </a:pPr>
+            <a:r>
+              <a:t/>
+            </a:r>
+            <a:endParaRPr/>
+          </a:p>
+        </p:txBody>
+      </p:sp>
+    </p:spTree>
+  </p:cSld>
+  <p:clrMapOvr>
+    <a:masterClrMapping/>
+  </p:clrMapOvr>
+</p:notes>
+</file>
+
+<file path=ppt/notesSlides/notesSlide30.xml><?xml version="1.0" encoding="utf-8"?>
+<p:notes xmlns:a="http://schemas.openxmlformats.org/drawingml/2006/main" xmlns:r="http://schemas.openxmlformats.org/officeDocument/2006/relationships" xmlns:mc="http://schemas.openxmlformats.org/markup-compatibility/2006" xmlns:mv="urn:schemas-microsoft-com:mac:vml" xmlns:p="http://schemas.openxmlformats.org/presentationml/2006/main" xmlns:c="http://schemas.openxmlformats.org/drawingml/2006/chart" xmlns:dgm="http://schemas.openxmlformats.org/drawingml/2006/diagram" xmlns:o="urn:schemas-microsoft-com:office:office" xmlns:v="urn:schemas-microsoft-com:vml" xmlns:pvml="urn:schemas-microsoft-com:office:powerpoint" xmlns:com="http://schemas.openxmlformats.org/drawingml/2006/compatibility" xmlns:p14="http://schemas.microsoft.com/office/powerpoint/2010/main" xmlns:p15="http://schemas.microsoft.com/office/powerpoint/2012/main" xmlns:ahyp="http://schemas.microsoft.com/office/drawing/2018/hyperlinkcolor" showMasterPhAnim="0" showMasterSp="0">
+  <p:cSld>
+    <p:spTree>
+      <p:nvGrpSpPr>
+        <p:cNvPr id="296" name="Shape 296"/>
+        <p:cNvGrpSpPr/>
+        <p:nvPr/>
+      </p:nvGrpSpPr>
+      <p:grpSpPr>
+        <a:xfrm>
+          <a:off x="0" y="0"/>
+          <a:ext cx="0" cy="0"/>
+          <a:chOff x="0" y="0"/>
+          <a:chExt cx="0" cy="0"/>
+        </a:xfrm>
+      </p:grpSpPr>
+      <p:sp>
+        <p:nvSpPr>
+          <p:cNvPr id="297" name="Google Shape;297;g215c8bf60af_0_128:notes"/>
+          <p:cNvSpPr/>
+          <p:nvPr>
+            <p:ph idx="2" type="sldImg"/>
+          </p:nvPr>
+        </p:nvSpPr>
+        <p:spPr>
+          <a:xfrm>
+            <a:off x="1143309" y="685800"/>
+            <a:ext cx="4572000" cy="3429000"/>
+          </a:xfrm>
+          <a:custGeom>
+            <a:rect b="b" l="l" r="r" t="t"/>
+            <a:pathLst>
+              <a:path extrusionOk="0" h="120000" w="120000">
+                <a:moveTo>
+                  <a:pt x="0" y="0"/>
+                </a:moveTo>
+                <a:lnTo>
+                  <a:pt x="120000" y="0"/>
+                </a:lnTo>
+                <a:lnTo>
+                  <a:pt x="120000" y="120000"/>
+                </a:lnTo>
+                <a:lnTo>
+                  <a:pt x="0" y="120000"/>
+                </a:lnTo>
+                <a:close/>
+              </a:path>
+            </a:pathLst>
+          </a:custGeom>
+        </p:spPr>
+      </p:sp>
+      <p:sp>
+        <p:nvSpPr>
+          <p:cNvPr id="298" name="Google Shape;298;g215c8bf60af_0_128:notes"/>
+          <p:cNvSpPr txBox="1"/>
+          <p:nvPr>
+            <p:ph idx="1" type="body"/>
+          </p:nvPr>
+        </p:nvSpPr>
+        <p:spPr>
+          <a:xfrm>
+            <a:off x="685800" y="4343400"/>
+            <a:ext cx="5486400" cy="4114800"/>
+          </a:xfrm>
+          <a:prstGeom prst="rect">
+            <a:avLst/>
+          </a:prstGeom>
+        </p:spPr>
+        <p:txBody>
+          <a:bodyPr anchorCtr="0" anchor="t" bIns="91425" lIns="91425" spcFirstLastPara="1" rIns="91425" wrap="square" tIns="91425">
+            <a:noAutofit/>
+          </a:bodyPr>
+          <a:lstStyle/>
+          <a:p>
+            <a:pPr indent="0" lvl="0" marL="0" rtl="0" algn="l">
+              <a:spcBef>
+                <a:spcPts val="0"/>
+              </a:spcBef>
+              <a:spcAft>
+                <a:spcPts val="0"/>
+              </a:spcAft>
+              <a:buNone/>
+            </a:pPr>
+            <a:r>
+              <a:t/>
+            </a:r>
+            <a:endParaRPr/>
+          </a:p>
+        </p:txBody>
+      </p:sp>
+    </p:spTree>
+  </p:cSld>
+  <p:clrMapOvr>
+    <a:masterClrMapping/>
+  </p:clrMapOvr>
+</p:notes>
+</file>
+
+<file path=ppt/notesSlides/notesSlide31.xml><?xml version="1.0" encoding="utf-8"?>
+<p:notes xmlns:a="http://schemas.openxmlformats.org/drawingml/2006/main" xmlns:r="http://schemas.openxmlformats.org/officeDocument/2006/relationships" xmlns:mc="http://schemas.openxmlformats.org/markup-compatibility/2006" xmlns:mv="urn:schemas-microsoft-com:mac:vml" xmlns:p="http://schemas.openxmlformats.org/presentationml/2006/main" xmlns:c="http://schemas.openxmlformats.org/drawingml/2006/chart" xmlns:dgm="http://schemas.openxmlformats.org/drawingml/2006/diagram" xmlns:o="urn:schemas-microsoft-com:office:office" xmlns:v="urn:schemas-microsoft-com:vml" xmlns:pvml="urn:schemas-microsoft-com:office:powerpoint" xmlns:com="http://schemas.openxmlformats.org/drawingml/2006/compatibility" xmlns:p14="http://schemas.microsoft.com/office/powerpoint/2010/main" xmlns:p15="http://schemas.microsoft.com/office/powerpoint/2012/main" xmlns:ahyp="http://schemas.microsoft.com/office/drawing/2018/hyperlinkcolor" showMasterPhAnim="0" showMasterSp="0">
+  <p:cSld>
+    <p:spTree>
+      <p:nvGrpSpPr>
+        <p:cNvPr id="304" name="Shape 304"/>
+        <p:cNvGrpSpPr/>
+        <p:nvPr/>
+      </p:nvGrpSpPr>
+      <p:grpSpPr>
+        <a:xfrm>
+          <a:off x="0" y="0"/>
+          <a:ext cx="0" cy="0"/>
+          <a:chOff x="0" y="0"/>
+          <a:chExt cx="0" cy="0"/>
+        </a:xfrm>
+      </p:grpSpPr>
+      <p:sp>
+        <p:nvSpPr>
+          <p:cNvPr id="305" name="Google Shape;305;g215c8bf60af_0_2:notes"/>
+          <p:cNvSpPr/>
+          <p:nvPr>
+            <p:ph idx="2" type="sldImg"/>
+          </p:nvPr>
+        </p:nvSpPr>
+        <p:spPr>
+          <a:xfrm>
+            <a:off x="1143309" y="685800"/>
+            <a:ext cx="4572000" cy="3429000"/>
+          </a:xfrm>
+          <a:custGeom>
+            <a:rect b="b" l="l" r="r" t="t"/>
+            <a:pathLst>
+              <a:path extrusionOk="0" h="120000" w="120000">
+                <a:moveTo>
+                  <a:pt x="0" y="0"/>
+                </a:moveTo>
+                <a:lnTo>
+                  <a:pt x="120000" y="0"/>
+                </a:lnTo>
+                <a:lnTo>
+                  <a:pt x="120000" y="120000"/>
+                </a:lnTo>
+                <a:lnTo>
+                  <a:pt x="0" y="120000"/>
+                </a:lnTo>
+                <a:close/>
+              </a:path>
+            </a:pathLst>
+          </a:custGeom>
+        </p:spPr>
+      </p:sp>
+      <p:sp>
+        <p:nvSpPr>
+          <p:cNvPr id="306" name="Google Shape;306;g215c8bf60af_0_2:notes"/>
           <p:cNvSpPr txBox="1"/>
           <p:nvPr>
             <p:ph idx="1" type="body"/>
@@ -8968,7 +9468,16 @@
                 <a:cs typeface="Economica"/>
                 <a:sym typeface="Economica"/>
               </a:rPr>
-              <a:t>06 - 14</a:t>
+              <a:t>06 </a:t>
+            </a:r>
+            <a:r>
+              <a:rPr b="1" lang="es" sz="3000">
+                <a:latin typeface="Economica"/>
+                <a:ea typeface="Economica"/>
+                <a:cs typeface="Economica"/>
+                <a:sym typeface="Economica"/>
+              </a:rPr>
+              <a:t>- 22</a:t>
             </a:r>
             <a:endParaRPr b="1" sz="3000">
               <a:latin typeface="Economica"/>
@@ -9384,7 +9893,16 @@
                 <a:cs typeface="Economica"/>
                 <a:sym typeface="Economica"/>
               </a:rPr>
-              <a:t>07 - 14</a:t>
+              <a:t>07 </a:t>
+            </a:r>
+            <a:r>
+              <a:rPr b="1" lang="es" sz="3000">
+                <a:latin typeface="Economica"/>
+                <a:ea typeface="Economica"/>
+                <a:cs typeface="Economica"/>
+                <a:sym typeface="Economica"/>
+              </a:rPr>
+              <a:t>- 22</a:t>
             </a:r>
             <a:endParaRPr b="1" sz="3000">
               <a:latin typeface="Economica"/>
@@ -9799,7 +10317,16 @@
                 <a:cs typeface="Economica"/>
                 <a:sym typeface="Economica"/>
               </a:rPr>
-              <a:t>08 - 14</a:t>
+              <a:t>08 </a:t>
+            </a:r>
+            <a:r>
+              <a:rPr b="1" lang="es" sz="3000">
+                <a:latin typeface="Economica"/>
+                <a:ea typeface="Economica"/>
+                <a:cs typeface="Economica"/>
+                <a:sym typeface="Economica"/>
+              </a:rPr>
+              <a:t>- 22</a:t>
             </a:r>
             <a:endParaRPr b="1" sz="3000">
               <a:latin typeface="Economica"/>
@@ -10214,7 +10741,16 @@
                 <a:cs typeface="Economica"/>
                 <a:sym typeface="Economica"/>
               </a:rPr>
-              <a:t>09 - 14</a:t>
+              <a:t>09 </a:t>
+            </a:r>
+            <a:r>
+              <a:rPr b="1" lang="es" sz="3000">
+                <a:latin typeface="Economica"/>
+                <a:ea typeface="Economica"/>
+                <a:cs typeface="Economica"/>
+                <a:sym typeface="Economica"/>
+              </a:rPr>
+              <a:t>- 22</a:t>
             </a:r>
             <a:endParaRPr b="1" sz="3000">
               <a:latin typeface="Economica"/>
@@ -10508,7 +11044,16 @@
                 <a:cs typeface="Economica"/>
                 <a:sym typeface="Economica"/>
               </a:rPr>
-              <a:t> - 14</a:t>
+              <a:t> </a:t>
+            </a:r>
+            <a:r>
+              <a:rPr b="1" lang="es" sz="3000">
+                <a:latin typeface="Economica"/>
+                <a:ea typeface="Economica"/>
+                <a:cs typeface="Economica"/>
+                <a:sym typeface="Economica"/>
+              </a:rPr>
+              <a:t>- 22</a:t>
             </a:r>
             <a:endParaRPr b="1" sz="3000">
               <a:latin typeface="Economica"/>
@@ -10606,7 +11151,7 @@
                 <a:cs typeface="Economica"/>
                 <a:sym typeface="Economica"/>
               </a:rPr>
-              <a:t>Columnas: 23</a:t>
+              <a:t>Columnas: 21</a:t>
             </a:r>
             <a:endParaRPr sz="3900">
               <a:latin typeface="Economica"/>
@@ -11091,7 +11636,7 @@
         <p:spPr>
           <a:xfrm>
             <a:off x="227125" y="161575"/>
-            <a:ext cx="8556900" cy="1339200"/>
+            <a:ext cx="8556900" cy="800400"/>
           </a:xfrm>
           <a:prstGeom prst="rect">
             <a:avLst/>
@@ -11133,32 +11678,6 @@
                 <a:sym typeface="Economica"/>
               </a:rPr>
               <a:t>. Análisis exploratorio</a:t>
-            </a:r>
-            <a:endParaRPr b="1" sz="4000">
-              <a:latin typeface="Economica"/>
-              <a:ea typeface="Economica"/>
-              <a:cs typeface="Economica"/>
-              <a:sym typeface="Economica"/>
-            </a:endParaRPr>
-          </a:p>
-          <a:p>
-            <a:pPr indent="0" lvl="0" marL="0" rtl="0" algn="l">
-              <a:spcBef>
-                <a:spcPts val="0"/>
-              </a:spcBef>
-              <a:spcAft>
-                <a:spcPts val="0"/>
-              </a:spcAft>
-              <a:buNone/>
-            </a:pPr>
-            <a:r>
-              <a:rPr lang="es" sz="3500">
-                <a:latin typeface="Economica"/>
-                <a:ea typeface="Economica"/>
-                <a:cs typeface="Economica"/>
-                <a:sym typeface="Economica"/>
-              </a:rPr>
-              <a:t>XX</a:t>
             </a:r>
             <a:endParaRPr sz="3500">
               <a:latin typeface="Economica"/>
@@ -11214,7 +11733,25 @@
                 <a:cs typeface="Economica"/>
                 <a:sym typeface="Economica"/>
               </a:rPr>
-              <a:t>08 - 14</a:t>
+              <a:t>11</a:t>
+            </a:r>
+            <a:r>
+              <a:rPr b="1" lang="es" sz="3000">
+                <a:latin typeface="Economica"/>
+                <a:ea typeface="Economica"/>
+                <a:cs typeface="Economica"/>
+                <a:sym typeface="Economica"/>
+              </a:rPr>
+              <a:t> </a:t>
+            </a:r>
+            <a:r>
+              <a:rPr b="1" lang="es" sz="3000">
+                <a:latin typeface="Economica"/>
+                <a:ea typeface="Economica"/>
+                <a:cs typeface="Economica"/>
+                <a:sym typeface="Economica"/>
+              </a:rPr>
+              <a:t>- 22</a:t>
             </a:r>
             <a:endParaRPr b="1" sz="3000">
               <a:latin typeface="Economica"/>
@@ -11263,6 +11800,162 @@
               <a:t/>
             </a:r>
             <a:endParaRPr sz="3500">
+              <a:latin typeface="Economica"/>
+              <a:ea typeface="Economica"/>
+              <a:cs typeface="Economica"/>
+              <a:sym typeface="Economica"/>
+            </a:endParaRPr>
+          </a:p>
+        </p:txBody>
+      </p:sp>
+      <p:sp>
+        <p:nvSpPr>
+          <p:cNvPr id="194" name="Google Shape;194;p30"/>
+          <p:cNvSpPr txBox="1"/>
+          <p:nvPr/>
+        </p:nvSpPr>
+        <p:spPr>
+          <a:xfrm>
+            <a:off x="908575" y="1634875"/>
+            <a:ext cx="7194000" cy="3879000"/>
+          </a:xfrm>
+          <a:prstGeom prst="rect">
+            <a:avLst/>
+          </a:prstGeom>
+          <a:noFill/>
+          <a:ln>
+            <a:noFill/>
+          </a:ln>
+        </p:spPr>
+        <p:txBody>
+          <a:bodyPr anchorCtr="0" anchor="t" bIns="91425" lIns="91425" spcFirstLastPara="1" rIns="91425" wrap="square" tIns="91425">
+            <a:spAutoFit/>
+          </a:bodyPr>
+          <a:lstStyle/>
+          <a:p>
+            <a:pPr indent="0" lvl="0" marL="0" rtl="0" algn="l">
+              <a:spcBef>
+                <a:spcPts val="0"/>
+              </a:spcBef>
+              <a:spcAft>
+                <a:spcPts val="0"/>
+              </a:spcAft>
+              <a:buNone/>
+            </a:pPr>
+            <a:r>
+              <a:rPr b="1" lang="es" sz="4400">
+                <a:latin typeface="Economica"/>
+                <a:ea typeface="Economica"/>
+                <a:cs typeface="Economica"/>
+                <a:sym typeface="Economica"/>
+              </a:rPr>
+              <a:t>Objetivos:</a:t>
+            </a:r>
+            <a:endParaRPr b="1" sz="4400">
+              <a:latin typeface="Economica"/>
+              <a:ea typeface="Economica"/>
+              <a:cs typeface="Economica"/>
+              <a:sym typeface="Economica"/>
+            </a:endParaRPr>
+          </a:p>
+          <a:p>
+            <a:pPr indent="0" lvl="0" marL="0" rtl="0" algn="l">
+              <a:spcBef>
+                <a:spcPts val="0"/>
+              </a:spcBef>
+              <a:spcAft>
+                <a:spcPts val="0"/>
+              </a:spcAft>
+              <a:buNone/>
+            </a:pPr>
+            <a:r>
+              <a:t/>
+            </a:r>
+            <a:endParaRPr b="1" sz="4400">
+              <a:latin typeface="Economica"/>
+              <a:ea typeface="Economica"/>
+              <a:cs typeface="Economica"/>
+              <a:sym typeface="Economica"/>
+            </a:endParaRPr>
+          </a:p>
+          <a:p>
+            <a:pPr indent="-469900" lvl="0" marL="457200" rtl="0" algn="l">
+              <a:spcBef>
+                <a:spcPts val="0"/>
+              </a:spcBef>
+              <a:spcAft>
+                <a:spcPts val="0"/>
+              </a:spcAft>
+              <a:buSzPts val="3800"/>
+              <a:buFont typeface="Economica"/>
+              <a:buChar char="●"/>
+            </a:pPr>
+            <a:r>
+              <a:rPr lang="es" sz="3800">
+                <a:latin typeface="Economica"/>
+                <a:ea typeface="Economica"/>
+                <a:cs typeface="Economica"/>
+                <a:sym typeface="Economica"/>
+              </a:rPr>
+              <a:t>Conocer a fondo el dataset</a:t>
+            </a:r>
+            <a:endParaRPr sz="3800">
+              <a:latin typeface="Economica"/>
+              <a:ea typeface="Economica"/>
+              <a:cs typeface="Economica"/>
+              <a:sym typeface="Economica"/>
+            </a:endParaRPr>
+          </a:p>
+          <a:p>
+            <a:pPr indent="-469900" lvl="0" marL="457200" rtl="0" algn="l">
+              <a:spcBef>
+                <a:spcPts val="0"/>
+              </a:spcBef>
+              <a:spcAft>
+                <a:spcPts val="0"/>
+              </a:spcAft>
+              <a:buSzPts val="3800"/>
+              <a:buFont typeface="Economica"/>
+              <a:buChar char="●"/>
+            </a:pPr>
+            <a:r>
+              <a:rPr lang="es" sz="3800">
+                <a:latin typeface="Economica"/>
+                <a:ea typeface="Economica"/>
+                <a:cs typeface="Economica"/>
+                <a:sym typeface="Economica"/>
+              </a:rPr>
+              <a:t>Visualizar de forma inmediata conclusiones rápidas sobre los datos</a:t>
+            </a:r>
+            <a:endParaRPr sz="3800">
+              <a:latin typeface="Economica"/>
+              <a:ea typeface="Economica"/>
+              <a:cs typeface="Economica"/>
+              <a:sym typeface="Economica"/>
+            </a:endParaRPr>
+          </a:p>
+          <a:p>
+            <a:pPr indent="-469900" lvl="0" marL="457200" rtl="0" algn="l">
+              <a:spcBef>
+                <a:spcPts val="0"/>
+              </a:spcBef>
+              <a:spcAft>
+                <a:spcPts val="0"/>
+              </a:spcAft>
+              <a:buSzPts val="3800"/>
+              <a:buFont typeface="Economica"/>
+              <a:buChar char="●"/>
+            </a:pPr>
+            <a:r>
+              <a:rPr lang="es" sz="3800">
+                <a:latin typeface="Economica"/>
+                <a:ea typeface="Economica"/>
+                <a:cs typeface="Economica"/>
+                <a:sym typeface="Economica"/>
+              </a:rPr>
+              <a:t>Identificar posibles fallos y valores perdidos</a:t>
+            </a:r>
+            <a:endParaRPr sz="3800">
               <a:latin typeface="Economica"/>
               <a:ea typeface="Economica"/>
               <a:cs typeface="Economica"/>
@@ -11284,7 +11977,7 @@
   <p:cSld>
     <p:spTree>
       <p:nvGrpSpPr>
-        <p:cNvPr id="197" name="Shape 197"/>
+        <p:cNvPr id="198" name="Shape 198"/>
         <p:cNvGrpSpPr/>
         <p:nvPr/>
       </p:nvGrpSpPr>
@@ -11298,14 +11991,14 @@
       </p:grpSpPr>
       <p:sp>
         <p:nvSpPr>
-          <p:cNvPr id="198" name="Google Shape;198;p31"/>
+          <p:cNvPr id="199" name="Google Shape;199;p31"/>
           <p:cNvSpPr txBox="1"/>
           <p:nvPr/>
         </p:nvSpPr>
         <p:spPr>
           <a:xfrm>
             <a:off x="227125" y="161575"/>
-            <a:ext cx="8556900" cy="1339200"/>
+            <a:ext cx="8556900" cy="800400"/>
           </a:xfrm>
           <a:prstGeom prst="rect">
             <a:avLst/>
@@ -11346,33 +12039,7 @@
                 <a:cs typeface="Economica"/>
                 <a:sym typeface="Economica"/>
               </a:rPr>
-              <a:t>. Análisis exploratorio</a:t>
-            </a:r>
-            <a:endParaRPr b="1" sz="4000">
-              <a:latin typeface="Economica"/>
-              <a:ea typeface="Economica"/>
-              <a:cs typeface="Economica"/>
-              <a:sym typeface="Economica"/>
-            </a:endParaRPr>
-          </a:p>
-          <a:p>
-            <a:pPr indent="0" lvl="0" marL="0" rtl="0" algn="l">
-              <a:spcBef>
-                <a:spcPts val="0"/>
-              </a:spcBef>
-              <a:spcAft>
-                <a:spcPts val="0"/>
-              </a:spcAft>
-              <a:buNone/>
-            </a:pPr>
-            <a:r>
-              <a:rPr lang="es" sz="3500">
-                <a:latin typeface="Economica"/>
-                <a:ea typeface="Economica"/>
-                <a:cs typeface="Economica"/>
-                <a:sym typeface="Economica"/>
-              </a:rPr>
-              <a:t>XY</a:t>
+              <a:t>. Análisis exploratorio - Frecuencia y tendencia</a:t>
             </a:r>
             <a:endParaRPr sz="3500">
               <a:latin typeface="Economica"/>
@@ -11385,7 +12052,7 @@
       </p:sp>
       <p:sp>
         <p:nvSpPr>
-          <p:cNvPr id="199" name="Google Shape;199;p31"/>
+          <p:cNvPr id="200" name="Google Shape;200;p31"/>
           <p:cNvSpPr/>
           <p:nvPr/>
         </p:nvSpPr>
@@ -11428,7 +12095,25 @@
                 <a:cs typeface="Economica"/>
                 <a:sym typeface="Economica"/>
               </a:rPr>
-              <a:t>09 - 14</a:t>
+              <a:t>12</a:t>
+            </a:r>
+            <a:r>
+              <a:rPr b="1" lang="es" sz="3000">
+                <a:latin typeface="Economica"/>
+                <a:ea typeface="Economica"/>
+                <a:cs typeface="Economica"/>
+                <a:sym typeface="Economica"/>
+              </a:rPr>
+              <a:t> </a:t>
+            </a:r>
+            <a:r>
+              <a:rPr b="1" lang="es" sz="3000">
+                <a:latin typeface="Economica"/>
+                <a:ea typeface="Economica"/>
+                <a:cs typeface="Economica"/>
+                <a:sym typeface="Economica"/>
+              </a:rPr>
+              <a:t>- 22</a:t>
             </a:r>
             <a:endParaRPr b="1" sz="3000">
               <a:latin typeface="Economica"/>
@@ -11441,7 +12126,7 @@
       </p:sp>
       <p:sp>
         <p:nvSpPr>
-          <p:cNvPr id="200" name="Google Shape;200;p31"/>
+          <p:cNvPr id="201" name="Google Shape;201;p31"/>
           <p:cNvSpPr txBox="1"/>
           <p:nvPr/>
         </p:nvSpPr>
@@ -11485,6 +12170,103 @@
           </a:p>
         </p:txBody>
       </p:sp>
+      <p:sp>
+        <p:nvSpPr>
+          <p:cNvPr id="202" name="Google Shape;202;p31"/>
+          <p:cNvSpPr txBox="1"/>
+          <p:nvPr/>
+        </p:nvSpPr>
+        <p:spPr>
+          <a:xfrm>
+            <a:off x="2073625" y="683500"/>
+            <a:ext cx="4448400" cy="785100"/>
+          </a:xfrm>
+          <a:prstGeom prst="rect">
+            <a:avLst/>
+          </a:prstGeom>
+          <a:noFill/>
+          <a:ln>
+            <a:noFill/>
+          </a:ln>
+        </p:spPr>
+        <p:txBody>
+          <a:bodyPr anchorCtr="0" anchor="t" bIns="91425" lIns="91425" spcFirstLastPara="1" rIns="91425" wrap="square" tIns="91425">
+            <a:spAutoFit/>
+          </a:bodyPr>
+          <a:lstStyle/>
+          <a:p>
+            <a:pPr indent="0" lvl="0" marL="0" rtl="0" algn="ctr">
+              <a:spcBef>
+                <a:spcPts val="0"/>
+              </a:spcBef>
+              <a:spcAft>
+                <a:spcPts val="0"/>
+              </a:spcAft>
+              <a:buNone/>
+            </a:pPr>
+            <a:r>
+              <a:t/>
+            </a:r>
+            <a:endParaRPr b="1" sz="3900"/>
+          </a:p>
+        </p:txBody>
+      </p:sp>
+      <p:pic>
+        <p:nvPicPr>
+          <p:cNvPr id="203" name="Google Shape;203;p31"/>
+          <p:cNvPicPr preferRelativeResize="0"/>
+          <p:nvPr/>
+        </p:nvPicPr>
+        <p:blipFill>
+          <a:blip r:embed="rId3">
+            <a:alphaModFix/>
+          </a:blip>
+          <a:stretch>
+            <a:fillRect/>
+          </a:stretch>
+        </p:blipFill>
+        <p:spPr>
+          <a:xfrm>
+            <a:off x="152400" y="1297475"/>
+            <a:ext cx="5312298" cy="4875249"/>
+          </a:xfrm>
+          <a:prstGeom prst="rect">
+            <a:avLst/>
+          </a:prstGeom>
+          <a:noFill/>
+          <a:ln>
+            <a:noFill/>
+          </a:ln>
+        </p:spPr>
+      </p:pic>
+      <p:pic>
+        <p:nvPicPr>
+          <p:cNvPr id="204" name="Google Shape;204;p31"/>
+          <p:cNvPicPr preferRelativeResize="0"/>
+          <p:nvPr/>
+        </p:nvPicPr>
+        <p:blipFill>
+          <a:blip r:embed="rId4">
+            <a:alphaModFix/>
+          </a:blip>
+          <a:stretch>
+            <a:fillRect/>
+          </a:stretch>
+        </p:blipFill>
+        <p:spPr>
+          <a:xfrm>
+            <a:off x="5380075" y="1487022"/>
+            <a:ext cx="3763925" cy="3308954"/>
+          </a:xfrm>
+          <a:prstGeom prst="rect">
+            <a:avLst/>
+          </a:prstGeom>
+          <a:noFill/>
+          <a:ln>
+            <a:noFill/>
+          </a:ln>
+        </p:spPr>
+      </p:pic>
     </p:spTree>
   </p:cSld>
   <p:clrMapOvr>
@@ -11498,7 +12280,7 @@
   <p:cSld>
     <p:spTree>
       <p:nvGrpSpPr>
-        <p:cNvPr id="204" name="Shape 204"/>
+        <p:cNvPr id="208" name="Shape 208"/>
         <p:cNvGrpSpPr/>
         <p:nvPr/>
       </p:nvGrpSpPr>
@@ -11510,16 +12292,44 @@
           <a:chExt cx="0" cy="0"/>
         </a:xfrm>
       </p:grpSpPr>
-      <p:sp>
-        <p:nvSpPr>
-          <p:cNvPr id="205" name="Google Shape;205;p32"/>
+      <p:pic>
+        <p:nvPicPr>
+          <p:cNvPr id="209" name="Google Shape;209;p32"/>
+          <p:cNvPicPr preferRelativeResize="0"/>
+          <p:nvPr/>
+        </p:nvPicPr>
+        <p:blipFill>
+          <a:blip r:embed="rId3">
+            <a:alphaModFix/>
+          </a:blip>
+          <a:stretch>
+            <a:fillRect/>
+          </a:stretch>
+        </p:blipFill>
+        <p:spPr>
+          <a:xfrm>
+            <a:off x="557875" y="961975"/>
+            <a:ext cx="7182924" cy="5565989"/>
+          </a:xfrm>
+          <a:prstGeom prst="rect">
+            <a:avLst/>
+          </a:prstGeom>
+          <a:noFill/>
+          <a:ln>
+            <a:noFill/>
+          </a:ln>
+        </p:spPr>
+      </p:pic>
+      <p:sp>
+        <p:nvSpPr>
+          <p:cNvPr id="210" name="Google Shape;210;p32"/>
           <p:cNvSpPr txBox="1"/>
           <p:nvPr/>
         </p:nvSpPr>
         <p:spPr>
           <a:xfrm>
             <a:off x="227125" y="161575"/>
-            <a:ext cx="8556900" cy="1339200"/>
+            <a:ext cx="8556900" cy="800400"/>
           </a:xfrm>
           <a:prstGeom prst="rect">
             <a:avLst/>
@@ -11551,42 +12361,19 @@
                 <a:cs typeface="Economica"/>
                 <a:sym typeface="Economica"/>
               </a:rPr>
-              <a:t>4</a:t>
+              <a:t>4. Análisis exploratorio - </a:t>
             </a:r>
             <a:r>
               <a:rPr b="1" lang="es" sz="4000">
-                <a:latin typeface="Economica"/>
-                <a:ea typeface="Economica"/>
-                <a:cs typeface="Economica"/>
-                <a:sym typeface="Economica"/>
-              </a:rPr>
-              <a:t>. Análisis exploratorio</a:t>
-            </a:r>
-            <a:endParaRPr b="1" sz="4000">
-              <a:latin typeface="Economica"/>
-              <a:ea typeface="Economica"/>
-              <a:cs typeface="Economica"/>
-              <a:sym typeface="Economica"/>
-            </a:endParaRPr>
-          </a:p>
-          <a:p>
-            <a:pPr indent="0" lvl="0" marL="0" rtl="0" algn="l">
-              <a:spcBef>
-                <a:spcPts val="0"/>
-              </a:spcBef>
-              <a:spcAft>
-                <a:spcPts val="0"/>
-              </a:spcAft>
-              <a:buNone/>
-            </a:pPr>
-            <a:r>
-              <a:rPr lang="es" sz="3500">
-                <a:latin typeface="Economica"/>
-                <a:ea typeface="Economica"/>
-                <a:cs typeface="Economica"/>
-                <a:sym typeface="Economica"/>
-              </a:rPr>
-              <a:t>XZ</a:t>
+                <a:solidFill>
+                  <a:schemeClr val="dk1"/>
+                </a:solidFill>
+                <a:latin typeface="Economica"/>
+                <a:ea typeface="Economica"/>
+                <a:cs typeface="Economica"/>
+                <a:sym typeface="Economica"/>
+              </a:rPr>
+              <a:t>Tamaño paquetes</a:t>
             </a:r>
             <a:endParaRPr sz="3500">
               <a:latin typeface="Economica"/>
@@ -11599,7 +12386,7 @@
       </p:sp>
       <p:sp>
         <p:nvSpPr>
-          <p:cNvPr id="206" name="Google Shape;206;p32"/>
+          <p:cNvPr id="211" name="Google Shape;211;p32"/>
           <p:cNvSpPr/>
           <p:nvPr/>
         </p:nvSpPr>
@@ -11642,7 +12429,7 @@
                 <a:cs typeface="Economica"/>
                 <a:sym typeface="Economica"/>
               </a:rPr>
-              <a:t>10</a:t>
+              <a:t>13 </a:t>
             </a:r>
             <a:r>
               <a:rPr b="1" lang="es" sz="3000">
@@ -11651,7 +12438,7 @@
                 <a:cs typeface="Economica"/>
                 <a:sym typeface="Economica"/>
               </a:rPr>
-              <a:t> - 14</a:t>
+              <a:t>- 22</a:t>
             </a:r>
             <a:endParaRPr b="1" sz="3000">
               <a:latin typeface="Economica"/>
@@ -11664,7 +12451,7 @@
       </p:sp>
       <p:sp>
         <p:nvSpPr>
-          <p:cNvPr id="207" name="Google Shape;207;p32"/>
+          <p:cNvPr id="212" name="Google Shape;212;p32"/>
           <p:cNvSpPr txBox="1"/>
           <p:nvPr/>
         </p:nvSpPr>
@@ -12089,7 +12876,7 @@
   <p:cSld>
     <p:spTree>
       <p:nvGrpSpPr>
-        <p:cNvPr id="211" name="Shape 211"/>
+        <p:cNvPr id="216" name="Shape 216"/>
         <p:cNvGrpSpPr/>
         <p:nvPr/>
       </p:nvGrpSpPr>
@@ -12103,7 +12890,7 @@
       </p:grpSpPr>
       <p:sp>
         <p:nvSpPr>
-          <p:cNvPr id="212" name="Google Shape;212;p33"/>
+          <p:cNvPr id="217" name="Google Shape;217;p33"/>
           <p:cNvSpPr txBox="1"/>
           <p:nvPr/>
         </p:nvSpPr>
@@ -12142,292 +12929,19 @@
                 <a:cs typeface="Economica"/>
                 <a:sym typeface="Economica"/>
               </a:rPr>
-              <a:t>Índice general</a:t>
-            </a:r>
-            <a:endParaRPr b="1" sz="4000">
-              <a:latin typeface="Economica"/>
-              <a:ea typeface="Economica"/>
-              <a:cs typeface="Economica"/>
-              <a:sym typeface="Economica"/>
-            </a:endParaRPr>
-          </a:p>
-        </p:txBody>
-      </p:sp>
-      <p:sp>
-        <p:nvSpPr>
-          <p:cNvPr id="213" name="Google Shape;213;p33"/>
-          <p:cNvSpPr txBox="1"/>
-          <p:nvPr/>
-        </p:nvSpPr>
-        <p:spPr>
-          <a:xfrm>
-            <a:off x="679150" y="915300"/>
-            <a:ext cx="8104800" cy="3879000"/>
-          </a:xfrm>
-          <a:prstGeom prst="rect">
-            <a:avLst/>
-          </a:prstGeom>
-          <a:noFill/>
-          <a:ln>
-            <a:noFill/>
-          </a:ln>
-        </p:spPr>
-        <p:txBody>
-          <a:bodyPr anchorCtr="0" anchor="t" bIns="91425" lIns="91425" spcFirstLastPara="1" rIns="91425" wrap="square" tIns="91425">
-            <a:spAutoFit/>
-          </a:bodyPr>
-          <a:lstStyle/>
-          <a:p>
-            <a:pPr indent="-482600" lvl="0" marL="457200" rtl="0" algn="l">
-              <a:spcBef>
-                <a:spcPts val="0"/>
-              </a:spcBef>
-              <a:spcAft>
-                <a:spcPts val="0"/>
-              </a:spcAft>
-              <a:buClr>
-                <a:srgbClr val="999999"/>
-              </a:buClr>
-              <a:buSzPts val="4000"/>
-              <a:buFont typeface="Economica"/>
-              <a:buAutoNum type="arabicPeriod"/>
-            </a:pPr>
-            <a:r>
-              <a:rPr lang="es" sz="4000">
+              <a:t>4. Análisis exploratorio - </a:t>
+            </a:r>
+            <a:r>
+              <a:rPr b="1" lang="es" sz="4000">
                 <a:solidFill>
-                  <a:srgbClr val="999999"/>
+                  <a:schemeClr val="dk1"/>
                 </a:solidFill>
                 <a:latin typeface="Economica"/>
                 <a:ea typeface="Economica"/>
                 <a:cs typeface="Economica"/>
                 <a:sym typeface="Economica"/>
               </a:rPr>
-              <a:t>Dominio y objetivo</a:t>
-            </a:r>
-            <a:endParaRPr sz="4000">
-              <a:solidFill>
-                <a:srgbClr val="999999"/>
-              </a:solidFill>
-              <a:latin typeface="Economica"/>
-              <a:ea typeface="Economica"/>
-              <a:cs typeface="Economica"/>
-              <a:sym typeface="Economica"/>
-            </a:endParaRPr>
-          </a:p>
-          <a:p>
-            <a:pPr indent="-482600" lvl="0" marL="457200" rtl="0" algn="l">
-              <a:spcBef>
-                <a:spcPts val="0"/>
-              </a:spcBef>
-              <a:spcAft>
-                <a:spcPts val="0"/>
-              </a:spcAft>
-              <a:buClr>
-                <a:srgbClr val="999999"/>
-              </a:buClr>
-              <a:buSzPts val="4000"/>
-              <a:buFont typeface="Economica"/>
-              <a:buAutoNum type="arabicPeriod"/>
-            </a:pPr>
-            <a:r>
-              <a:rPr lang="es" sz="4000">
-                <a:solidFill>
-                  <a:srgbClr val="999999"/>
-                </a:solidFill>
-                <a:latin typeface="Economica"/>
-                <a:ea typeface="Economica"/>
-                <a:cs typeface="Economica"/>
-                <a:sym typeface="Economica"/>
-              </a:rPr>
-              <a:t>Preguntas de interés</a:t>
-            </a:r>
-            <a:endParaRPr sz="4000">
-              <a:solidFill>
-                <a:srgbClr val="999999"/>
-              </a:solidFill>
-              <a:latin typeface="Economica"/>
-              <a:ea typeface="Economica"/>
-              <a:cs typeface="Economica"/>
-              <a:sym typeface="Economica"/>
-            </a:endParaRPr>
-          </a:p>
-          <a:p>
-            <a:pPr indent="-482600" lvl="0" marL="457200" rtl="0" algn="l">
-              <a:spcBef>
-                <a:spcPts val="0"/>
-              </a:spcBef>
-              <a:spcAft>
-                <a:spcPts val="0"/>
-              </a:spcAft>
-              <a:buClr>
-                <a:srgbClr val="999999"/>
-              </a:buClr>
-              <a:buSzPts val="4000"/>
-              <a:buFont typeface="Economica"/>
-              <a:buAutoNum type="arabicPeriod"/>
-            </a:pPr>
-            <a:r>
-              <a:rPr lang="es" sz="4000">
-                <a:solidFill>
-                  <a:srgbClr val="999999"/>
-                </a:solidFill>
-                <a:latin typeface="Economica"/>
-                <a:ea typeface="Economica"/>
-                <a:cs typeface="Economica"/>
-                <a:sym typeface="Economica"/>
-              </a:rPr>
-              <a:t>Preprocesado</a:t>
-            </a:r>
-            <a:endParaRPr sz="4000">
-              <a:solidFill>
-                <a:srgbClr val="999999"/>
-              </a:solidFill>
-              <a:latin typeface="Economica"/>
-              <a:ea typeface="Economica"/>
-              <a:cs typeface="Economica"/>
-              <a:sym typeface="Economica"/>
-            </a:endParaRPr>
-          </a:p>
-          <a:p>
-            <a:pPr indent="-482600" lvl="0" marL="457200" rtl="0" algn="l">
-              <a:spcBef>
-                <a:spcPts val="0"/>
-              </a:spcBef>
-              <a:spcAft>
-                <a:spcPts val="0"/>
-              </a:spcAft>
-              <a:buClr>
-                <a:srgbClr val="999999"/>
-              </a:buClr>
-              <a:buSzPts val="4000"/>
-              <a:buFont typeface="Economica"/>
-              <a:buAutoNum type="arabicPeriod"/>
-            </a:pPr>
-            <a:r>
-              <a:rPr lang="es" sz="4000">
-                <a:solidFill>
-                  <a:srgbClr val="999999"/>
-                </a:solidFill>
-                <a:latin typeface="Economica"/>
-                <a:ea typeface="Economica"/>
-                <a:cs typeface="Economica"/>
-                <a:sym typeface="Economica"/>
-              </a:rPr>
-              <a:t>Análisis exploratorio</a:t>
-            </a:r>
-            <a:endParaRPr sz="4000">
-              <a:solidFill>
-                <a:srgbClr val="999999"/>
-              </a:solidFill>
-              <a:latin typeface="Economica"/>
-              <a:ea typeface="Economica"/>
-              <a:cs typeface="Economica"/>
-              <a:sym typeface="Economica"/>
-            </a:endParaRPr>
-          </a:p>
-          <a:p>
-            <a:pPr indent="-482600" lvl="0" marL="457200" rtl="0" algn="l">
-              <a:spcBef>
-                <a:spcPts val="0"/>
-              </a:spcBef>
-              <a:spcAft>
-                <a:spcPts val="0"/>
-              </a:spcAft>
-              <a:buSzPts val="4000"/>
-              <a:buFont typeface="Economica"/>
-              <a:buAutoNum type="arabicPeriod"/>
-            </a:pPr>
-            <a:r>
-              <a:rPr lang="es" sz="4000">
-                <a:latin typeface="Economica"/>
-                <a:ea typeface="Economica"/>
-                <a:cs typeface="Economica"/>
-                <a:sym typeface="Economica"/>
-              </a:rPr>
-              <a:t>Resultados</a:t>
-            </a:r>
-            <a:endParaRPr sz="4000">
-              <a:latin typeface="Economica"/>
-              <a:ea typeface="Economica"/>
-              <a:cs typeface="Economica"/>
-              <a:sym typeface="Economica"/>
-            </a:endParaRPr>
-          </a:p>
-          <a:p>
-            <a:pPr indent="-482600" lvl="0" marL="457200" rtl="0" algn="l">
-              <a:spcBef>
-                <a:spcPts val="0"/>
-              </a:spcBef>
-              <a:spcAft>
-                <a:spcPts val="0"/>
-              </a:spcAft>
-              <a:buClr>
-                <a:srgbClr val="999999"/>
-              </a:buClr>
-              <a:buSzPts val="4000"/>
-              <a:buFont typeface="Economica"/>
-              <a:buAutoNum type="arabicPeriod"/>
-            </a:pPr>
-            <a:r>
-              <a:rPr lang="es" sz="4000">
-                <a:solidFill>
-                  <a:srgbClr val="999999"/>
-                </a:solidFill>
-                <a:latin typeface="Economica"/>
-                <a:ea typeface="Economica"/>
-                <a:cs typeface="Economica"/>
-                <a:sym typeface="Economica"/>
-              </a:rPr>
-              <a:t>Conclusiones</a:t>
-            </a:r>
-            <a:endParaRPr sz="4000">
-              <a:solidFill>
-                <a:srgbClr val="999999"/>
-              </a:solidFill>
-              <a:latin typeface="Economica"/>
-              <a:ea typeface="Economica"/>
-              <a:cs typeface="Economica"/>
-              <a:sym typeface="Economica"/>
-            </a:endParaRPr>
-          </a:p>
-        </p:txBody>
-      </p:sp>
-      <p:sp>
-        <p:nvSpPr>
-          <p:cNvPr id="214" name="Google Shape;214;p33"/>
-          <p:cNvSpPr txBox="1"/>
-          <p:nvPr/>
-        </p:nvSpPr>
-        <p:spPr>
-          <a:xfrm>
-            <a:off x="5679525" y="161575"/>
-            <a:ext cx="2854500" cy="723300"/>
-          </a:xfrm>
-          <a:prstGeom prst="rect">
-            <a:avLst/>
-          </a:prstGeom>
-          <a:noFill/>
-          <a:ln>
-            <a:noFill/>
-          </a:ln>
-        </p:spPr>
-        <p:txBody>
-          <a:bodyPr anchorCtr="0" anchor="t" bIns="91425" lIns="91425" spcFirstLastPara="1" rIns="91425" wrap="square" tIns="91425">
-            <a:spAutoFit/>
-          </a:bodyPr>
-          <a:lstStyle/>
-          <a:p>
-            <a:pPr indent="0" lvl="0" marL="0" rtl="0" algn="l">
-              <a:spcBef>
-                <a:spcPts val="0"/>
-              </a:spcBef>
-              <a:spcAft>
-                <a:spcPts val="0"/>
-              </a:spcAft>
-              <a:buNone/>
-            </a:pPr>
-            <a:r>
-              <a:t/>
+              <a:t>Tablas de contingencia</a:t>
             </a:r>
             <a:endParaRPr sz="3500">
               <a:latin typeface="Economica"/>
@@ -12438,6 +12952,173 @@
           </a:p>
         </p:txBody>
       </p:sp>
+      <p:sp>
+        <p:nvSpPr>
+          <p:cNvPr id="218" name="Google Shape;218;p33"/>
+          <p:cNvSpPr/>
+          <p:nvPr/>
+        </p:nvSpPr>
+        <p:spPr>
+          <a:xfrm>
+            <a:off x="7487725" y="5991350"/>
+            <a:ext cx="1296300" cy="506400"/>
+          </a:xfrm>
+          <a:prstGeom prst="roundRect">
+            <a:avLst>
+              <a:gd fmla="val 16667" name="adj"/>
+            </a:avLst>
+          </a:prstGeom>
+          <a:solidFill>
+            <a:schemeClr val="lt2"/>
+          </a:solidFill>
+          <a:ln>
+            <a:noFill/>
+          </a:ln>
+        </p:spPr>
+        <p:txBody>
+          <a:bodyPr anchorCtr="0" anchor="ctr" bIns="91425" lIns="91425" spcFirstLastPara="1" rIns="91425" wrap="square" tIns="91425">
+            <a:noAutofit/>
+          </a:bodyPr>
+          <a:lstStyle/>
+          <a:p>
+            <a:pPr indent="0" lvl="0" marL="0" rtl="0" algn="ctr">
+              <a:spcBef>
+                <a:spcPts val="0"/>
+              </a:spcBef>
+              <a:spcAft>
+                <a:spcPts val="0"/>
+              </a:spcAft>
+              <a:buNone/>
+            </a:pPr>
+            <a:r>
+              <a:rPr b="1" lang="es" sz="3000">
+                <a:latin typeface="Economica"/>
+                <a:ea typeface="Economica"/>
+                <a:cs typeface="Economica"/>
+                <a:sym typeface="Economica"/>
+              </a:rPr>
+              <a:t>14 </a:t>
+            </a:r>
+            <a:r>
+              <a:rPr b="1" lang="es" sz="3000">
+                <a:latin typeface="Economica"/>
+                <a:ea typeface="Economica"/>
+                <a:cs typeface="Economica"/>
+                <a:sym typeface="Economica"/>
+              </a:rPr>
+              <a:t>- 22</a:t>
+            </a:r>
+            <a:endParaRPr b="1" sz="3000">
+              <a:latin typeface="Economica"/>
+              <a:ea typeface="Economica"/>
+              <a:cs typeface="Economica"/>
+              <a:sym typeface="Economica"/>
+            </a:endParaRPr>
+          </a:p>
+        </p:txBody>
+      </p:sp>
+      <p:sp>
+        <p:nvSpPr>
+          <p:cNvPr id="219" name="Google Shape;219;p33"/>
+          <p:cNvSpPr txBox="1"/>
+          <p:nvPr/>
+        </p:nvSpPr>
+        <p:spPr>
+          <a:xfrm>
+            <a:off x="5679525" y="161575"/>
+            <a:ext cx="2854500" cy="723300"/>
+          </a:xfrm>
+          <a:prstGeom prst="rect">
+            <a:avLst/>
+          </a:prstGeom>
+          <a:noFill/>
+          <a:ln>
+            <a:noFill/>
+          </a:ln>
+        </p:spPr>
+        <p:txBody>
+          <a:bodyPr anchorCtr="0" anchor="t" bIns="91425" lIns="91425" spcFirstLastPara="1" rIns="91425" wrap="square" tIns="91425">
+            <a:spAutoFit/>
+          </a:bodyPr>
+          <a:lstStyle/>
+          <a:p>
+            <a:pPr indent="0" lvl="0" marL="0" rtl="0" algn="l">
+              <a:spcBef>
+                <a:spcPts val="0"/>
+              </a:spcBef>
+              <a:spcAft>
+                <a:spcPts val="0"/>
+              </a:spcAft>
+              <a:buNone/>
+            </a:pPr>
+            <a:r>
+              <a:t/>
+            </a:r>
+            <a:endParaRPr sz="3500">
+              <a:latin typeface="Economica"/>
+              <a:ea typeface="Economica"/>
+              <a:cs typeface="Economica"/>
+              <a:sym typeface="Economica"/>
+            </a:endParaRPr>
+          </a:p>
+        </p:txBody>
+      </p:sp>
+      <p:pic>
+        <p:nvPicPr>
+          <p:cNvPr id="220" name="Google Shape;220;p33"/>
+          <p:cNvPicPr preferRelativeResize="0"/>
+          <p:nvPr/>
+        </p:nvPicPr>
+        <p:blipFill>
+          <a:blip r:embed="rId3">
+            <a:alphaModFix/>
+          </a:blip>
+          <a:stretch>
+            <a:fillRect/>
+          </a:stretch>
+        </p:blipFill>
+        <p:spPr>
+          <a:xfrm>
+            <a:off x="1381375" y="1263175"/>
+            <a:ext cx="6248400" cy="2724150"/>
+          </a:xfrm>
+          <a:prstGeom prst="rect">
+            <a:avLst/>
+          </a:prstGeom>
+          <a:noFill/>
+          <a:ln>
+            <a:noFill/>
+          </a:ln>
+        </p:spPr>
+      </p:pic>
+      <p:pic>
+        <p:nvPicPr>
+          <p:cNvPr id="221" name="Google Shape;221;p33"/>
+          <p:cNvPicPr preferRelativeResize="0"/>
+          <p:nvPr/>
+        </p:nvPicPr>
+        <p:blipFill>
+          <a:blip r:embed="rId4">
+            <a:alphaModFix/>
+          </a:blip>
+          <a:stretch>
+            <a:fillRect/>
+          </a:stretch>
+        </p:blipFill>
+        <p:spPr>
+          <a:xfrm>
+            <a:off x="152400" y="4029213"/>
+            <a:ext cx="8839201" cy="1767840"/>
+          </a:xfrm>
+          <a:prstGeom prst="rect">
+            <a:avLst/>
+          </a:prstGeom>
+          <a:noFill/>
+          <a:ln>
+            <a:noFill/>
+          </a:ln>
+        </p:spPr>
+      </p:pic>
     </p:spTree>
   </p:cSld>
   <p:clrMapOvr>
@@ -12447,229 +13128,6 @@
 </file>
 
 <file path=ppt/slides/slide21.xml><?xml version="1.0" encoding="utf-8"?>
-<p:sld xmlns:a="http://schemas.openxmlformats.org/drawingml/2006/main" xmlns:r="http://schemas.openxmlformats.org/officeDocument/2006/relationships" xmlns:mc="http://schemas.openxmlformats.org/markup-compatibility/2006" xmlns:mv="urn:schemas-microsoft-com:mac:vml" xmlns:p="http://schemas.openxmlformats.org/presentationml/2006/main" xmlns:c="http://schemas.openxmlformats.org/drawingml/2006/chart" xmlns:dgm="http://schemas.openxmlformats.org/drawingml/2006/diagram" xmlns:o="urn:schemas-microsoft-com:office:office" xmlns:v="urn:schemas-microsoft-com:vml" xmlns:pvml="urn:schemas-microsoft-com:office:powerpoint" xmlns:com="http://schemas.openxmlformats.org/drawingml/2006/compatibility" xmlns:p14="http://schemas.microsoft.com/office/powerpoint/2010/main" xmlns:p15="http://schemas.microsoft.com/office/powerpoint/2012/main" xmlns:ahyp="http://schemas.microsoft.com/office/drawing/2018/hyperlinkcolor">
-  <p:cSld>
-    <p:spTree>
-      <p:nvGrpSpPr>
-        <p:cNvPr id="218" name="Shape 218"/>
-        <p:cNvGrpSpPr/>
-        <p:nvPr/>
-      </p:nvGrpSpPr>
-      <p:grpSpPr>
-        <a:xfrm>
-          <a:off x="0" y="0"/>
-          <a:ext cx="0" cy="0"/>
-          <a:chOff x="0" y="0"/>
-          <a:chExt cx="0" cy="0"/>
-        </a:xfrm>
-      </p:grpSpPr>
-      <p:sp>
-        <p:nvSpPr>
-          <p:cNvPr id="219" name="Google Shape;219;p34"/>
-          <p:cNvSpPr txBox="1"/>
-          <p:nvPr/>
-        </p:nvSpPr>
-        <p:spPr>
-          <a:xfrm>
-            <a:off x="227125" y="161575"/>
-            <a:ext cx="8556900" cy="1339200"/>
-          </a:xfrm>
-          <a:prstGeom prst="rect">
-            <a:avLst/>
-          </a:prstGeom>
-          <a:noFill/>
-          <a:ln>
-            <a:noFill/>
-          </a:ln>
-        </p:spPr>
-        <p:txBody>
-          <a:bodyPr anchorCtr="0" anchor="t" bIns="91425" lIns="91425" spcFirstLastPara="1" rIns="91425" wrap="square" tIns="91425">
-            <a:spAutoFit/>
-          </a:bodyPr>
-          <a:lstStyle/>
-          <a:p>
-            <a:pPr indent="0" lvl="0" marL="0" rtl="0" algn="l">
-              <a:spcBef>
-                <a:spcPts val="0"/>
-              </a:spcBef>
-              <a:spcAft>
-                <a:spcPts val="0"/>
-              </a:spcAft>
-              <a:buNone/>
-            </a:pPr>
-            <a:r>
-              <a:rPr b="1" lang="es" sz="4000">
-                <a:latin typeface="Economica"/>
-                <a:ea typeface="Economica"/>
-                <a:cs typeface="Economica"/>
-                <a:sym typeface="Economica"/>
-              </a:rPr>
-              <a:t>5</a:t>
-            </a:r>
-            <a:r>
-              <a:rPr b="1" lang="es" sz="4000">
-                <a:latin typeface="Economica"/>
-                <a:ea typeface="Economica"/>
-                <a:cs typeface="Economica"/>
-                <a:sym typeface="Economica"/>
-              </a:rPr>
-              <a:t>. Resultados</a:t>
-            </a:r>
-            <a:endParaRPr b="1" sz="4000">
-              <a:latin typeface="Economica"/>
-              <a:ea typeface="Economica"/>
-              <a:cs typeface="Economica"/>
-              <a:sym typeface="Economica"/>
-            </a:endParaRPr>
-          </a:p>
-          <a:p>
-            <a:pPr indent="0" lvl="0" marL="0" rtl="0" algn="l">
-              <a:spcBef>
-                <a:spcPts val="0"/>
-              </a:spcBef>
-              <a:spcAft>
-                <a:spcPts val="0"/>
-              </a:spcAft>
-              <a:buNone/>
-            </a:pPr>
-            <a:r>
-              <a:rPr lang="es" sz="3500">
-                <a:latin typeface="Economica"/>
-                <a:ea typeface="Economica"/>
-                <a:cs typeface="Economica"/>
-                <a:sym typeface="Economica"/>
-              </a:rPr>
-              <a:t>Test estadístico</a:t>
-            </a:r>
-            <a:endParaRPr sz="3500">
-              <a:latin typeface="Economica"/>
-              <a:ea typeface="Economica"/>
-              <a:cs typeface="Economica"/>
-              <a:sym typeface="Economica"/>
-            </a:endParaRPr>
-          </a:p>
-        </p:txBody>
-      </p:sp>
-      <p:sp>
-        <p:nvSpPr>
-          <p:cNvPr id="220" name="Google Shape;220;p34"/>
-          <p:cNvSpPr/>
-          <p:nvPr/>
-        </p:nvSpPr>
-        <p:spPr>
-          <a:xfrm>
-            <a:off x="7487725" y="5991350"/>
-            <a:ext cx="1296300" cy="506400"/>
-          </a:xfrm>
-          <a:prstGeom prst="roundRect">
-            <a:avLst>
-              <a:gd fmla="val 16667" name="adj"/>
-            </a:avLst>
-          </a:prstGeom>
-          <a:solidFill>
-            <a:schemeClr val="lt2"/>
-          </a:solidFill>
-          <a:ln>
-            <a:noFill/>
-          </a:ln>
-        </p:spPr>
-        <p:txBody>
-          <a:bodyPr anchorCtr="0" anchor="ctr" bIns="91425" lIns="91425" spcFirstLastPara="1" rIns="91425" wrap="square" tIns="91425">
-            <a:noAutofit/>
-          </a:bodyPr>
-          <a:lstStyle/>
-          <a:p>
-            <a:pPr indent="0" lvl="0" marL="0" rtl="0" algn="ctr">
-              <a:spcBef>
-                <a:spcPts val="0"/>
-              </a:spcBef>
-              <a:spcAft>
-                <a:spcPts val="0"/>
-              </a:spcAft>
-              <a:buNone/>
-            </a:pPr>
-            <a:r>
-              <a:rPr b="1" lang="es" sz="3000">
-                <a:latin typeface="Economica"/>
-                <a:ea typeface="Economica"/>
-                <a:cs typeface="Economica"/>
-                <a:sym typeface="Economica"/>
-              </a:rPr>
-              <a:t>11 </a:t>
-            </a:r>
-            <a:r>
-              <a:rPr b="1" lang="es" sz="3000">
-                <a:latin typeface="Economica"/>
-                <a:ea typeface="Economica"/>
-                <a:cs typeface="Economica"/>
-                <a:sym typeface="Economica"/>
-              </a:rPr>
-              <a:t>- 14</a:t>
-            </a:r>
-            <a:endParaRPr b="1" sz="3000">
-              <a:latin typeface="Economica"/>
-              <a:ea typeface="Economica"/>
-              <a:cs typeface="Economica"/>
-              <a:sym typeface="Economica"/>
-            </a:endParaRPr>
-          </a:p>
-        </p:txBody>
-      </p:sp>
-      <p:sp>
-        <p:nvSpPr>
-          <p:cNvPr id="221" name="Google Shape;221;p34"/>
-          <p:cNvSpPr txBox="1"/>
-          <p:nvPr/>
-        </p:nvSpPr>
-        <p:spPr>
-          <a:xfrm>
-            <a:off x="5679525" y="161575"/>
-            <a:ext cx="2854500" cy="723300"/>
-          </a:xfrm>
-          <a:prstGeom prst="rect">
-            <a:avLst/>
-          </a:prstGeom>
-          <a:noFill/>
-          <a:ln>
-            <a:noFill/>
-          </a:ln>
-        </p:spPr>
-        <p:txBody>
-          <a:bodyPr anchorCtr="0" anchor="t" bIns="91425" lIns="91425" spcFirstLastPara="1" rIns="91425" wrap="square" tIns="91425">
-            <a:spAutoFit/>
-          </a:bodyPr>
-          <a:lstStyle/>
-          <a:p>
-            <a:pPr indent="0" lvl="0" marL="0" rtl="0" algn="l">
-              <a:spcBef>
-                <a:spcPts val="0"/>
-              </a:spcBef>
-              <a:spcAft>
-                <a:spcPts val="0"/>
-              </a:spcAft>
-              <a:buNone/>
-            </a:pPr>
-            <a:r>
-              <a:t/>
-            </a:r>
-            <a:endParaRPr sz="3500">
-              <a:latin typeface="Economica"/>
-              <a:ea typeface="Economica"/>
-              <a:cs typeface="Economica"/>
-              <a:sym typeface="Economica"/>
-            </a:endParaRPr>
-          </a:p>
-        </p:txBody>
-      </p:sp>
-    </p:spTree>
-  </p:cSld>
-  <p:clrMapOvr>
-    <a:masterClrMapping/>
-  </p:clrMapOvr>
-</p:sld>
-</file>
-
-<file path=ppt/slides/slide22.xml><?xml version="1.0" encoding="utf-8"?>
 <p:sld xmlns:a="http://schemas.openxmlformats.org/drawingml/2006/main" xmlns:r="http://schemas.openxmlformats.org/officeDocument/2006/relationships" xmlns:mc="http://schemas.openxmlformats.org/markup-compatibility/2006" xmlns:mv="urn:schemas-microsoft-com:mac:vml" xmlns:p="http://schemas.openxmlformats.org/presentationml/2006/main" xmlns:c="http://schemas.openxmlformats.org/drawingml/2006/chart" xmlns:dgm="http://schemas.openxmlformats.org/drawingml/2006/diagram" xmlns:o="urn:schemas-microsoft-com:office:office" xmlns:v="urn:schemas-microsoft-com:vml" xmlns:pvml="urn:schemas-microsoft-com:office:powerpoint" xmlns:com="http://schemas.openxmlformats.org/drawingml/2006/compatibility" xmlns:p14="http://schemas.microsoft.com/office/powerpoint/2010/main" xmlns:p15="http://schemas.microsoft.com/office/powerpoint/2012/main" xmlns:ahyp="http://schemas.microsoft.com/office/drawing/2018/hyperlinkcolor">
   <p:cSld>
     <p:spTree>
@@ -12688,14 +13146,14 @@
       </p:grpSpPr>
       <p:sp>
         <p:nvSpPr>
-          <p:cNvPr id="226" name="Google Shape;226;p35"/>
+          <p:cNvPr id="226" name="Google Shape;226;p34"/>
           <p:cNvSpPr txBox="1"/>
           <p:nvPr/>
         </p:nvSpPr>
         <p:spPr>
           <a:xfrm>
             <a:off x="227125" y="161575"/>
-            <a:ext cx="8556900" cy="1339200"/>
+            <a:ext cx="8556900" cy="800400"/>
           </a:xfrm>
           <a:prstGeom prst="rect">
             <a:avLst/>
@@ -12727,33 +13185,19 @@
                 <a:cs typeface="Economica"/>
                 <a:sym typeface="Economica"/>
               </a:rPr>
-              <a:t>5. Resultados</a:t>
-            </a:r>
-            <a:endParaRPr b="1" sz="4000">
-              <a:latin typeface="Economica"/>
-              <a:ea typeface="Economica"/>
-              <a:cs typeface="Economica"/>
-              <a:sym typeface="Economica"/>
-            </a:endParaRPr>
-          </a:p>
-          <a:p>
-            <a:pPr indent="0" lvl="0" marL="0" rtl="0" algn="l">
-              <a:spcBef>
-                <a:spcPts val="0"/>
-              </a:spcBef>
-              <a:spcAft>
-                <a:spcPts val="0"/>
-              </a:spcAft>
-              <a:buNone/>
-            </a:pPr>
-            <a:r>
-              <a:rPr lang="es" sz="3500">
-                <a:latin typeface="Economica"/>
-                <a:ea typeface="Economica"/>
-                <a:cs typeface="Economica"/>
-                <a:sym typeface="Economica"/>
-              </a:rPr>
-              <a:t>Visualización</a:t>
+              <a:t>4. Análisis exploratorio - </a:t>
+            </a:r>
+            <a:r>
+              <a:rPr b="1" lang="es" sz="4000">
+                <a:solidFill>
+                  <a:schemeClr val="dk1"/>
+                </a:solidFill>
+                <a:latin typeface="Economica"/>
+                <a:ea typeface="Economica"/>
+                <a:cs typeface="Economica"/>
+                <a:sym typeface="Economica"/>
+              </a:rPr>
+              <a:t>Tablas de contingencia</a:t>
             </a:r>
             <a:endParaRPr sz="3500">
               <a:latin typeface="Economica"/>
@@ -12766,7 +13210,7 @@
       </p:sp>
       <p:sp>
         <p:nvSpPr>
-          <p:cNvPr id="227" name="Google Shape;227;p35"/>
+          <p:cNvPr id="227" name="Google Shape;227;p34"/>
           <p:cNvSpPr/>
           <p:nvPr/>
         </p:nvSpPr>
@@ -12809,7 +13253,16 @@
                 <a:cs typeface="Economica"/>
                 <a:sym typeface="Economica"/>
               </a:rPr>
-              <a:t>12 - 14</a:t>
+              <a:t>15 </a:t>
+            </a:r>
+            <a:r>
+              <a:rPr b="1" lang="es" sz="3000">
+                <a:latin typeface="Economica"/>
+                <a:ea typeface="Economica"/>
+                <a:cs typeface="Economica"/>
+                <a:sym typeface="Economica"/>
+              </a:rPr>
+              <a:t>- 22</a:t>
             </a:r>
             <a:endParaRPr b="1" sz="3000">
               <a:latin typeface="Economica"/>
@@ -12822,7 +13275,7 @@
       </p:sp>
       <p:sp>
         <p:nvSpPr>
-          <p:cNvPr id="228" name="Google Shape;228;p35"/>
+          <p:cNvPr id="228" name="Google Shape;228;p34"/>
           <p:cNvSpPr txBox="1"/>
           <p:nvPr/>
         </p:nvSpPr>
@@ -12868,7 +13321,7 @@
       </p:sp>
       <p:pic>
         <p:nvPicPr>
-          <p:cNvPr id="229" name="Google Shape;229;p35"/>
+          <p:cNvPr id="229" name="Google Shape;229;p34"/>
           <p:cNvPicPr preferRelativeResize="0"/>
           <p:nvPr/>
         </p:nvPicPr>
@@ -12882,8 +13335,8 @@
         </p:blipFill>
         <p:spPr>
           <a:xfrm>
-            <a:off x="980538" y="1561400"/>
-            <a:ext cx="7182926" cy="4369337"/>
+            <a:off x="1135000" y="1933600"/>
+            <a:ext cx="6648450" cy="3086100"/>
           </a:xfrm>
           <a:prstGeom prst="rect">
             <a:avLst/>
@@ -12902,7 +13355,7 @@
 </p:sld>
 </file>
 
-<file path=ppt/slides/slide23.xml><?xml version="1.0" encoding="utf-8"?>
+<file path=ppt/slides/slide22.xml><?xml version="1.0" encoding="utf-8"?>
 <p:sld xmlns:a="http://schemas.openxmlformats.org/drawingml/2006/main" xmlns:r="http://schemas.openxmlformats.org/officeDocument/2006/relationships" xmlns:mc="http://schemas.openxmlformats.org/markup-compatibility/2006" xmlns:mv="urn:schemas-microsoft-com:mac:vml" xmlns:p="http://schemas.openxmlformats.org/presentationml/2006/main" xmlns:c="http://schemas.openxmlformats.org/drawingml/2006/chart" xmlns:dgm="http://schemas.openxmlformats.org/drawingml/2006/diagram" xmlns:o="urn:schemas-microsoft-com:office:office" xmlns:v="urn:schemas-microsoft-com:vml" xmlns:pvml="urn:schemas-microsoft-com:office:powerpoint" xmlns:com="http://schemas.openxmlformats.org/drawingml/2006/compatibility" xmlns:p14="http://schemas.microsoft.com/office/powerpoint/2010/main" xmlns:p15="http://schemas.microsoft.com/office/powerpoint/2012/main" xmlns:ahyp="http://schemas.microsoft.com/office/drawing/2018/hyperlinkcolor">
   <p:cSld>
     <p:spTree>
@@ -12919,9 +13372,37 @@
           <a:chExt cx="0" cy="0"/>
         </a:xfrm>
       </p:grpSpPr>
-      <p:sp>
-        <p:nvSpPr>
-          <p:cNvPr id="234" name="Google Shape;234;p36"/>
+      <p:pic>
+        <p:nvPicPr>
+          <p:cNvPr id="234" name="Google Shape;234;p35"/>
+          <p:cNvPicPr preferRelativeResize="0"/>
+          <p:nvPr/>
+        </p:nvPicPr>
+        <p:blipFill>
+          <a:blip r:embed="rId3">
+            <a:alphaModFix/>
+          </a:blip>
+          <a:stretch>
+            <a:fillRect/>
+          </a:stretch>
+        </p:blipFill>
+        <p:spPr>
+          <a:xfrm>
+            <a:off x="1221913" y="961975"/>
+            <a:ext cx="6567322" cy="5591226"/>
+          </a:xfrm>
+          <a:prstGeom prst="rect">
+            <a:avLst/>
+          </a:prstGeom>
+          <a:noFill/>
+          <a:ln>
+            <a:noFill/>
+          </a:ln>
+        </p:spPr>
+      </p:pic>
+      <p:sp>
+        <p:nvSpPr>
+          <p:cNvPr id="235" name="Google Shape;235;p35"/>
           <p:cNvSpPr txBox="1"/>
           <p:nvPr/>
         </p:nvSpPr>
@@ -12960,9 +13441,21 @@
                 <a:cs typeface="Economica"/>
                 <a:sym typeface="Economica"/>
               </a:rPr>
-              <a:t>Índice general</a:t>
-            </a:r>
-            <a:endParaRPr b="1" sz="4000">
+              <a:t>4. Análisis exploratorio - </a:t>
+            </a:r>
+            <a:r>
+              <a:rPr b="1" lang="es" sz="4000">
+                <a:solidFill>
+                  <a:schemeClr val="dk1"/>
+                </a:solidFill>
+                <a:latin typeface="Economica"/>
+                <a:ea typeface="Economica"/>
+                <a:cs typeface="Economica"/>
+                <a:sym typeface="Economica"/>
+              </a:rPr>
+              <a:t>Valores perdidos (%)</a:t>
+            </a:r>
+            <a:endParaRPr sz="3500">
               <a:latin typeface="Economica"/>
               <a:ea typeface="Economica"/>
               <a:cs typeface="Economica"/>
@@ -12973,246 +13466,72 @@
       </p:sp>
       <p:sp>
         <p:nvSpPr>
-          <p:cNvPr id="235" name="Google Shape;235;p36"/>
-          <p:cNvSpPr txBox="1"/>
+          <p:cNvPr id="236" name="Google Shape;236;p35"/>
+          <p:cNvSpPr/>
           <p:nvPr/>
         </p:nvSpPr>
         <p:spPr>
           <a:xfrm>
-            <a:off x="679150" y="915300"/>
-            <a:ext cx="8104800" cy="3879000"/>
-          </a:xfrm>
-          <a:prstGeom prst="rect">
-            <a:avLst/>
-          </a:prstGeom>
-          <a:noFill/>
+            <a:off x="7487725" y="5991350"/>
+            <a:ext cx="1296300" cy="506400"/>
+          </a:xfrm>
+          <a:prstGeom prst="roundRect">
+            <a:avLst>
+              <a:gd fmla="val 16667" name="adj"/>
+            </a:avLst>
+          </a:prstGeom>
+          <a:solidFill>
+            <a:schemeClr val="lt2"/>
+          </a:solidFill>
           <a:ln>
             <a:noFill/>
           </a:ln>
         </p:spPr>
         <p:txBody>
-          <a:bodyPr anchorCtr="0" anchor="t" bIns="91425" lIns="91425" spcFirstLastPara="1" rIns="91425" wrap="square" tIns="91425">
-            <a:spAutoFit/>
+          <a:bodyPr anchorCtr="0" anchor="ctr" bIns="91425" lIns="91425" spcFirstLastPara="1" rIns="91425" wrap="square" tIns="91425">
+            <a:noAutofit/>
           </a:bodyPr>
           <a:lstStyle/>
           <a:p>
-            <a:pPr indent="-482600" lvl="0" marL="457200" rtl="0" algn="l">
-              <a:spcBef>
-                <a:spcPts val="0"/>
-              </a:spcBef>
-              <a:spcAft>
-                <a:spcPts val="0"/>
-              </a:spcAft>
-              <a:buClr>
-                <a:srgbClr val="999999"/>
-              </a:buClr>
-              <a:buSzPts val="4000"/>
-              <a:buFont typeface="Economica"/>
-              <a:buAutoNum type="arabicPeriod"/>
-            </a:pPr>
-            <a:r>
-              <a:rPr lang="es" sz="4000">
-                <a:solidFill>
-                  <a:srgbClr val="999999"/>
-                </a:solidFill>
-                <a:latin typeface="Economica"/>
-                <a:ea typeface="Economica"/>
-                <a:cs typeface="Economica"/>
-                <a:sym typeface="Economica"/>
-              </a:rPr>
-              <a:t>Dominio y objetivo</a:t>
-            </a:r>
-            <a:endParaRPr sz="4000">
-              <a:solidFill>
-                <a:srgbClr val="999999"/>
-              </a:solidFill>
+            <a:pPr indent="0" lvl="0" marL="0" rtl="0" algn="ctr">
+              <a:spcBef>
+                <a:spcPts val="0"/>
+              </a:spcBef>
+              <a:spcAft>
+                <a:spcPts val="0"/>
+              </a:spcAft>
+              <a:buNone/>
+            </a:pPr>
+            <a:r>
+              <a:rPr b="1" lang="es" sz="3000">
+                <a:latin typeface="Economica"/>
+                <a:ea typeface="Economica"/>
+                <a:cs typeface="Economica"/>
+                <a:sym typeface="Economica"/>
+              </a:rPr>
+              <a:t>16 </a:t>
+            </a:r>
+            <a:r>
+              <a:rPr b="1" lang="es" sz="3000">
+                <a:latin typeface="Economica"/>
+                <a:ea typeface="Economica"/>
+                <a:cs typeface="Economica"/>
+                <a:sym typeface="Economica"/>
+              </a:rPr>
+              <a:t>- 22</a:t>
+            </a:r>
+            <a:endParaRPr b="1" sz="3000">
               <a:latin typeface="Economica"/>
               <a:ea typeface="Economica"/>
               <a:cs typeface="Economica"/>
               <a:sym typeface="Economica"/>
             </a:endParaRPr>
           </a:p>
-          <a:p>
-            <a:pPr indent="-482600" lvl="0" marL="457200" rtl="0" algn="l">
-              <a:spcBef>
-                <a:spcPts val="0"/>
-              </a:spcBef>
-              <a:spcAft>
-                <a:spcPts val="0"/>
-              </a:spcAft>
-              <a:buClr>
-                <a:srgbClr val="999999"/>
-              </a:buClr>
-              <a:buSzPts val="4000"/>
-              <a:buFont typeface="Economica"/>
-              <a:buAutoNum type="arabicPeriod"/>
-            </a:pPr>
-            <a:r>
-              <a:rPr lang="es" sz="4000">
-                <a:solidFill>
-                  <a:srgbClr val="999999"/>
-                </a:solidFill>
-                <a:latin typeface="Economica"/>
-                <a:ea typeface="Economica"/>
-                <a:cs typeface="Economica"/>
-                <a:sym typeface="Economica"/>
-              </a:rPr>
-              <a:t>Preguntas de interés</a:t>
-            </a:r>
-            <a:endParaRPr sz="4000">
-              <a:solidFill>
-                <a:srgbClr val="999999"/>
-              </a:solidFill>
-              <a:latin typeface="Economica"/>
-              <a:ea typeface="Economica"/>
-              <a:cs typeface="Economica"/>
-              <a:sym typeface="Economica"/>
-            </a:endParaRPr>
-          </a:p>
-          <a:p>
-            <a:pPr indent="-482600" lvl="0" marL="457200" rtl="0" algn="l">
-              <a:spcBef>
-                <a:spcPts val="0"/>
-              </a:spcBef>
-              <a:spcAft>
-                <a:spcPts val="0"/>
-              </a:spcAft>
-              <a:buClr>
-                <a:srgbClr val="999999"/>
-              </a:buClr>
-              <a:buSzPts val="4000"/>
-              <a:buFont typeface="Economica"/>
-              <a:buAutoNum type="arabicPeriod"/>
-            </a:pPr>
-            <a:r>
-              <a:rPr lang="es" sz="4000">
-                <a:solidFill>
-                  <a:srgbClr val="999999"/>
-                </a:solidFill>
-                <a:latin typeface="Economica"/>
-                <a:ea typeface="Economica"/>
-                <a:cs typeface="Economica"/>
-                <a:sym typeface="Economica"/>
-              </a:rPr>
-              <a:t>Preprocesado</a:t>
-            </a:r>
-            <a:endParaRPr sz="4000">
-              <a:solidFill>
-                <a:srgbClr val="999999"/>
-              </a:solidFill>
-              <a:latin typeface="Economica"/>
-              <a:ea typeface="Economica"/>
-              <a:cs typeface="Economica"/>
-              <a:sym typeface="Economica"/>
-            </a:endParaRPr>
-          </a:p>
-          <a:p>
-            <a:pPr indent="-482600" lvl="0" marL="457200" rtl="0" algn="l">
-              <a:spcBef>
-                <a:spcPts val="0"/>
-              </a:spcBef>
-              <a:spcAft>
-                <a:spcPts val="0"/>
-              </a:spcAft>
-              <a:buClr>
-                <a:srgbClr val="999999"/>
-              </a:buClr>
-              <a:buSzPts val="4000"/>
-              <a:buFont typeface="Economica"/>
-              <a:buAutoNum type="arabicPeriod"/>
-            </a:pPr>
-            <a:r>
-              <a:rPr lang="es" sz="4000">
-                <a:solidFill>
-                  <a:srgbClr val="999999"/>
-                </a:solidFill>
-                <a:latin typeface="Economica"/>
-                <a:ea typeface="Economica"/>
-                <a:cs typeface="Economica"/>
-                <a:sym typeface="Economica"/>
-              </a:rPr>
-              <a:t>Análisis exploratorio</a:t>
-            </a:r>
-            <a:endParaRPr sz="4000">
-              <a:solidFill>
-                <a:srgbClr val="999999"/>
-              </a:solidFill>
-              <a:latin typeface="Economica"/>
-              <a:ea typeface="Economica"/>
-              <a:cs typeface="Economica"/>
-              <a:sym typeface="Economica"/>
-            </a:endParaRPr>
-          </a:p>
-          <a:p>
-            <a:pPr indent="-482600" lvl="0" marL="457200" rtl="0" algn="l">
-              <a:spcBef>
-                <a:spcPts val="0"/>
-              </a:spcBef>
-              <a:spcAft>
-                <a:spcPts val="0"/>
-              </a:spcAft>
-              <a:buClr>
-                <a:srgbClr val="999999"/>
-              </a:buClr>
-              <a:buSzPts val="4000"/>
-              <a:buFont typeface="Economica"/>
-              <a:buAutoNum type="arabicPeriod"/>
-            </a:pPr>
-            <a:r>
-              <a:rPr lang="es" sz="4000">
-                <a:solidFill>
-                  <a:srgbClr val="999999"/>
-                </a:solidFill>
-                <a:latin typeface="Economica"/>
-                <a:ea typeface="Economica"/>
-                <a:cs typeface="Economica"/>
-                <a:sym typeface="Economica"/>
-              </a:rPr>
-              <a:t>Resultados</a:t>
-            </a:r>
-            <a:endParaRPr sz="4000">
-              <a:solidFill>
-                <a:srgbClr val="999999"/>
-              </a:solidFill>
-              <a:latin typeface="Economica"/>
-              <a:ea typeface="Economica"/>
-              <a:cs typeface="Economica"/>
-              <a:sym typeface="Economica"/>
-            </a:endParaRPr>
-          </a:p>
-          <a:p>
-            <a:pPr indent="-482600" lvl="0" marL="457200" rtl="0" algn="l">
-              <a:spcBef>
-                <a:spcPts val="0"/>
-              </a:spcBef>
-              <a:spcAft>
-                <a:spcPts val="0"/>
-              </a:spcAft>
-              <a:buSzPts val="4000"/>
-              <a:buFont typeface="Economica"/>
-              <a:buAutoNum type="arabicPeriod"/>
-            </a:pPr>
-            <a:r>
-              <a:rPr lang="es" sz="4000">
-                <a:latin typeface="Economica"/>
-                <a:ea typeface="Economica"/>
-                <a:cs typeface="Economica"/>
-                <a:sym typeface="Economica"/>
-              </a:rPr>
-              <a:t>Conclusiones</a:t>
-            </a:r>
-            <a:endParaRPr sz="4000">
-              <a:latin typeface="Economica"/>
-              <a:ea typeface="Economica"/>
-              <a:cs typeface="Economica"/>
-              <a:sym typeface="Economica"/>
-            </a:endParaRPr>
-          </a:p>
         </p:txBody>
       </p:sp>
       <p:sp>
         <p:nvSpPr>
-          <p:cNvPr id="236" name="Google Shape;236;p36"/>
+          <p:cNvPr id="237" name="Google Shape;237;p35"/>
           <p:cNvSpPr txBox="1"/>
           <p:nvPr/>
         </p:nvSpPr>
@@ -13264,12 +13583,12 @@
 </p:sld>
 </file>
 
-<file path=ppt/slides/slide24.xml><?xml version="1.0" encoding="utf-8"?>
+<file path=ppt/slides/slide23.xml><?xml version="1.0" encoding="utf-8"?>
 <p:sld xmlns:a="http://schemas.openxmlformats.org/drawingml/2006/main" xmlns:r="http://schemas.openxmlformats.org/officeDocument/2006/relationships" xmlns:mc="http://schemas.openxmlformats.org/markup-compatibility/2006" xmlns:mv="urn:schemas-microsoft-com:mac:vml" xmlns:p="http://schemas.openxmlformats.org/presentationml/2006/main" xmlns:c="http://schemas.openxmlformats.org/drawingml/2006/chart" xmlns:dgm="http://schemas.openxmlformats.org/drawingml/2006/diagram" xmlns:o="urn:schemas-microsoft-com:office:office" xmlns:v="urn:schemas-microsoft-com:vml" xmlns:pvml="urn:schemas-microsoft-com:office:powerpoint" xmlns:com="http://schemas.openxmlformats.org/drawingml/2006/compatibility" xmlns:p14="http://schemas.microsoft.com/office/powerpoint/2010/main" xmlns:p15="http://schemas.microsoft.com/office/powerpoint/2012/main" xmlns:ahyp="http://schemas.microsoft.com/office/drawing/2018/hyperlinkcolor">
   <p:cSld>
     <p:spTree>
       <p:nvGrpSpPr>
-        <p:cNvPr id="240" name="Shape 240"/>
+        <p:cNvPr id="241" name="Shape 241"/>
         <p:cNvGrpSpPr/>
         <p:nvPr/>
       </p:nvGrpSpPr>
@@ -13283,14 +13602,14 @@
       </p:grpSpPr>
       <p:sp>
         <p:nvSpPr>
-          <p:cNvPr id="241" name="Google Shape;241;p37"/>
+          <p:cNvPr id="242" name="Google Shape;242;p36"/>
           <p:cNvSpPr txBox="1"/>
           <p:nvPr/>
         </p:nvSpPr>
         <p:spPr>
           <a:xfrm>
             <a:off x="227125" y="161575"/>
-            <a:ext cx="8556900" cy="1339200"/>
+            <a:ext cx="8556900" cy="800400"/>
           </a:xfrm>
           <a:prstGeom prst="rect">
             <a:avLst/>
@@ -13322,16 +13641,7 @@
                 <a:cs typeface="Economica"/>
                 <a:sym typeface="Economica"/>
               </a:rPr>
-              <a:t>5. </a:t>
-            </a:r>
-            <a:r>
-              <a:rPr b="1" lang="es" sz="4000">
-                <a:latin typeface="Economica"/>
-                <a:ea typeface="Economica"/>
-                <a:cs typeface="Economica"/>
-                <a:sym typeface="Economica"/>
-              </a:rPr>
-              <a:t>Conclusiones</a:t>
+              <a:t>Índice general</a:t>
             </a:r>
             <a:endParaRPr b="1" sz="4000">
               <a:latin typeface="Economica"/>
@@ -13340,100 +13650,18 @@
               <a:sym typeface="Economica"/>
             </a:endParaRPr>
           </a:p>
-          <a:p>
-            <a:pPr indent="0" lvl="0" marL="0" rtl="0" algn="l">
-              <a:spcBef>
-                <a:spcPts val="0"/>
-              </a:spcBef>
-              <a:spcAft>
-                <a:spcPts val="0"/>
-              </a:spcAft>
-              <a:buNone/>
-            </a:pPr>
-            <a:r>
-              <a:rPr lang="es" sz="3500">
-                <a:latin typeface="Economica"/>
-                <a:ea typeface="Economica"/>
-                <a:cs typeface="Economica"/>
-                <a:sym typeface="Economica"/>
-              </a:rPr>
-              <a:t>Lecciones aprendidas</a:t>
-            </a:r>
-            <a:endParaRPr sz="3500">
-              <a:latin typeface="Economica"/>
-              <a:ea typeface="Economica"/>
-              <a:cs typeface="Economica"/>
-              <a:sym typeface="Economica"/>
-            </a:endParaRPr>
-          </a:p>
         </p:txBody>
       </p:sp>
       <p:sp>
         <p:nvSpPr>
-          <p:cNvPr id="242" name="Google Shape;242;p37"/>
-          <p:cNvSpPr/>
-          <p:nvPr/>
-        </p:nvSpPr>
-        <p:spPr>
-          <a:xfrm>
-            <a:off x="7487725" y="5991350"/>
-            <a:ext cx="1296300" cy="506400"/>
-          </a:xfrm>
-          <a:prstGeom prst="roundRect">
-            <a:avLst>
-              <a:gd fmla="val 16667" name="adj"/>
-            </a:avLst>
-          </a:prstGeom>
-          <a:solidFill>
-            <a:schemeClr val="lt2"/>
-          </a:solidFill>
-          <a:ln>
-            <a:noFill/>
-          </a:ln>
-        </p:spPr>
-        <p:txBody>
-          <a:bodyPr anchorCtr="0" anchor="ctr" bIns="91425" lIns="91425" spcFirstLastPara="1" rIns="91425" wrap="square" tIns="91425">
-            <a:noAutofit/>
-          </a:bodyPr>
-          <a:lstStyle/>
-          <a:p>
-            <a:pPr indent="0" lvl="0" marL="0" rtl="0" algn="ctr">
-              <a:spcBef>
-                <a:spcPts val="0"/>
-              </a:spcBef>
-              <a:spcAft>
-                <a:spcPts val="0"/>
-              </a:spcAft>
-              <a:buNone/>
-            </a:pPr>
-            <a:r>
-              <a:rPr b="1" lang="es" sz="3000">
-                <a:latin typeface="Economica"/>
-                <a:ea typeface="Economica"/>
-                <a:cs typeface="Economica"/>
-                <a:sym typeface="Economica"/>
-              </a:rPr>
-              <a:t>13 - 14</a:t>
-            </a:r>
-            <a:endParaRPr b="1" sz="3000">
-              <a:latin typeface="Economica"/>
-              <a:ea typeface="Economica"/>
-              <a:cs typeface="Economica"/>
-              <a:sym typeface="Economica"/>
-            </a:endParaRPr>
-          </a:p>
-        </p:txBody>
-      </p:sp>
-      <p:sp>
-        <p:nvSpPr>
-          <p:cNvPr id="243" name="Google Shape;243;p37"/>
+          <p:cNvPr id="243" name="Google Shape;243;p36"/>
           <p:cNvSpPr txBox="1"/>
           <p:nvPr/>
         </p:nvSpPr>
         <p:spPr>
           <a:xfrm>
-            <a:off x="5679525" y="161575"/>
-            <a:ext cx="2854500" cy="723300"/>
+            <a:off x="679150" y="915300"/>
+            <a:ext cx="8104800" cy="3879000"/>
           </a:xfrm>
           <a:prstGeom prst="rect">
             <a:avLst/>
@@ -13449,109 +13677,35 @@
           </a:bodyPr>
           <a:lstStyle/>
           <a:p>
-            <a:pPr indent="0" lvl="0" marL="0" rtl="0" algn="l">
-              <a:spcBef>
-                <a:spcPts val="0"/>
-              </a:spcBef>
-              <a:spcAft>
-                <a:spcPts val="0"/>
-              </a:spcAft>
-              <a:buNone/>
-            </a:pPr>
-            <a:r>
-              <a:t/>
-            </a:r>
-            <a:endParaRPr sz="3500">
-              <a:latin typeface="Economica"/>
-              <a:ea typeface="Economica"/>
-              <a:cs typeface="Economica"/>
-              <a:sym typeface="Economica"/>
-            </a:endParaRPr>
-          </a:p>
-        </p:txBody>
-      </p:sp>
-      <p:sp>
-        <p:nvSpPr>
-          <p:cNvPr id="244" name="Google Shape;244;p37"/>
-          <p:cNvSpPr txBox="1"/>
-          <p:nvPr/>
-        </p:nvSpPr>
-        <p:spPr>
-          <a:xfrm>
-            <a:off x="227125" y="1935075"/>
-            <a:ext cx="8362200" cy="2154900"/>
-          </a:xfrm>
-          <a:prstGeom prst="rect">
-            <a:avLst/>
-          </a:prstGeom>
-          <a:noFill/>
-          <a:ln>
-            <a:noFill/>
-          </a:ln>
-        </p:spPr>
-        <p:txBody>
-          <a:bodyPr anchorCtr="0" anchor="t" bIns="91425" lIns="91425" spcFirstLastPara="1" rIns="91425" wrap="square" tIns="91425">
-            <a:spAutoFit/>
-          </a:bodyPr>
-          <a:lstStyle/>
-          <a:p>
-            <a:pPr indent="-361950" lvl="0" marL="457200" rtl="0" algn="l">
-              <a:spcBef>
-                <a:spcPts val="0"/>
-              </a:spcBef>
-              <a:spcAft>
-                <a:spcPts val="0"/>
-              </a:spcAft>
-              <a:buSzPts val="2100"/>
+            <a:pPr indent="-482600" lvl="0" marL="457200" rtl="0" algn="l">
+              <a:spcBef>
+                <a:spcPts val="0"/>
+              </a:spcBef>
+              <a:spcAft>
+                <a:spcPts val="0"/>
+              </a:spcAft>
+              <a:buClr>
+                <a:srgbClr val="999999"/>
+              </a:buClr>
+              <a:buSzPts val="4000"/>
               <a:buFont typeface="Economica"/>
-              <a:buChar char="●"/>
-            </a:pPr>
-            <a:r>
-              <a:rPr lang="es" sz="3200">
-                <a:latin typeface="Economica"/>
-                <a:ea typeface="Economica"/>
-                <a:cs typeface="Economica"/>
-                <a:sym typeface="Economica"/>
-              </a:rPr>
-              <a:t>Coste de generar datasets propios</a:t>
-            </a:r>
-            <a:endParaRPr sz="3200">
-              <a:latin typeface="Economica"/>
-              <a:ea typeface="Economica"/>
-              <a:cs typeface="Economica"/>
-              <a:sym typeface="Economica"/>
-            </a:endParaRPr>
-          </a:p>
-          <a:p>
-            <a:pPr indent="-361950" lvl="0" marL="457200" rtl="0" algn="l">
-              <a:spcBef>
-                <a:spcPts val="0"/>
-              </a:spcBef>
-              <a:spcAft>
-                <a:spcPts val="0"/>
-              </a:spcAft>
-              <a:buClr>
-                <a:schemeClr val="dk1"/>
-              </a:buClr>
-              <a:buSzPts val="2100"/>
-              <a:buFont typeface="Economica"/>
-              <a:buChar char="●"/>
-            </a:pPr>
-            <a:r>
-              <a:rPr lang="es" sz="3200">
+              <a:buAutoNum type="arabicPeriod"/>
+            </a:pPr>
+            <a:r>
+              <a:rPr lang="es" sz="4000">
                 <a:solidFill>
-                  <a:schemeClr val="dk1"/>
+                  <a:srgbClr val="999999"/>
                 </a:solidFill>
                 <a:latin typeface="Economica"/>
                 <a:ea typeface="Economica"/>
                 <a:cs typeface="Economica"/>
                 <a:sym typeface="Economica"/>
               </a:rPr>
-              <a:t>Importancia de preprocesar la información</a:t>
-            </a:r>
-            <a:endParaRPr sz="3200">
+              <a:t>Dominio y objetivo</a:t>
+            </a:r>
+            <a:endParaRPr sz="4000">
               <a:solidFill>
-                <a:schemeClr val="dk1"/>
+                <a:srgbClr val="999999"/>
               </a:solidFill>
               <a:latin typeface="Economica"/>
               <a:ea typeface="Economica"/>
@@ -13560,7 +13714,7 @@
             </a:endParaRPr>
           </a:p>
           <a:p>
-            <a:pPr indent="-361950" lvl="0" marL="457200" rtl="0" algn="l">
+            <a:pPr indent="-482600" lvl="0" marL="457200" rtl="0" algn="l">
               <a:spcBef>
                 <a:spcPts val="0"/>
               </a:spcBef>
@@ -13568,27 +13722,27 @@
                 <a:spcPts val="0"/>
               </a:spcAft>
               <a:buClr>
-                <a:schemeClr val="dk1"/>
+                <a:srgbClr val="999999"/>
               </a:buClr>
-              <a:buSzPts val="2100"/>
+              <a:buSzPts val="4000"/>
               <a:buFont typeface="Economica"/>
-              <a:buChar char="●"/>
-            </a:pPr>
-            <a:r>
-              <a:rPr lang="es" sz="3200">
+              <a:buAutoNum type="arabicPeriod"/>
+            </a:pPr>
+            <a:r>
+              <a:rPr lang="es" sz="4000">
                 <a:solidFill>
-                  <a:schemeClr val="dk1"/>
+                  <a:srgbClr val="999999"/>
                 </a:solidFill>
                 <a:latin typeface="Economica"/>
                 <a:ea typeface="Economica"/>
                 <a:cs typeface="Economica"/>
                 <a:sym typeface="Economica"/>
               </a:rPr>
-              <a:t>La visualización no es suficiente</a:t>
-            </a:r>
-            <a:endParaRPr sz="3200">
+              <a:t>Preguntas de interés</a:t>
+            </a:r>
+            <a:endParaRPr sz="4000">
               <a:solidFill>
-                <a:schemeClr val="dk1"/>
+                <a:srgbClr val="999999"/>
               </a:solidFill>
               <a:latin typeface="Economica"/>
               <a:ea typeface="Economica"/>
@@ -13597,7 +13751,7 @@
             </a:endParaRPr>
           </a:p>
           <a:p>
-            <a:pPr indent="-361950" lvl="0" marL="457200" rtl="0" algn="l">
+            <a:pPr indent="-482600" lvl="0" marL="457200" rtl="0" algn="l">
               <a:spcBef>
                 <a:spcPts val="0"/>
               </a:spcBef>
@@ -13605,28 +13759,176 @@
                 <a:spcPts val="0"/>
               </a:spcAft>
               <a:buClr>
-                <a:schemeClr val="dk1"/>
+                <a:srgbClr val="999999"/>
               </a:buClr>
-              <a:buSzPts val="2100"/>
+              <a:buSzPts val="4000"/>
               <a:buFont typeface="Economica"/>
-              <a:buChar char="●"/>
-            </a:pPr>
-            <a:r>
-              <a:rPr lang="es" sz="3200">
+              <a:buAutoNum type="arabicPeriod"/>
+            </a:pPr>
+            <a:r>
+              <a:rPr lang="es" sz="4000">
                 <a:solidFill>
-                  <a:schemeClr val="dk1"/>
+                  <a:srgbClr val="999999"/>
                 </a:solidFill>
                 <a:latin typeface="Economica"/>
                 <a:ea typeface="Economica"/>
                 <a:cs typeface="Economica"/>
                 <a:sym typeface="Economica"/>
               </a:rPr>
-              <a:t>Ajustarse bien a la evaluación</a:t>
-            </a:r>
-            <a:endParaRPr sz="3200">
+              <a:t>Preprocesado</a:t>
+            </a:r>
+            <a:endParaRPr sz="4000">
               <a:solidFill>
-                <a:schemeClr val="dk1"/>
+                <a:srgbClr val="999999"/>
               </a:solidFill>
+              <a:latin typeface="Economica"/>
+              <a:ea typeface="Economica"/>
+              <a:cs typeface="Economica"/>
+              <a:sym typeface="Economica"/>
+            </a:endParaRPr>
+          </a:p>
+          <a:p>
+            <a:pPr indent="-482600" lvl="0" marL="457200" rtl="0" algn="l">
+              <a:spcBef>
+                <a:spcPts val="0"/>
+              </a:spcBef>
+              <a:spcAft>
+                <a:spcPts val="0"/>
+              </a:spcAft>
+              <a:buClr>
+                <a:srgbClr val="999999"/>
+              </a:buClr>
+              <a:buSzPts val="4000"/>
+              <a:buFont typeface="Economica"/>
+              <a:buAutoNum type="arabicPeriod"/>
+            </a:pPr>
+            <a:r>
+              <a:rPr lang="es" sz="4000">
+                <a:solidFill>
+                  <a:srgbClr val="999999"/>
+                </a:solidFill>
+                <a:latin typeface="Economica"/>
+                <a:ea typeface="Economica"/>
+                <a:cs typeface="Economica"/>
+                <a:sym typeface="Economica"/>
+              </a:rPr>
+              <a:t>Análisis exploratorio</a:t>
+            </a:r>
+            <a:endParaRPr sz="4000">
+              <a:solidFill>
+                <a:srgbClr val="999999"/>
+              </a:solidFill>
+              <a:latin typeface="Economica"/>
+              <a:ea typeface="Economica"/>
+              <a:cs typeface="Economica"/>
+              <a:sym typeface="Economica"/>
+            </a:endParaRPr>
+          </a:p>
+          <a:p>
+            <a:pPr indent="-482600" lvl="0" marL="457200" rtl="0" algn="l">
+              <a:spcBef>
+                <a:spcPts val="0"/>
+              </a:spcBef>
+              <a:spcAft>
+                <a:spcPts val="0"/>
+              </a:spcAft>
+              <a:buSzPts val="4000"/>
+              <a:buFont typeface="Economica"/>
+              <a:buAutoNum type="arabicPeriod"/>
+            </a:pPr>
+            <a:r>
+              <a:rPr lang="es" sz="4000">
+                <a:latin typeface="Economica"/>
+                <a:ea typeface="Economica"/>
+                <a:cs typeface="Economica"/>
+                <a:sym typeface="Economica"/>
+              </a:rPr>
+              <a:t>Resultados</a:t>
+            </a:r>
+            <a:endParaRPr sz="4000">
+              <a:latin typeface="Economica"/>
+              <a:ea typeface="Economica"/>
+              <a:cs typeface="Economica"/>
+              <a:sym typeface="Economica"/>
+            </a:endParaRPr>
+          </a:p>
+          <a:p>
+            <a:pPr indent="-482600" lvl="0" marL="457200" rtl="0" algn="l">
+              <a:spcBef>
+                <a:spcPts val="0"/>
+              </a:spcBef>
+              <a:spcAft>
+                <a:spcPts val="0"/>
+              </a:spcAft>
+              <a:buClr>
+                <a:srgbClr val="999999"/>
+              </a:buClr>
+              <a:buSzPts val="4000"/>
+              <a:buFont typeface="Economica"/>
+              <a:buAutoNum type="arabicPeriod"/>
+            </a:pPr>
+            <a:r>
+              <a:rPr lang="es" sz="4000">
+                <a:solidFill>
+                  <a:srgbClr val="999999"/>
+                </a:solidFill>
+                <a:latin typeface="Economica"/>
+                <a:ea typeface="Economica"/>
+                <a:cs typeface="Economica"/>
+                <a:sym typeface="Economica"/>
+              </a:rPr>
+              <a:t>Conclusiones</a:t>
+            </a:r>
+            <a:endParaRPr sz="4000">
+              <a:solidFill>
+                <a:srgbClr val="999999"/>
+              </a:solidFill>
+              <a:latin typeface="Economica"/>
+              <a:ea typeface="Economica"/>
+              <a:cs typeface="Economica"/>
+              <a:sym typeface="Economica"/>
+            </a:endParaRPr>
+          </a:p>
+        </p:txBody>
+      </p:sp>
+      <p:sp>
+        <p:nvSpPr>
+          <p:cNvPr id="244" name="Google Shape;244;p36"/>
+          <p:cNvSpPr txBox="1"/>
+          <p:nvPr/>
+        </p:nvSpPr>
+        <p:spPr>
+          <a:xfrm>
+            <a:off x="5679525" y="161575"/>
+            <a:ext cx="2854500" cy="723300"/>
+          </a:xfrm>
+          <a:prstGeom prst="rect">
+            <a:avLst/>
+          </a:prstGeom>
+          <a:noFill/>
+          <a:ln>
+            <a:noFill/>
+          </a:ln>
+        </p:spPr>
+        <p:txBody>
+          <a:bodyPr anchorCtr="0" anchor="t" bIns="91425" lIns="91425" spcFirstLastPara="1" rIns="91425" wrap="square" tIns="91425">
+            <a:spAutoFit/>
+          </a:bodyPr>
+          <a:lstStyle/>
+          <a:p>
+            <a:pPr indent="0" lvl="0" marL="0" rtl="0" algn="l">
+              <a:spcBef>
+                <a:spcPts val="0"/>
+              </a:spcBef>
+              <a:spcAft>
+                <a:spcPts val="0"/>
+              </a:spcAft>
+              <a:buNone/>
+            </a:pPr>
+            <a:r>
+              <a:t/>
+            </a:r>
+            <a:endParaRPr sz="3500">
               <a:latin typeface="Economica"/>
               <a:ea typeface="Economica"/>
               <a:cs typeface="Economica"/>
@@ -13643,7 +13945,7 @@
 </p:sld>
 </file>
 
-<file path=ppt/slides/slide25.xml><?xml version="1.0" encoding="utf-8"?>
+<file path=ppt/slides/slide24.xml><?xml version="1.0" encoding="utf-8"?>
 <p:sld xmlns:a="http://schemas.openxmlformats.org/drawingml/2006/main" xmlns:r="http://schemas.openxmlformats.org/officeDocument/2006/relationships" xmlns:mc="http://schemas.openxmlformats.org/markup-compatibility/2006" xmlns:mv="urn:schemas-microsoft-com:mac:vml" xmlns:p="http://schemas.openxmlformats.org/presentationml/2006/main" xmlns:c="http://schemas.openxmlformats.org/drawingml/2006/chart" xmlns:dgm="http://schemas.openxmlformats.org/drawingml/2006/diagram" xmlns:o="urn:schemas-microsoft-com:office:office" xmlns:v="urn:schemas-microsoft-com:vml" xmlns:pvml="urn:schemas-microsoft-com:office:powerpoint" xmlns:com="http://schemas.openxmlformats.org/drawingml/2006/compatibility" xmlns:p14="http://schemas.microsoft.com/office/powerpoint/2010/main" xmlns:p15="http://schemas.microsoft.com/office/powerpoint/2012/main" xmlns:ahyp="http://schemas.microsoft.com/office/drawing/2018/hyperlinkcolor">
   <p:cSld>
     <p:spTree>
@@ -13662,7 +13964,7 @@
       </p:grpSpPr>
       <p:sp>
         <p:nvSpPr>
-          <p:cNvPr id="249" name="Google Shape;249;p38"/>
+          <p:cNvPr id="249" name="Google Shape;249;p37"/>
           <p:cNvSpPr txBox="1"/>
           <p:nvPr/>
         </p:nvSpPr>
@@ -13701,7 +14003,7 @@
                 <a:cs typeface="Economica"/>
                 <a:sym typeface="Economica"/>
               </a:rPr>
-              <a:t>5. Conclusiones</a:t>
+              <a:t>5. Resultados</a:t>
             </a:r>
             <a:endParaRPr b="1" sz="4000">
               <a:latin typeface="Economica"/>
@@ -13722,12 +14024,15 @@
             </a:pPr>
             <a:r>
               <a:rPr lang="es" sz="3500">
-                <a:latin typeface="Economica"/>
-                <a:ea typeface="Economica"/>
-                <a:cs typeface="Economica"/>
-                <a:sym typeface="Economica"/>
-              </a:rPr>
-              <a:t>Trabajo futuro</a:t>
+                <a:solidFill>
+                  <a:schemeClr val="dk1"/>
+                </a:solidFill>
+                <a:latin typeface="Economica"/>
+                <a:ea typeface="Economica"/>
+                <a:cs typeface="Economica"/>
+                <a:sym typeface="Economica"/>
+              </a:rPr>
+              <a:t>¿Cómo hemos obtenido este análisis de ML?</a:t>
             </a:r>
             <a:endParaRPr sz="3500">
               <a:latin typeface="Economica"/>
@@ -13740,7 +14045,7 @@
       </p:sp>
       <p:sp>
         <p:nvSpPr>
-          <p:cNvPr id="250" name="Google Shape;250;p38"/>
+          <p:cNvPr id="250" name="Google Shape;250;p37"/>
           <p:cNvSpPr/>
           <p:nvPr/>
         </p:nvSpPr>
@@ -13783,7 +14088,16 @@
                 <a:cs typeface="Economica"/>
                 <a:sym typeface="Economica"/>
               </a:rPr>
-              <a:t>14 - 14</a:t>
+              <a:t>17 </a:t>
+            </a:r>
+            <a:r>
+              <a:rPr b="1" lang="es" sz="3000">
+                <a:latin typeface="Economica"/>
+                <a:ea typeface="Economica"/>
+                <a:cs typeface="Economica"/>
+                <a:sym typeface="Economica"/>
+              </a:rPr>
+              <a:t>- 22</a:t>
             </a:r>
             <a:endParaRPr b="1" sz="3000">
               <a:latin typeface="Economica"/>
@@ -13796,7 +14110,7 @@
       </p:sp>
       <p:sp>
         <p:nvSpPr>
-          <p:cNvPr id="251" name="Google Shape;251;p38"/>
+          <p:cNvPr id="251" name="Google Shape;251;p37"/>
           <p:cNvSpPr txBox="1"/>
           <p:nvPr/>
         </p:nvSpPr>
@@ -13842,14 +14156,14 @@
       </p:sp>
       <p:sp>
         <p:nvSpPr>
-          <p:cNvPr id="252" name="Google Shape;252;p38"/>
+          <p:cNvPr id="252" name="Google Shape;252;p37"/>
           <p:cNvSpPr txBox="1"/>
           <p:nvPr/>
         </p:nvSpPr>
         <p:spPr>
           <a:xfrm>
-            <a:off x="227125" y="1935075"/>
-            <a:ext cx="8362200" cy="2154900"/>
+            <a:off x="293550" y="1997200"/>
+            <a:ext cx="8556900" cy="3263100"/>
           </a:xfrm>
           <a:prstGeom prst="rect">
             <a:avLst/>
@@ -13865,30 +14179,27 @@
           </a:bodyPr>
           <a:lstStyle/>
           <a:p>
-            <a:pPr indent="-361950" lvl="0" marL="457200" rtl="0" algn="l">
-              <a:spcBef>
-                <a:spcPts val="0"/>
-              </a:spcBef>
-              <a:spcAft>
-                <a:spcPts val="0"/>
-              </a:spcAft>
-              <a:buClr>
-                <a:schemeClr val="dk1"/>
-              </a:buClr>
-              <a:buSzPts val="2100"/>
+            <a:pPr indent="-482600" lvl="0" marL="457200" rtl="0" algn="l">
+              <a:spcBef>
+                <a:spcPts val="0"/>
+              </a:spcBef>
+              <a:spcAft>
+                <a:spcPts val="0"/>
+              </a:spcAft>
+              <a:buSzPts val="4000"/>
               <a:buFont typeface="Economica"/>
-              <a:buChar char="●"/>
-            </a:pPr>
-            <a:r>
-              <a:rPr lang="es" sz="3200">
-                <a:latin typeface="Economica"/>
-                <a:ea typeface="Economica"/>
-                <a:cs typeface="Economica"/>
-                <a:sym typeface="Economica"/>
-              </a:rPr>
-              <a:t>Aumentar el número de versiones para Ubuntu</a:t>
-            </a:r>
-            <a:endParaRPr sz="3200">
+              <a:buAutoNum type="arabicPeriod"/>
+            </a:pPr>
+            <a:r>
+              <a:rPr lang="es" sz="4000">
+                <a:latin typeface="Economica"/>
+                <a:ea typeface="Economica"/>
+                <a:cs typeface="Economica"/>
+                <a:sym typeface="Economica"/>
+              </a:rPr>
+              <a:t>Nos quedamos sólo con los paquetes “Required” e “Important”</a:t>
+            </a:r>
+            <a:endParaRPr sz="4000">
               <a:latin typeface="Economica"/>
               <a:ea typeface="Economica"/>
               <a:cs typeface="Economica"/>
@@ -13896,27 +14207,27 @@
             </a:endParaRPr>
           </a:p>
           <a:p>
-            <a:pPr indent="-361950" lvl="0" marL="457200" rtl="0" algn="l">
-              <a:spcBef>
-                <a:spcPts val="0"/>
-              </a:spcBef>
-              <a:spcAft>
-                <a:spcPts val="0"/>
-              </a:spcAft>
-              <a:buSzPts val="2100"/>
+            <a:pPr indent="-482600" lvl="0" marL="457200" rtl="0" algn="l">
+              <a:spcBef>
+                <a:spcPts val="0"/>
+              </a:spcBef>
+              <a:spcAft>
+                <a:spcPts val="0"/>
+              </a:spcAft>
+              <a:buSzPts val="4000"/>
               <a:buFont typeface="Economica"/>
-              <a:buChar char="●"/>
-            </a:pPr>
-            <a:r>
-              <a:rPr lang="es" sz="3200">
-                <a:latin typeface="Economica"/>
-                <a:ea typeface="Economica"/>
-                <a:cs typeface="Economica"/>
-                <a:sym typeface="Economica"/>
-              </a:rPr>
-              <a:t>Añadir nuevas distribuciones </a:t>
-            </a:r>
-            <a:endParaRPr sz="3200">
+              <a:buAutoNum type="arabicPeriod"/>
+            </a:pPr>
+            <a:r>
+              <a:rPr lang="es" sz="4000">
+                <a:latin typeface="Economica"/>
+                <a:ea typeface="Economica"/>
+                <a:cs typeface="Economica"/>
+                <a:sym typeface="Economica"/>
+              </a:rPr>
+              <a:t>Dividimos por año</a:t>
+            </a:r>
+            <a:endParaRPr sz="4000">
               <a:latin typeface="Economica"/>
               <a:ea typeface="Economica"/>
               <a:cs typeface="Economica"/>
@@ -13924,27 +14235,27 @@
             </a:endParaRPr>
           </a:p>
           <a:p>
-            <a:pPr indent="-361950" lvl="0" marL="457200" rtl="0" algn="l">
-              <a:spcBef>
-                <a:spcPts val="0"/>
-              </a:spcBef>
-              <a:spcAft>
-                <a:spcPts val="0"/>
-              </a:spcAft>
-              <a:buSzPts val="2100"/>
+            <a:pPr indent="-482600" lvl="0" marL="457200" rtl="0" algn="l">
+              <a:spcBef>
+                <a:spcPts val="0"/>
+              </a:spcBef>
+              <a:spcAft>
+                <a:spcPts val="0"/>
+              </a:spcAft>
+              <a:buSzPts val="4000"/>
               <a:buFont typeface="Economica"/>
-              <a:buChar char="●"/>
-            </a:pPr>
-            <a:r>
-              <a:rPr lang="es" sz="3200">
-                <a:latin typeface="Economica"/>
-                <a:ea typeface="Economica"/>
-                <a:cs typeface="Economica"/>
-                <a:sym typeface="Economica"/>
-              </a:rPr>
-              <a:t>Realizar un análisis global</a:t>
-            </a:r>
-            <a:endParaRPr sz="3200">
+              <a:buAutoNum type="arabicPeriod"/>
+            </a:pPr>
+            <a:r>
+              <a:rPr lang="es" sz="4000">
+                <a:latin typeface="Economica"/>
+                <a:ea typeface="Economica"/>
+                <a:cs typeface="Economica"/>
+                <a:sym typeface="Economica"/>
+              </a:rPr>
+              <a:t>Análisis de Series Temporales</a:t>
+            </a:r>
+            <a:endParaRPr sz="4000">
               <a:latin typeface="Economica"/>
               <a:ea typeface="Economica"/>
               <a:cs typeface="Economica"/>
@@ -13952,27 +14263,27 @@
             </a:endParaRPr>
           </a:p>
           <a:p>
-            <a:pPr indent="-361950" lvl="0" marL="457200" rtl="0" algn="l">
-              <a:spcBef>
-                <a:spcPts val="0"/>
-              </a:spcBef>
-              <a:spcAft>
-                <a:spcPts val="0"/>
-              </a:spcAft>
-              <a:buSzPts val="2100"/>
+            <a:pPr indent="-482600" lvl="0" marL="457200" rtl="0" algn="l">
+              <a:spcBef>
+                <a:spcPts val="0"/>
+              </a:spcBef>
+              <a:spcAft>
+                <a:spcPts val="0"/>
+              </a:spcAft>
+              <a:buSzPts val="4000"/>
               <a:buFont typeface="Economica"/>
-              <a:buChar char="●"/>
-            </a:pPr>
-            <a:r>
-              <a:rPr lang="es" sz="3200">
-                <a:latin typeface="Economica"/>
-                <a:ea typeface="Economica"/>
-                <a:cs typeface="Economica"/>
-                <a:sym typeface="Economica"/>
-              </a:rPr>
-              <a:t>Redactar artículo</a:t>
-            </a:r>
-            <a:endParaRPr sz="3200">
+              <a:buAutoNum type="arabicPeriod"/>
+            </a:pPr>
+            <a:r>
+              <a:rPr lang="es" sz="4000">
+                <a:latin typeface="Economica"/>
+                <a:ea typeface="Economica"/>
+                <a:cs typeface="Economica"/>
+                <a:sym typeface="Economica"/>
+              </a:rPr>
+              <a:t>Regresión Lineal para modelar Año-Tamaño</a:t>
+            </a:r>
+            <a:endParaRPr sz="4000">
               <a:latin typeface="Economica"/>
               <a:ea typeface="Economica"/>
               <a:cs typeface="Economica"/>
@@ -13989,16 +14300,9 @@
 </p:sld>
 </file>
 
-<file path=ppt/slides/slide26.xml><?xml version="1.0" encoding="utf-8"?>
+<file path=ppt/slides/slide25.xml><?xml version="1.0" encoding="utf-8"?>
 <p:sld xmlns:a="http://schemas.openxmlformats.org/drawingml/2006/main" xmlns:r="http://schemas.openxmlformats.org/officeDocument/2006/relationships" xmlns:mc="http://schemas.openxmlformats.org/markup-compatibility/2006" xmlns:mv="urn:schemas-microsoft-com:mac:vml" xmlns:p="http://schemas.openxmlformats.org/presentationml/2006/main" xmlns:c="http://schemas.openxmlformats.org/drawingml/2006/chart" xmlns:dgm="http://schemas.openxmlformats.org/drawingml/2006/diagram" xmlns:o="urn:schemas-microsoft-com:office:office" xmlns:v="urn:schemas-microsoft-com:vml" xmlns:pvml="urn:schemas-microsoft-com:office:powerpoint" xmlns:com="http://schemas.openxmlformats.org/drawingml/2006/compatibility" xmlns:p14="http://schemas.microsoft.com/office/powerpoint/2010/main" xmlns:p15="http://schemas.microsoft.com/office/powerpoint/2012/main" xmlns:ahyp="http://schemas.microsoft.com/office/drawing/2018/hyperlinkcolor">
   <p:cSld>
-    <p:bg>
-      <p:bgPr>
-        <a:solidFill>
-          <a:schemeClr val="lt2"/>
-        </a:solidFill>
-      </p:bgPr>
-    </p:bg>
     <p:spTree>
       <p:nvGrpSpPr>
         <p:cNvPr id="256" name="Shape 256"/>
@@ -14015,14 +14319,14 @@
       </p:grpSpPr>
       <p:sp>
         <p:nvSpPr>
-          <p:cNvPr id="257" name="Google Shape;257;p39"/>
+          <p:cNvPr id="257" name="Google Shape;257;p38"/>
           <p:cNvSpPr txBox="1"/>
           <p:nvPr/>
         </p:nvSpPr>
         <p:spPr>
           <a:xfrm>
-            <a:off x="232975" y="184925"/>
-            <a:ext cx="7260600" cy="1108200"/>
+            <a:off x="227125" y="161575"/>
+            <a:ext cx="8556900" cy="1339200"/>
           </a:xfrm>
           <a:prstGeom prst="rect">
             <a:avLst/>
@@ -14048,15 +14352,24 @@
               <a:buNone/>
             </a:pPr>
             <a:r>
-              <a:rPr lang="es" sz="3000">
-                <a:latin typeface="Economica"/>
-                <a:ea typeface="Economica"/>
-                <a:cs typeface="Economica"/>
-                <a:sym typeface="Economica"/>
-              </a:rPr>
-              <a:t>Máster MIS</a:t>
-            </a:r>
-            <a:endParaRPr sz="3000">
+              <a:rPr b="1" lang="es" sz="4000">
+                <a:latin typeface="Economica"/>
+                <a:ea typeface="Economica"/>
+                <a:cs typeface="Economica"/>
+                <a:sym typeface="Economica"/>
+              </a:rPr>
+              <a:t>5</a:t>
+            </a:r>
+            <a:r>
+              <a:rPr b="1" lang="es" sz="4000">
+                <a:latin typeface="Economica"/>
+                <a:ea typeface="Economica"/>
+                <a:cs typeface="Economica"/>
+                <a:sym typeface="Economica"/>
+              </a:rPr>
+              <a:t>. Resultados</a:t>
+            </a:r>
+            <a:endParaRPr b="1" sz="4000">
               <a:latin typeface="Economica"/>
               <a:ea typeface="Economica"/>
               <a:cs typeface="Economica"/>
@@ -14074,59 +14387,13 @@
               <a:buNone/>
             </a:pPr>
             <a:r>
-              <a:rPr lang="es" sz="3000">
-                <a:latin typeface="Economica"/>
-                <a:ea typeface="Economica"/>
-                <a:cs typeface="Economica"/>
-                <a:sym typeface="Economica"/>
-              </a:rPr>
-              <a:t>Data Science 2023</a:t>
-            </a:r>
-            <a:endParaRPr sz="3000">
-              <a:latin typeface="Economica"/>
-              <a:ea typeface="Economica"/>
-              <a:cs typeface="Economica"/>
-              <a:sym typeface="Economica"/>
-            </a:endParaRPr>
-          </a:p>
-        </p:txBody>
-      </p:sp>
-      <p:sp>
-        <p:nvSpPr>
-          <p:cNvPr id="258" name="Google Shape;258;p39"/>
-          <p:cNvSpPr txBox="1"/>
-          <p:nvPr/>
-        </p:nvSpPr>
-        <p:spPr>
-          <a:xfrm>
-            <a:off x="232975" y="2174875"/>
-            <a:ext cx="8550900" cy="723300"/>
-          </a:xfrm>
-          <a:prstGeom prst="rect">
-            <a:avLst/>
-          </a:prstGeom>
-          <a:noFill/>
-          <a:ln>
-            <a:noFill/>
-          </a:ln>
-        </p:spPr>
-        <p:txBody>
-          <a:bodyPr anchorCtr="0" anchor="t" bIns="91425" lIns="91425" spcFirstLastPara="1" rIns="91425" wrap="square" tIns="91425">
-            <a:spAutoFit/>
-          </a:bodyPr>
-          <a:lstStyle/>
-          <a:p>
-            <a:pPr indent="0" lvl="0" marL="0" rtl="0" algn="l">
-              <a:spcBef>
-                <a:spcPts val="0"/>
-              </a:spcBef>
-              <a:spcAft>
-                <a:spcPts val="0"/>
-              </a:spcAft>
-              <a:buNone/>
-            </a:pPr>
-            <a:r>
-              <a:t/>
+              <a:rPr lang="es" sz="3500">
+                <a:latin typeface="Economica"/>
+                <a:ea typeface="Economica"/>
+                <a:cs typeface="Economica"/>
+                <a:sym typeface="Economica"/>
+              </a:rPr>
+              <a:t>Análisis de ML</a:t>
             </a:r>
             <a:endParaRPr sz="3500">
               <a:latin typeface="Economica"/>
@@ -14139,14 +14406,79 @@
       </p:sp>
       <p:sp>
         <p:nvSpPr>
-          <p:cNvPr id="259" name="Google Shape;259;p39"/>
+          <p:cNvPr id="258" name="Google Shape;258;p38"/>
+          <p:cNvSpPr/>
+          <p:nvPr/>
+        </p:nvSpPr>
+        <p:spPr>
+          <a:xfrm>
+            <a:off x="7487725" y="5991350"/>
+            <a:ext cx="1296300" cy="506400"/>
+          </a:xfrm>
+          <a:prstGeom prst="roundRect">
+            <a:avLst>
+              <a:gd fmla="val 16667" name="adj"/>
+            </a:avLst>
+          </a:prstGeom>
+          <a:solidFill>
+            <a:schemeClr val="lt2"/>
+          </a:solidFill>
+          <a:ln>
+            <a:noFill/>
+          </a:ln>
+        </p:spPr>
+        <p:txBody>
+          <a:bodyPr anchorCtr="0" anchor="ctr" bIns="91425" lIns="91425" spcFirstLastPara="1" rIns="91425" wrap="square" tIns="91425">
+            <a:noAutofit/>
+          </a:bodyPr>
+          <a:lstStyle/>
+          <a:p>
+            <a:pPr indent="0" lvl="0" marL="0" rtl="0" algn="ctr">
+              <a:spcBef>
+                <a:spcPts val="0"/>
+              </a:spcBef>
+              <a:spcAft>
+                <a:spcPts val="0"/>
+              </a:spcAft>
+              <a:buNone/>
+            </a:pPr>
+            <a:r>
+              <a:rPr b="1" lang="es" sz="3000">
+                <a:latin typeface="Economica"/>
+                <a:ea typeface="Economica"/>
+                <a:cs typeface="Economica"/>
+                <a:sym typeface="Economica"/>
+              </a:rPr>
+              <a:t>18 </a:t>
+            </a:r>
+            <a:r>
+              <a:rPr b="1" lang="es" sz="3000">
+                <a:latin typeface="Economica"/>
+                <a:ea typeface="Economica"/>
+                <a:cs typeface="Economica"/>
+                <a:sym typeface="Economica"/>
+              </a:rPr>
+              <a:t>- 22</a:t>
+            </a:r>
+            <a:endParaRPr b="1" sz="3000">
+              <a:latin typeface="Economica"/>
+              <a:ea typeface="Economica"/>
+              <a:cs typeface="Economica"/>
+              <a:sym typeface="Economica"/>
+            </a:endParaRPr>
+          </a:p>
+        </p:txBody>
+      </p:sp>
+      <p:sp>
+        <p:nvSpPr>
+          <p:cNvPr id="259" name="Google Shape;259;p38"/>
           <p:cNvSpPr txBox="1"/>
           <p:nvPr/>
         </p:nvSpPr>
         <p:spPr>
           <a:xfrm>
-            <a:off x="232975" y="2639200"/>
-            <a:ext cx="8550900" cy="723300"/>
+            <a:off x="5679525" y="161575"/>
+            <a:ext cx="2854500" cy="723300"/>
           </a:xfrm>
           <a:prstGeom prst="rect">
             <a:avLst/>
@@ -14172,15 +14504,9 @@
               <a:buNone/>
             </a:pPr>
             <a:r>
-              <a:rPr b="1" lang="es" sz="3500">
-                <a:latin typeface="Economica"/>
-                <a:ea typeface="Economica"/>
-                <a:cs typeface="Economica"/>
-                <a:sym typeface="Economica"/>
-              </a:rPr>
-              <a:t>Análisis de variabilidad en distribuciones Linux</a:t>
-            </a:r>
-            <a:endParaRPr b="1" sz="3500">
+              <a:t/>
+            </a:r>
+            <a:endParaRPr sz="3500">
               <a:latin typeface="Economica"/>
               <a:ea typeface="Economica"/>
               <a:cs typeface="Economica"/>
@@ -14191,7 +14517,7 @@
       </p:sp>
       <p:pic>
         <p:nvPicPr>
-          <p:cNvPr id="260" name="Google Shape;260;p39"/>
+          <p:cNvPr id="260" name="Google Shape;260;p38"/>
           <p:cNvPicPr preferRelativeResize="0"/>
           <p:nvPr/>
         </p:nvPicPr>
@@ -14205,8 +14531,8 @@
         </p:blipFill>
         <p:spPr>
           <a:xfrm>
-            <a:off x="355561" y="4887300"/>
-            <a:ext cx="2673766" cy="1574499"/>
+            <a:off x="152400" y="1861850"/>
+            <a:ext cx="4527601" cy="3370541"/>
           </a:xfrm>
           <a:prstGeom prst="rect">
             <a:avLst/>
@@ -14217,16 +14543,71 @@
           </a:ln>
         </p:spPr>
       </p:pic>
-      <p:sp>
-        <p:nvSpPr>
-          <p:cNvPr id="261" name="Google Shape;261;p39"/>
+      <p:pic>
+        <p:nvPicPr>
+          <p:cNvPr id="261" name="Google Shape;261;p38"/>
+          <p:cNvPicPr preferRelativeResize="0"/>
+          <p:nvPr/>
+        </p:nvPicPr>
+        <p:blipFill rotWithShape="1">
+          <a:blip r:embed="rId4">
+            <a:alphaModFix/>
+          </a:blip>
+          <a:srcRect b="37241" l="0" r="0" t="0"/>
+          <a:stretch/>
+        </p:blipFill>
+        <p:spPr>
+          <a:xfrm>
+            <a:off x="5463588" y="4267975"/>
+            <a:ext cx="2857500" cy="723300"/>
+          </a:xfrm>
+          <a:prstGeom prst="rect">
+            <a:avLst/>
+          </a:prstGeom>
+          <a:noFill/>
+          <a:ln>
+            <a:noFill/>
+          </a:ln>
+        </p:spPr>
+      </p:pic>
+      <p:pic>
+        <p:nvPicPr>
+          <p:cNvPr id="262" name="Google Shape;262;p38"/>
+          <p:cNvPicPr preferRelativeResize="0"/>
+          <p:nvPr/>
+        </p:nvPicPr>
+        <p:blipFill>
+          <a:blip r:embed="rId5">
+            <a:alphaModFix/>
+          </a:blip>
+          <a:stretch>
+            <a:fillRect/>
+          </a:stretch>
+        </p:blipFill>
+        <p:spPr>
+          <a:xfrm>
+            <a:off x="4780526" y="2014850"/>
+            <a:ext cx="4084475" cy="2157836"/>
+          </a:xfrm>
+          <a:prstGeom prst="rect">
+            <a:avLst/>
+          </a:prstGeom>
+          <a:noFill/>
+          <a:ln>
+            <a:noFill/>
+          </a:ln>
+        </p:spPr>
+      </p:pic>
+      <p:sp>
+        <p:nvSpPr>
+          <p:cNvPr id="263" name="Google Shape;263;p38"/>
           <p:cNvSpPr txBox="1"/>
           <p:nvPr/>
         </p:nvSpPr>
         <p:spPr>
           <a:xfrm>
-            <a:off x="3134275" y="5022475"/>
-            <a:ext cx="5649600" cy="1569900"/>
+            <a:off x="1230000" y="5232400"/>
+            <a:ext cx="2372400" cy="800400"/>
           </a:xfrm>
           <a:prstGeom prst="rect">
             <a:avLst/>
@@ -14242,7 +14623,224 @@
           </a:bodyPr>
           <a:lstStyle/>
           <a:p>
-            <a:pPr indent="0" lvl="0" marL="0" rtl="0" algn="r">
+            <a:pPr indent="0" lvl="0" marL="0" rtl="0" algn="l">
+              <a:spcBef>
+                <a:spcPts val="0"/>
+              </a:spcBef>
+              <a:spcAft>
+                <a:spcPts val="0"/>
+              </a:spcAft>
+              <a:buNone/>
+            </a:pPr>
+            <a:r>
+              <a:rPr lang="es" sz="4000">
+                <a:latin typeface="Economica"/>
+                <a:ea typeface="Economica"/>
+                <a:cs typeface="Economica"/>
+                <a:sym typeface="Economica"/>
+              </a:rPr>
+              <a:t>Análisis de ST</a:t>
+            </a:r>
+            <a:endParaRPr sz="4000">
+              <a:latin typeface="Economica"/>
+              <a:ea typeface="Economica"/>
+              <a:cs typeface="Economica"/>
+              <a:sym typeface="Economica"/>
+            </a:endParaRPr>
+          </a:p>
+        </p:txBody>
+      </p:sp>
+      <p:sp>
+        <p:nvSpPr>
+          <p:cNvPr id="264" name="Google Shape;264;p38"/>
+          <p:cNvSpPr txBox="1"/>
+          <p:nvPr/>
+        </p:nvSpPr>
+        <p:spPr>
+          <a:xfrm>
+            <a:off x="5395513" y="5129213"/>
+            <a:ext cx="2854500" cy="800400"/>
+          </a:xfrm>
+          <a:prstGeom prst="rect">
+            <a:avLst/>
+          </a:prstGeom>
+          <a:noFill/>
+          <a:ln>
+            <a:noFill/>
+          </a:ln>
+        </p:spPr>
+        <p:txBody>
+          <a:bodyPr anchorCtr="0" anchor="t" bIns="91425" lIns="91425" spcFirstLastPara="1" rIns="91425" wrap="square" tIns="91425">
+            <a:spAutoFit/>
+          </a:bodyPr>
+          <a:lstStyle/>
+          <a:p>
+            <a:pPr indent="0" lvl="0" marL="0" rtl="0" algn="l">
+              <a:spcBef>
+                <a:spcPts val="0"/>
+              </a:spcBef>
+              <a:spcAft>
+                <a:spcPts val="0"/>
+              </a:spcAft>
+              <a:buNone/>
+            </a:pPr>
+            <a:r>
+              <a:rPr lang="es" sz="4000">
+                <a:solidFill>
+                  <a:schemeClr val="dk1"/>
+                </a:solidFill>
+                <a:latin typeface="Economica"/>
+                <a:ea typeface="Economica"/>
+                <a:cs typeface="Economica"/>
+                <a:sym typeface="Economica"/>
+              </a:rPr>
+              <a:t>Regresión Lineal</a:t>
+            </a:r>
+            <a:endParaRPr sz="4000">
+              <a:solidFill>
+                <a:schemeClr val="dk1"/>
+              </a:solidFill>
+              <a:latin typeface="Economica"/>
+              <a:ea typeface="Economica"/>
+              <a:cs typeface="Economica"/>
+              <a:sym typeface="Economica"/>
+            </a:endParaRPr>
+          </a:p>
+        </p:txBody>
+      </p:sp>
+    </p:spTree>
+  </p:cSld>
+  <p:clrMapOvr>
+    <a:masterClrMapping/>
+  </p:clrMapOvr>
+</p:sld>
+</file>
+
+<file path=ppt/slides/slide26.xml><?xml version="1.0" encoding="utf-8"?>
+<p:sld xmlns:a="http://schemas.openxmlformats.org/drawingml/2006/main" xmlns:r="http://schemas.openxmlformats.org/officeDocument/2006/relationships" xmlns:mc="http://schemas.openxmlformats.org/markup-compatibility/2006" xmlns:mv="urn:schemas-microsoft-com:mac:vml" xmlns:p="http://schemas.openxmlformats.org/presentationml/2006/main" xmlns:c="http://schemas.openxmlformats.org/drawingml/2006/chart" xmlns:dgm="http://schemas.openxmlformats.org/drawingml/2006/diagram" xmlns:o="urn:schemas-microsoft-com:office:office" xmlns:v="urn:schemas-microsoft-com:vml" xmlns:pvml="urn:schemas-microsoft-com:office:powerpoint" xmlns:com="http://schemas.openxmlformats.org/drawingml/2006/compatibility" xmlns:p14="http://schemas.microsoft.com/office/powerpoint/2010/main" xmlns:p15="http://schemas.microsoft.com/office/powerpoint/2012/main" xmlns:ahyp="http://schemas.microsoft.com/office/drawing/2018/hyperlinkcolor">
+  <p:cSld>
+    <p:spTree>
+      <p:nvGrpSpPr>
+        <p:cNvPr id="268" name="Shape 268"/>
+        <p:cNvGrpSpPr/>
+        <p:nvPr/>
+      </p:nvGrpSpPr>
+      <p:grpSpPr>
+        <a:xfrm>
+          <a:off x="0" y="0"/>
+          <a:ext cx="0" cy="0"/>
+          <a:chOff x="0" y="0"/>
+          <a:chExt cx="0" cy="0"/>
+        </a:xfrm>
+      </p:grpSpPr>
+      <p:sp>
+        <p:nvSpPr>
+          <p:cNvPr id="269" name="Google Shape;269;p39"/>
+          <p:cNvSpPr txBox="1"/>
+          <p:nvPr/>
+        </p:nvSpPr>
+        <p:spPr>
+          <a:xfrm>
+            <a:off x="227125" y="161575"/>
+            <a:ext cx="8556900" cy="1339200"/>
+          </a:xfrm>
+          <a:prstGeom prst="rect">
+            <a:avLst/>
+          </a:prstGeom>
+          <a:noFill/>
+          <a:ln>
+            <a:noFill/>
+          </a:ln>
+        </p:spPr>
+        <p:txBody>
+          <a:bodyPr anchorCtr="0" anchor="t" bIns="91425" lIns="91425" spcFirstLastPara="1" rIns="91425" wrap="square" tIns="91425">
+            <a:spAutoFit/>
+          </a:bodyPr>
+          <a:lstStyle/>
+          <a:p>
+            <a:pPr indent="0" lvl="0" marL="0" rtl="0" algn="l">
+              <a:spcBef>
+                <a:spcPts val="0"/>
+              </a:spcBef>
+              <a:spcAft>
+                <a:spcPts val="0"/>
+              </a:spcAft>
+              <a:buNone/>
+            </a:pPr>
+            <a:r>
+              <a:rPr b="1" lang="es" sz="4000">
+                <a:latin typeface="Economica"/>
+                <a:ea typeface="Economica"/>
+                <a:cs typeface="Economica"/>
+                <a:sym typeface="Economica"/>
+              </a:rPr>
+              <a:t>5. Resultados</a:t>
+            </a:r>
+            <a:endParaRPr b="1" sz="4000">
+              <a:latin typeface="Economica"/>
+              <a:ea typeface="Economica"/>
+              <a:cs typeface="Economica"/>
+              <a:sym typeface="Economica"/>
+            </a:endParaRPr>
+          </a:p>
+          <a:p>
+            <a:pPr indent="0" lvl="0" marL="0" rtl="0" algn="l">
+              <a:spcBef>
+                <a:spcPts val="0"/>
+              </a:spcBef>
+              <a:spcAft>
+                <a:spcPts val="0"/>
+              </a:spcAft>
+              <a:buNone/>
+            </a:pPr>
+            <a:r>
+              <a:rPr lang="es" sz="3500">
+                <a:latin typeface="Economica"/>
+                <a:ea typeface="Economica"/>
+                <a:cs typeface="Economica"/>
+                <a:sym typeface="Economica"/>
+              </a:rPr>
+              <a:t>¿Cómo hemos obtenido esta visualización?</a:t>
+            </a:r>
+            <a:endParaRPr sz="3500">
+              <a:latin typeface="Economica"/>
+              <a:ea typeface="Economica"/>
+              <a:cs typeface="Economica"/>
+              <a:sym typeface="Economica"/>
+            </a:endParaRPr>
+          </a:p>
+        </p:txBody>
+      </p:sp>
+      <p:sp>
+        <p:nvSpPr>
+          <p:cNvPr id="270" name="Google Shape;270;p39"/>
+          <p:cNvSpPr/>
+          <p:nvPr/>
+        </p:nvSpPr>
+        <p:spPr>
+          <a:xfrm>
+            <a:off x="7487725" y="5991350"/>
+            <a:ext cx="1296300" cy="506400"/>
+          </a:xfrm>
+          <a:prstGeom prst="roundRect">
+            <a:avLst>
+              <a:gd fmla="val 16667" name="adj"/>
+            </a:avLst>
+          </a:prstGeom>
+          <a:solidFill>
+            <a:schemeClr val="lt2"/>
+          </a:solidFill>
+          <a:ln>
+            <a:noFill/>
+          </a:ln>
+        </p:spPr>
+        <p:txBody>
+          <a:bodyPr anchorCtr="0" anchor="ctr" bIns="91425" lIns="91425" spcFirstLastPara="1" rIns="91425" wrap="square" tIns="91425">
+            <a:noAutofit/>
+          </a:bodyPr>
+          <a:lstStyle/>
+          <a:p>
+            <a:pPr indent="0" lvl="0" marL="0" rtl="0" algn="ctr">
               <a:spcBef>
                 <a:spcPts val="0"/>
               </a:spcBef>
@@ -14258,7 +14856,16 @@
                 <a:cs typeface="Economica"/>
                 <a:sym typeface="Economica"/>
               </a:rPr>
-              <a:t>Diego Monsalves Vázquez</a:t>
+              <a:t>19 </a:t>
+            </a:r>
+            <a:r>
+              <a:rPr b="1" lang="es" sz="3000">
+                <a:latin typeface="Economica"/>
+                <a:ea typeface="Economica"/>
+                <a:cs typeface="Economica"/>
+                <a:sym typeface="Economica"/>
+              </a:rPr>
+              <a:t>- 22</a:t>
             </a:r>
             <a:endParaRPr b="1" sz="3000">
               <a:latin typeface="Economica"/>
@@ -14267,8 +14874,325 @@
               <a:sym typeface="Economica"/>
             </a:endParaRPr>
           </a:p>
-          <a:p>
-            <a:pPr indent="0" lvl="0" marL="0" rtl="0" algn="r">
+        </p:txBody>
+      </p:sp>
+      <p:sp>
+        <p:nvSpPr>
+          <p:cNvPr id="271" name="Google Shape;271;p39"/>
+          <p:cNvSpPr txBox="1"/>
+          <p:nvPr/>
+        </p:nvSpPr>
+        <p:spPr>
+          <a:xfrm>
+            <a:off x="5679525" y="161575"/>
+            <a:ext cx="2854500" cy="723300"/>
+          </a:xfrm>
+          <a:prstGeom prst="rect">
+            <a:avLst/>
+          </a:prstGeom>
+          <a:noFill/>
+          <a:ln>
+            <a:noFill/>
+          </a:ln>
+        </p:spPr>
+        <p:txBody>
+          <a:bodyPr anchorCtr="0" anchor="t" bIns="91425" lIns="91425" spcFirstLastPara="1" rIns="91425" wrap="square" tIns="91425">
+            <a:spAutoFit/>
+          </a:bodyPr>
+          <a:lstStyle/>
+          <a:p>
+            <a:pPr indent="0" lvl="0" marL="0" rtl="0" algn="l">
+              <a:spcBef>
+                <a:spcPts val="0"/>
+              </a:spcBef>
+              <a:spcAft>
+                <a:spcPts val="0"/>
+              </a:spcAft>
+              <a:buNone/>
+            </a:pPr>
+            <a:r>
+              <a:t/>
+            </a:r>
+            <a:endParaRPr sz="3500">
+              <a:latin typeface="Economica"/>
+              <a:ea typeface="Economica"/>
+              <a:cs typeface="Economica"/>
+              <a:sym typeface="Economica"/>
+            </a:endParaRPr>
+          </a:p>
+        </p:txBody>
+      </p:sp>
+      <p:sp>
+        <p:nvSpPr>
+          <p:cNvPr id="272" name="Google Shape;272;p39"/>
+          <p:cNvSpPr txBox="1"/>
+          <p:nvPr/>
+        </p:nvSpPr>
+        <p:spPr>
+          <a:xfrm>
+            <a:off x="293550" y="1997200"/>
+            <a:ext cx="8556900" cy="2647500"/>
+          </a:xfrm>
+          <a:prstGeom prst="rect">
+            <a:avLst/>
+          </a:prstGeom>
+          <a:noFill/>
+          <a:ln>
+            <a:noFill/>
+          </a:ln>
+        </p:spPr>
+        <p:txBody>
+          <a:bodyPr anchorCtr="0" anchor="t" bIns="91425" lIns="91425" spcFirstLastPara="1" rIns="91425" wrap="square" tIns="91425">
+            <a:spAutoFit/>
+          </a:bodyPr>
+          <a:lstStyle/>
+          <a:p>
+            <a:pPr indent="-482600" lvl="0" marL="457200" rtl="0" algn="l">
+              <a:spcBef>
+                <a:spcPts val="0"/>
+              </a:spcBef>
+              <a:spcAft>
+                <a:spcPts val="0"/>
+              </a:spcAft>
+              <a:buSzPts val="4000"/>
+              <a:buFont typeface="Economica"/>
+              <a:buAutoNum type="arabicPeriod"/>
+            </a:pPr>
+            <a:r>
+              <a:rPr lang="es" sz="4000">
+                <a:latin typeface="Economica"/>
+                <a:ea typeface="Economica"/>
+                <a:cs typeface="Economica"/>
+                <a:sym typeface="Economica"/>
+              </a:rPr>
+              <a:t>Identificación de los paquetes de cada distro</a:t>
+            </a:r>
+            <a:endParaRPr sz="4000">
+              <a:latin typeface="Economica"/>
+              <a:ea typeface="Economica"/>
+              <a:cs typeface="Economica"/>
+              <a:sym typeface="Economica"/>
+            </a:endParaRPr>
+          </a:p>
+          <a:p>
+            <a:pPr indent="-482600" lvl="0" marL="457200" rtl="0" algn="l">
+              <a:spcBef>
+                <a:spcPts val="0"/>
+              </a:spcBef>
+              <a:spcAft>
+                <a:spcPts val="0"/>
+              </a:spcAft>
+              <a:buSzPts val="4000"/>
+              <a:buFont typeface="Economica"/>
+              <a:buAutoNum type="arabicPeriod"/>
+            </a:pPr>
+            <a:r>
+              <a:rPr lang="es" sz="4000">
+                <a:latin typeface="Economica"/>
+                <a:ea typeface="Economica"/>
+                <a:cs typeface="Economica"/>
+                <a:sym typeface="Economica"/>
+              </a:rPr>
+              <a:t>Análisis de aparición para cada par de distros</a:t>
+            </a:r>
+            <a:endParaRPr sz="4000">
+              <a:latin typeface="Economica"/>
+              <a:ea typeface="Economica"/>
+              <a:cs typeface="Economica"/>
+              <a:sym typeface="Economica"/>
+            </a:endParaRPr>
+          </a:p>
+          <a:p>
+            <a:pPr indent="-482600" lvl="0" marL="457200" rtl="0" algn="l">
+              <a:spcBef>
+                <a:spcPts val="0"/>
+              </a:spcBef>
+              <a:spcAft>
+                <a:spcPts val="0"/>
+              </a:spcAft>
+              <a:buSzPts val="4000"/>
+              <a:buFont typeface="Economica"/>
+              <a:buAutoNum type="arabicPeriod"/>
+            </a:pPr>
+            <a:r>
+              <a:rPr lang="es" sz="4000">
+                <a:latin typeface="Economica"/>
+                <a:ea typeface="Economica"/>
+                <a:cs typeface="Economica"/>
+                <a:sym typeface="Economica"/>
+              </a:rPr>
+              <a:t>Análisis de desaparición para cada par de distros</a:t>
+            </a:r>
+            <a:endParaRPr sz="4000">
+              <a:latin typeface="Economica"/>
+              <a:ea typeface="Economica"/>
+              <a:cs typeface="Economica"/>
+              <a:sym typeface="Economica"/>
+            </a:endParaRPr>
+          </a:p>
+          <a:p>
+            <a:pPr indent="-482600" lvl="0" marL="457200" rtl="0" algn="l">
+              <a:spcBef>
+                <a:spcPts val="0"/>
+              </a:spcBef>
+              <a:spcAft>
+                <a:spcPts val="0"/>
+              </a:spcAft>
+              <a:buSzPts val="4000"/>
+              <a:buFont typeface="Economica"/>
+              <a:buAutoNum type="arabicPeriod"/>
+            </a:pPr>
+            <a:r>
+              <a:rPr lang="es" sz="4000">
+                <a:latin typeface="Economica"/>
+                <a:ea typeface="Economica"/>
+                <a:cs typeface="Economica"/>
+                <a:sym typeface="Economica"/>
+              </a:rPr>
+              <a:t>Visualización de las variables finales</a:t>
+            </a:r>
+            <a:endParaRPr sz="4000">
+              <a:latin typeface="Economica"/>
+              <a:ea typeface="Economica"/>
+              <a:cs typeface="Economica"/>
+              <a:sym typeface="Economica"/>
+            </a:endParaRPr>
+          </a:p>
+        </p:txBody>
+      </p:sp>
+    </p:spTree>
+  </p:cSld>
+  <p:clrMapOvr>
+    <a:masterClrMapping/>
+  </p:clrMapOvr>
+</p:sld>
+</file>
+
+<file path=ppt/slides/slide27.xml><?xml version="1.0" encoding="utf-8"?>
+<p:sld xmlns:a="http://schemas.openxmlformats.org/drawingml/2006/main" xmlns:r="http://schemas.openxmlformats.org/officeDocument/2006/relationships" xmlns:mc="http://schemas.openxmlformats.org/markup-compatibility/2006" xmlns:mv="urn:schemas-microsoft-com:mac:vml" xmlns:p="http://schemas.openxmlformats.org/presentationml/2006/main" xmlns:c="http://schemas.openxmlformats.org/drawingml/2006/chart" xmlns:dgm="http://schemas.openxmlformats.org/drawingml/2006/diagram" xmlns:o="urn:schemas-microsoft-com:office:office" xmlns:v="urn:schemas-microsoft-com:vml" xmlns:pvml="urn:schemas-microsoft-com:office:powerpoint" xmlns:com="http://schemas.openxmlformats.org/drawingml/2006/compatibility" xmlns:p14="http://schemas.microsoft.com/office/powerpoint/2010/main" xmlns:p15="http://schemas.microsoft.com/office/powerpoint/2012/main" xmlns:ahyp="http://schemas.microsoft.com/office/drawing/2018/hyperlinkcolor">
+  <p:cSld>
+    <p:spTree>
+      <p:nvGrpSpPr>
+        <p:cNvPr id="276" name="Shape 276"/>
+        <p:cNvGrpSpPr/>
+        <p:nvPr/>
+      </p:nvGrpSpPr>
+      <p:grpSpPr>
+        <a:xfrm>
+          <a:off x="0" y="0"/>
+          <a:ext cx="0" cy="0"/>
+          <a:chOff x="0" y="0"/>
+          <a:chExt cx="0" cy="0"/>
+        </a:xfrm>
+      </p:grpSpPr>
+      <p:sp>
+        <p:nvSpPr>
+          <p:cNvPr id="277" name="Google Shape;277;p40"/>
+          <p:cNvSpPr txBox="1"/>
+          <p:nvPr/>
+        </p:nvSpPr>
+        <p:spPr>
+          <a:xfrm>
+            <a:off x="227125" y="161575"/>
+            <a:ext cx="8556900" cy="1339200"/>
+          </a:xfrm>
+          <a:prstGeom prst="rect">
+            <a:avLst/>
+          </a:prstGeom>
+          <a:noFill/>
+          <a:ln>
+            <a:noFill/>
+          </a:ln>
+        </p:spPr>
+        <p:txBody>
+          <a:bodyPr anchorCtr="0" anchor="t" bIns="91425" lIns="91425" spcFirstLastPara="1" rIns="91425" wrap="square" tIns="91425">
+            <a:spAutoFit/>
+          </a:bodyPr>
+          <a:lstStyle/>
+          <a:p>
+            <a:pPr indent="0" lvl="0" marL="0" rtl="0" algn="l">
+              <a:spcBef>
+                <a:spcPts val="0"/>
+              </a:spcBef>
+              <a:spcAft>
+                <a:spcPts val="0"/>
+              </a:spcAft>
+              <a:buNone/>
+            </a:pPr>
+            <a:r>
+              <a:rPr b="1" lang="es" sz="4000">
+                <a:latin typeface="Economica"/>
+                <a:ea typeface="Economica"/>
+                <a:cs typeface="Economica"/>
+                <a:sym typeface="Economica"/>
+              </a:rPr>
+              <a:t>5. Resultados</a:t>
+            </a:r>
+            <a:endParaRPr b="1" sz="4000">
+              <a:latin typeface="Economica"/>
+              <a:ea typeface="Economica"/>
+              <a:cs typeface="Economica"/>
+              <a:sym typeface="Economica"/>
+            </a:endParaRPr>
+          </a:p>
+          <a:p>
+            <a:pPr indent="0" lvl="0" marL="0" rtl="0" algn="l">
+              <a:spcBef>
+                <a:spcPts val="0"/>
+              </a:spcBef>
+              <a:spcAft>
+                <a:spcPts val="0"/>
+              </a:spcAft>
+              <a:buNone/>
+            </a:pPr>
+            <a:r>
+              <a:rPr lang="es" sz="3500">
+                <a:latin typeface="Economica"/>
+                <a:ea typeface="Economica"/>
+                <a:cs typeface="Economica"/>
+                <a:sym typeface="Economica"/>
+              </a:rPr>
+              <a:t>Visualización</a:t>
+            </a:r>
+            <a:endParaRPr sz="3500">
+              <a:latin typeface="Economica"/>
+              <a:ea typeface="Economica"/>
+              <a:cs typeface="Economica"/>
+              <a:sym typeface="Economica"/>
+            </a:endParaRPr>
+          </a:p>
+        </p:txBody>
+      </p:sp>
+      <p:sp>
+        <p:nvSpPr>
+          <p:cNvPr id="278" name="Google Shape;278;p40"/>
+          <p:cNvSpPr/>
+          <p:nvPr/>
+        </p:nvSpPr>
+        <p:spPr>
+          <a:xfrm>
+            <a:off x="7487725" y="5991350"/>
+            <a:ext cx="1296300" cy="506400"/>
+          </a:xfrm>
+          <a:prstGeom prst="roundRect">
+            <a:avLst>
+              <a:gd fmla="val 16667" name="adj"/>
+            </a:avLst>
+          </a:prstGeom>
+          <a:solidFill>
+            <a:schemeClr val="lt2"/>
+          </a:solidFill>
+          <a:ln>
+            <a:noFill/>
+          </a:ln>
+        </p:spPr>
+        <p:txBody>
+          <a:bodyPr anchorCtr="0" anchor="ctr" bIns="91425" lIns="91425" spcFirstLastPara="1" rIns="91425" wrap="square" tIns="91425">
+            <a:noAutofit/>
+          </a:bodyPr>
+          <a:lstStyle/>
+          <a:p>
+            <a:pPr indent="0" lvl="0" marL="0" rtl="0" algn="ctr">
               <a:spcBef>
                 <a:spcPts val="0"/>
               </a:spcBef>
@@ -14284,7 +15208,25 @@
                 <a:cs typeface="Economica"/>
                 <a:sym typeface="Economica"/>
               </a:rPr>
-              <a:t>Carlos Núñez Arenas</a:t>
+              <a:t>20</a:t>
+            </a:r>
+            <a:r>
+              <a:rPr b="1" lang="es" sz="3000">
+                <a:latin typeface="Economica"/>
+                <a:ea typeface="Economica"/>
+                <a:cs typeface="Economica"/>
+                <a:sym typeface="Economica"/>
+              </a:rPr>
+              <a:t> </a:t>
+            </a:r>
+            <a:r>
+              <a:rPr b="1" lang="es" sz="3000">
+                <a:latin typeface="Economica"/>
+                <a:ea typeface="Economica"/>
+                <a:cs typeface="Economica"/>
+                <a:sym typeface="Economica"/>
+              </a:rPr>
+              <a:t>- 22</a:t>
             </a:r>
             <a:endParaRPr b="1" sz="3000">
               <a:latin typeface="Economica"/>
@@ -14293,8 +15235,586 @@
               <a:sym typeface="Economica"/>
             </a:endParaRPr>
           </a:p>
-          <a:p>
-            <a:pPr indent="0" lvl="0" marL="0" rtl="0" algn="r">
+        </p:txBody>
+      </p:sp>
+      <p:sp>
+        <p:nvSpPr>
+          <p:cNvPr id="279" name="Google Shape;279;p40"/>
+          <p:cNvSpPr txBox="1"/>
+          <p:nvPr/>
+        </p:nvSpPr>
+        <p:spPr>
+          <a:xfrm>
+            <a:off x="5679525" y="161575"/>
+            <a:ext cx="2854500" cy="723300"/>
+          </a:xfrm>
+          <a:prstGeom prst="rect">
+            <a:avLst/>
+          </a:prstGeom>
+          <a:noFill/>
+          <a:ln>
+            <a:noFill/>
+          </a:ln>
+        </p:spPr>
+        <p:txBody>
+          <a:bodyPr anchorCtr="0" anchor="t" bIns="91425" lIns="91425" spcFirstLastPara="1" rIns="91425" wrap="square" tIns="91425">
+            <a:spAutoFit/>
+          </a:bodyPr>
+          <a:lstStyle/>
+          <a:p>
+            <a:pPr indent="0" lvl="0" marL="0" rtl="0" algn="l">
+              <a:spcBef>
+                <a:spcPts val="0"/>
+              </a:spcBef>
+              <a:spcAft>
+                <a:spcPts val="0"/>
+              </a:spcAft>
+              <a:buNone/>
+            </a:pPr>
+            <a:r>
+              <a:t/>
+            </a:r>
+            <a:endParaRPr sz="3500">
+              <a:latin typeface="Economica"/>
+              <a:ea typeface="Economica"/>
+              <a:cs typeface="Economica"/>
+              <a:sym typeface="Economica"/>
+            </a:endParaRPr>
+          </a:p>
+        </p:txBody>
+      </p:sp>
+      <p:pic>
+        <p:nvPicPr>
+          <p:cNvPr id="280" name="Google Shape;280;p40"/>
+          <p:cNvPicPr preferRelativeResize="0"/>
+          <p:nvPr/>
+        </p:nvPicPr>
+        <p:blipFill>
+          <a:blip r:embed="rId3">
+            <a:alphaModFix/>
+          </a:blip>
+          <a:stretch>
+            <a:fillRect/>
+          </a:stretch>
+        </p:blipFill>
+        <p:spPr>
+          <a:xfrm>
+            <a:off x="980538" y="1561400"/>
+            <a:ext cx="7182926" cy="4369337"/>
+          </a:xfrm>
+          <a:prstGeom prst="rect">
+            <a:avLst/>
+          </a:prstGeom>
+          <a:noFill/>
+          <a:ln>
+            <a:noFill/>
+          </a:ln>
+        </p:spPr>
+      </p:pic>
+    </p:spTree>
+  </p:cSld>
+  <p:clrMapOvr>
+    <a:masterClrMapping/>
+  </p:clrMapOvr>
+</p:sld>
+</file>
+
+<file path=ppt/slides/slide28.xml><?xml version="1.0" encoding="utf-8"?>
+<p:sld xmlns:a="http://schemas.openxmlformats.org/drawingml/2006/main" xmlns:r="http://schemas.openxmlformats.org/officeDocument/2006/relationships" xmlns:mc="http://schemas.openxmlformats.org/markup-compatibility/2006" xmlns:mv="urn:schemas-microsoft-com:mac:vml" xmlns:p="http://schemas.openxmlformats.org/presentationml/2006/main" xmlns:c="http://schemas.openxmlformats.org/drawingml/2006/chart" xmlns:dgm="http://schemas.openxmlformats.org/drawingml/2006/diagram" xmlns:o="urn:schemas-microsoft-com:office:office" xmlns:v="urn:schemas-microsoft-com:vml" xmlns:pvml="urn:schemas-microsoft-com:office:powerpoint" xmlns:com="http://schemas.openxmlformats.org/drawingml/2006/compatibility" xmlns:p14="http://schemas.microsoft.com/office/powerpoint/2010/main" xmlns:p15="http://schemas.microsoft.com/office/powerpoint/2012/main" xmlns:ahyp="http://schemas.microsoft.com/office/drawing/2018/hyperlinkcolor">
+  <p:cSld>
+    <p:spTree>
+      <p:nvGrpSpPr>
+        <p:cNvPr id="284" name="Shape 284"/>
+        <p:cNvGrpSpPr/>
+        <p:nvPr/>
+      </p:nvGrpSpPr>
+      <p:grpSpPr>
+        <a:xfrm>
+          <a:off x="0" y="0"/>
+          <a:ext cx="0" cy="0"/>
+          <a:chOff x="0" y="0"/>
+          <a:chExt cx="0" cy="0"/>
+        </a:xfrm>
+      </p:grpSpPr>
+      <p:sp>
+        <p:nvSpPr>
+          <p:cNvPr id="285" name="Google Shape;285;p41"/>
+          <p:cNvSpPr txBox="1"/>
+          <p:nvPr/>
+        </p:nvSpPr>
+        <p:spPr>
+          <a:xfrm>
+            <a:off x="227125" y="161575"/>
+            <a:ext cx="8556900" cy="800400"/>
+          </a:xfrm>
+          <a:prstGeom prst="rect">
+            <a:avLst/>
+          </a:prstGeom>
+          <a:noFill/>
+          <a:ln>
+            <a:noFill/>
+          </a:ln>
+        </p:spPr>
+        <p:txBody>
+          <a:bodyPr anchorCtr="0" anchor="t" bIns="91425" lIns="91425" spcFirstLastPara="1" rIns="91425" wrap="square" tIns="91425">
+            <a:spAutoFit/>
+          </a:bodyPr>
+          <a:lstStyle/>
+          <a:p>
+            <a:pPr indent="0" lvl="0" marL="0" rtl="0" algn="l">
+              <a:spcBef>
+                <a:spcPts val="0"/>
+              </a:spcBef>
+              <a:spcAft>
+                <a:spcPts val="0"/>
+              </a:spcAft>
+              <a:buNone/>
+            </a:pPr>
+            <a:r>
+              <a:rPr b="1" lang="es" sz="4000">
+                <a:latin typeface="Economica"/>
+                <a:ea typeface="Economica"/>
+                <a:cs typeface="Economica"/>
+                <a:sym typeface="Economica"/>
+              </a:rPr>
+              <a:t>Índice general</a:t>
+            </a:r>
+            <a:endParaRPr b="1" sz="4000">
+              <a:latin typeface="Economica"/>
+              <a:ea typeface="Economica"/>
+              <a:cs typeface="Economica"/>
+              <a:sym typeface="Economica"/>
+            </a:endParaRPr>
+          </a:p>
+        </p:txBody>
+      </p:sp>
+      <p:sp>
+        <p:nvSpPr>
+          <p:cNvPr id="286" name="Google Shape;286;p41"/>
+          <p:cNvSpPr txBox="1"/>
+          <p:nvPr/>
+        </p:nvSpPr>
+        <p:spPr>
+          <a:xfrm>
+            <a:off x="679150" y="915300"/>
+            <a:ext cx="8104800" cy="3879000"/>
+          </a:xfrm>
+          <a:prstGeom prst="rect">
+            <a:avLst/>
+          </a:prstGeom>
+          <a:noFill/>
+          <a:ln>
+            <a:noFill/>
+          </a:ln>
+        </p:spPr>
+        <p:txBody>
+          <a:bodyPr anchorCtr="0" anchor="t" bIns="91425" lIns="91425" spcFirstLastPara="1" rIns="91425" wrap="square" tIns="91425">
+            <a:spAutoFit/>
+          </a:bodyPr>
+          <a:lstStyle/>
+          <a:p>
+            <a:pPr indent="-482600" lvl="0" marL="457200" rtl="0" algn="l">
+              <a:spcBef>
+                <a:spcPts val="0"/>
+              </a:spcBef>
+              <a:spcAft>
+                <a:spcPts val="0"/>
+              </a:spcAft>
+              <a:buClr>
+                <a:srgbClr val="999999"/>
+              </a:buClr>
+              <a:buSzPts val="4000"/>
+              <a:buFont typeface="Economica"/>
+              <a:buAutoNum type="arabicPeriod"/>
+            </a:pPr>
+            <a:r>
+              <a:rPr lang="es" sz="4000">
+                <a:solidFill>
+                  <a:srgbClr val="999999"/>
+                </a:solidFill>
+                <a:latin typeface="Economica"/>
+                <a:ea typeface="Economica"/>
+                <a:cs typeface="Economica"/>
+                <a:sym typeface="Economica"/>
+              </a:rPr>
+              <a:t>Dominio y objetivo</a:t>
+            </a:r>
+            <a:endParaRPr sz="4000">
+              <a:solidFill>
+                <a:srgbClr val="999999"/>
+              </a:solidFill>
+              <a:latin typeface="Economica"/>
+              <a:ea typeface="Economica"/>
+              <a:cs typeface="Economica"/>
+              <a:sym typeface="Economica"/>
+            </a:endParaRPr>
+          </a:p>
+          <a:p>
+            <a:pPr indent="-482600" lvl="0" marL="457200" rtl="0" algn="l">
+              <a:spcBef>
+                <a:spcPts val="0"/>
+              </a:spcBef>
+              <a:spcAft>
+                <a:spcPts val="0"/>
+              </a:spcAft>
+              <a:buClr>
+                <a:srgbClr val="999999"/>
+              </a:buClr>
+              <a:buSzPts val="4000"/>
+              <a:buFont typeface="Economica"/>
+              <a:buAutoNum type="arabicPeriod"/>
+            </a:pPr>
+            <a:r>
+              <a:rPr lang="es" sz="4000">
+                <a:solidFill>
+                  <a:srgbClr val="999999"/>
+                </a:solidFill>
+                <a:latin typeface="Economica"/>
+                <a:ea typeface="Economica"/>
+                <a:cs typeface="Economica"/>
+                <a:sym typeface="Economica"/>
+              </a:rPr>
+              <a:t>Preguntas de interés</a:t>
+            </a:r>
+            <a:endParaRPr sz="4000">
+              <a:solidFill>
+                <a:srgbClr val="999999"/>
+              </a:solidFill>
+              <a:latin typeface="Economica"/>
+              <a:ea typeface="Economica"/>
+              <a:cs typeface="Economica"/>
+              <a:sym typeface="Economica"/>
+            </a:endParaRPr>
+          </a:p>
+          <a:p>
+            <a:pPr indent="-482600" lvl="0" marL="457200" rtl="0" algn="l">
+              <a:spcBef>
+                <a:spcPts val="0"/>
+              </a:spcBef>
+              <a:spcAft>
+                <a:spcPts val="0"/>
+              </a:spcAft>
+              <a:buClr>
+                <a:srgbClr val="999999"/>
+              </a:buClr>
+              <a:buSzPts val="4000"/>
+              <a:buFont typeface="Economica"/>
+              <a:buAutoNum type="arabicPeriod"/>
+            </a:pPr>
+            <a:r>
+              <a:rPr lang="es" sz="4000">
+                <a:solidFill>
+                  <a:srgbClr val="999999"/>
+                </a:solidFill>
+                <a:latin typeface="Economica"/>
+                <a:ea typeface="Economica"/>
+                <a:cs typeface="Economica"/>
+                <a:sym typeface="Economica"/>
+              </a:rPr>
+              <a:t>Preprocesado</a:t>
+            </a:r>
+            <a:endParaRPr sz="4000">
+              <a:solidFill>
+                <a:srgbClr val="999999"/>
+              </a:solidFill>
+              <a:latin typeface="Economica"/>
+              <a:ea typeface="Economica"/>
+              <a:cs typeface="Economica"/>
+              <a:sym typeface="Economica"/>
+            </a:endParaRPr>
+          </a:p>
+          <a:p>
+            <a:pPr indent="-482600" lvl="0" marL="457200" rtl="0" algn="l">
+              <a:spcBef>
+                <a:spcPts val="0"/>
+              </a:spcBef>
+              <a:spcAft>
+                <a:spcPts val="0"/>
+              </a:spcAft>
+              <a:buClr>
+                <a:srgbClr val="999999"/>
+              </a:buClr>
+              <a:buSzPts val="4000"/>
+              <a:buFont typeface="Economica"/>
+              <a:buAutoNum type="arabicPeriod"/>
+            </a:pPr>
+            <a:r>
+              <a:rPr lang="es" sz="4000">
+                <a:solidFill>
+                  <a:srgbClr val="999999"/>
+                </a:solidFill>
+                <a:latin typeface="Economica"/>
+                <a:ea typeface="Economica"/>
+                <a:cs typeface="Economica"/>
+                <a:sym typeface="Economica"/>
+              </a:rPr>
+              <a:t>Análisis exploratorio</a:t>
+            </a:r>
+            <a:endParaRPr sz="4000">
+              <a:solidFill>
+                <a:srgbClr val="999999"/>
+              </a:solidFill>
+              <a:latin typeface="Economica"/>
+              <a:ea typeface="Economica"/>
+              <a:cs typeface="Economica"/>
+              <a:sym typeface="Economica"/>
+            </a:endParaRPr>
+          </a:p>
+          <a:p>
+            <a:pPr indent="-482600" lvl="0" marL="457200" rtl="0" algn="l">
+              <a:spcBef>
+                <a:spcPts val="0"/>
+              </a:spcBef>
+              <a:spcAft>
+                <a:spcPts val="0"/>
+              </a:spcAft>
+              <a:buClr>
+                <a:srgbClr val="999999"/>
+              </a:buClr>
+              <a:buSzPts val="4000"/>
+              <a:buFont typeface="Economica"/>
+              <a:buAutoNum type="arabicPeriod"/>
+            </a:pPr>
+            <a:r>
+              <a:rPr lang="es" sz="4000">
+                <a:solidFill>
+                  <a:srgbClr val="999999"/>
+                </a:solidFill>
+                <a:latin typeface="Economica"/>
+                <a:ea typeface="Economica"/>
+                <a:cs typeface="Economica"/>
+                <a:sym typeface="Economica"/>
+              </a:rPr>
+              <a:t>Resultados</a:t>
+            </a:r>
+            <a:endParaRPr sz="4000">
+              <a:solidFill>
+                <a:srgbClr val="999999"/>
+              </a:solidFill>
+              <a:latin typeface="Economica"/>
+              <a:ea typeface="Economica"/>
+              <a:cs typeface="Economica"/>
+              <a:sym typeface="Economica"/>
+            </a:endParaRPr>
+          </a:p>
+          <a:p>
+            <a:pPr indent="-482600" lvl="0" marL="457200" rtl="0" algn="l">
+              <a:spcBef>
+                <a:spcPts val="0"/>
+              </a:spcBef>
+              <a:spcAft>
+                <a:spcPts val="0"/>
+              </a:spcAft>
+              <a:buSzPts val="4000"/>
+              <a:buFont typeface="Economica"/>
+              <a:buAutoNum type="arabicPeriod"/>
+            </a:pPr>
+            <a:r>
+              <a:rPr lang="es" sz="4000">
+                <a:latin typeface="Economica"/>
+                <a:ea typeface="Economica"/>
+                <a:cs typeface="Economica"/>
+                <a:sym typeface="Economica"/>
+              </a:rPr>
+              <a:t>Conclusiones</a:t>
+            </a:r>
+            <a:endParaRPr sz="4000">
+              <a:latin typeface="Economica"/>
+              <a:ea typeface="Economica"/>
+              <a:cs typeface="Economica"/>
+              <a:sym typeface="Economica"/>
+            </a:endParaRPr>
+          </a:p>
+        </p:txBody>
+      </p:sp>
+      <p:sp>
+        <p:nvSpPr>
+          <p:cNvPr id="287" name="Google Shape;287;p41"/>
+          <p:cNvSpPr txBox="1"/>
+          <p:nvPr/>
+        </p:nvSpPr>
+        <p:spPr>
+          <a:xfrm>
+            <a:off x="5679525" y="161575"/>
+            <a:ext cx="2854500" cy="723300"/>
+          </a:xfrm>
+          <a:prstGeom prst="rect">
+            <a:avLst/>
+          </a:prstGeom>
+          <a:noFill/>
+          <a:ln>
+            <a:noFill/>
+          </a:ln>
+        </p:spPr>
+        <p:txBody>
+          <a:bodyPr anchorCtr="0" anchor="t" bIns="91425" lIns="91425" spcFirstLastPara="1" rIns="91425" wrap="square" tIns="91425">
+            <a:spAutoFit/>
+          </a:bodyPr>
+          <a:lstStyle/>
+          <a:p>
+            <a:pPr indent="0" lvl="0" marL="0" rtl="0" algn="l">
+              <a:spcBef>
+                <a:spcPts val="0"/>
+              </a:spcBef>
+              <a:spcAft>
+                <a:spcPts val="0"/>
+              </a:spcAft>
+              <a:buNone/>
+            </a:pPr>
+            <a:r>
+              <a:t/>
+            </a:r>
+            <a:endParaRPr sz="3500">
+              <a:latin typeface="Economica"/>
+              <a:ea typeface="Economica"/>
+              <a:cs typeface="Economica"/>
+              <a:sym typeface="Economica"/>
+            </a:endParaRPr>
+          </a:p>
+        </p:txBody>
+      </p:sp>
+    </p:spTree>
+  </p:cSld>
+  <p:clrMapOvr>
+    <a:masterClrMapping/>
+  </p:clrMapOvr>
+</p:sld>
+</file>
+
+<file path=ppt/slides/slide29.xml><?xml version="1.0" encoding="utf-8"?>
+<p:sld xmlns:a="http://schemas.openxmlformats.org/drawingml/2006/main" xmlns:r="http://schemas.openxmlformats.org/officeDocument/2006/relationships" xmlns:mc="http://schemas.openxmlformats.org/markup-compatibility/2006" xmlns:mv="urn:schemas-microsoft-com:mac:vml" xmlns:p="http://schemas.openxmlformats.org/presentationml/2006/main" xmlns:c="http://schemas.openxmlformats.org/drawingml/2006/chart" xmlns:dgm="http://schemas.openxmlformats.org/drawingml/2006/diagram" xmlns:o="urn:schemas-microsoft-com:office:office" xmlns:v="urn:schemas-microsoft-com:vml" xmlns:pvml="urn:schemas-microsoft-com:office:powerpoint" xmlns:com="http://schemas.openxmlformats.org/drawingml/2006/compatibility" xmlns:p14="http://schemas.microsoft.com/office/powerpoint/2010/main" xmlns:p15="http://schemas.microsoft.com/office/powerpoint/2012/main" xmlns:ahyp="http://schemas.microsoft.com/office/drawing/2018/hyperlinkcolor">
+  <p:cSld>
+    <p:spTree>
+      <p:nvGrpSpPr>
+        <p:cNvPr id="291" name="Shape 291"/>
+        <p:cNvGrpSpPr/>
+        <p:nvPr/>
+      </p:nvGrpSpPr>
+      <p:grpSpPr>
+        <a:xfrm>
+          <a:off x="0" y="0"/>
+          <a:ext cx="0" cy="0"/>
+          <a:chOff x="0" y="0"/>
+          <a:chExt cx="0" cy="0"/>
+        </a:xfrm>
+      </p:grpSpPr>
+      <p:sp>
+        <p:nvSpPr>
+          <p:cNvPr id="292" name="Google Shape;292;p42"/>
+          <p:cNvSpPr txBox="1"/>
+          <p:nvPr/>
+        </p:nvSpPr>
+        <p:spPr>
+          <a:xfrm>
+            <a:off x="227125" y="161575"/>
+            <a:ext cx="8556900" cy="1339200"/>
+          </a:xfrm>
+          <a:prstGeom prst="rect">
+            <a:avLst/>
+          </a:prstGeom>
+          <a:noFill/>
+          <a:ln>
+            <a:noFill/>
+          </a:ln>
+        </p:spPr>
+        <p:txBody>
+          <a:bodyPr anchorCtr="0" anchor="t" bIns="91425" lIns="91425" spcFirstLastPara="1" rIns="91425" wrap="square" tIns="91425">
+            <a:spAutoFit/>
+          </a:bodyPr>
+          <a:lstStyle/>
+          <a:p>
+            <a:pPr indent="0" lvl="0" marL="0" rtl="0" algn="l">
+              <a:spcBef>
+                <a:spcPts val="0"/>
+              </a:spcBef>
+              <a:spcAft>
+                <a:spcPts val="0"/>
+              </a:spcAft>
+              <a:buNone/>
+            </a:pPr>
+            <a:r>
+              <a:rPr b="1" lang="es" sz="4000">
+                <a:latin typeface="Economica"/>
+                <a:ea typeface="Economica"/>
+                <a:cs typeface="Economica"/>
+                <a:sym typeface="Economica"/>
+              </a:rPr>
+              <a:t>5. </a:t>
+            </a:r>
+            <a:r>
+              <a:rPr b="1" lang="es" sz="4000">
+                <a:latin typeface="Economica"/>
+                <a:ea typeface="Economica"/>
+                <a:cs typeface="Economica"/>
+                <a:sym typeface="Economica"/>
+              </a:rPr>
+              <a:t>Conclusiones</a:t>
+            </a:r>
+            <a:endParaRPr b="1" sz="4000">
+              <a:latin typeface="Economica"/>
+              <a:ea typeface="Economica"/>
+              <a:cs typeface="Economica"/>
+              <a:sym typeface="Economica"/>
+            </a:endParaRPr>
+          </a:p>
+          <a:p>
+            <a:pPr indent="0" lvl="0" marL="0" rtl="0" algn="l">
+              <a:spcBef>
+                <a:spcPts val="0"/>
+              </a:spcBef>
+              <a:spcAft>
+                <a:spcPts val="0"/>
+              </a:spcAft>
+              <a:buNone/>
+            </a:pPr>
+            <a:r>
+              <a:rPr lang="es" sz="3500">
+                <a:latin typeface="Economica"/>
+                <a:ea typeface="Economica"/>
+                <a:cs typeface="Economica"/>
+                <a:sym typeface="Economica"/>
+              </a:rPr>
+              <a:t>Lecciones aprendidas</a:t>
+            </a:r>
+            <a:endParaRPr sz="3500">
+              <a:latin typeface="Economica"/>
+              <a:ea typeface="Economica"/>
+              <a:cs typeface="Economica"/>
+              <a:sym typeface="Economica"/>
+            </a:endParaRPr>
+          </a:p>
+        </p:txBody>
+      </p:sp>
+      <p:sp>
+        <p:nvSpPr>
+          <p:cNvPr id="293" name="Google Shape;293;p42"/>
+          <p:cNvSpPr/>
+          <p:nvPr/>
+        </p:nvSpPr>
+        <p:spPr>
+          <a:xfrm>
+            <a:off x="7487725" y="5991350"/>
+            <a:ext cx="1296300" cy="506400"/>
+          </a:xfrm>
+          <a:prstGeom prst="roundRect">
+            <a:avLst>
+              <a:gd fmla="val 16667" name="adj"/>
+            </a:avLst>
+          </a:prstGeom>
+          <a:solidFill>
+            <a:schemeClr val="lt2"/>
+          </a:solidFill>
+          <a:ln>
+            <a:noFill/>
+          </a:ln>
+        </p:spPr>
+        <p:txBody>
+          <a:bodyPr anchorCtr="0" anchor="ctr" bIns="91425" lIns="91425" spcFirstLastPara="1" rIns="91425" wrap="square" tIns="91425">
+            <a:noAutofit/>
+          </a:bodyPr>
+          <a:lstStyle/>
+          <a:p>
+            <a:pPr indent="0" lvl="0" marL="0" rtl="0" algn="ctr">
               <a:spcBef>
                 <a:spcPts val="0"/>
               </a:spcBef>
@@ -14310,9 +15830,238 @@
                 <a:cs typeface="Economica"/>
                 <a:sym typeface="Economica"/>
               </a:rPr>
-              <a:t>José Antonio Zamudio Amaya</a:t>
+              <a:t>21</a:t>
+            </a:r>
+            <a:r>
+              <a:rPr b="1" lang="es" sz="3000">
+                <a:latin typeface="Economica"/>
+                <a:ea typeface="Economica"/>
+                <a:cs typeface="Economica"/>
+                <a:sym typeface="Economica"/>
+              </a:rPr>
+              <a:t> </a:t>
+            </a:r>
+            <a:r>
+              <a:rPr b="1" lang="es" sz="3000">
+                <a:latin typeface="Economica"/>
+                <a:ea typeface="Economica"/>
+                <a:cs typeface="Economica"/>
+                <a:sym typeface="Economica"/>
+              </a:rPr>
+              <a:t>- 22</a:t>
             </a:r>
             <a:endParaRPr b="1" sz="3000">
+              <a:latin typeface="Economica"/>
+              <a:ea typeface="Economica"/>
+              <a:cs typeface="Economica"/>
+              <a:sym typeface="Economica"/>
+            </a:endParaRPr>
+          </a:p>
+        </p:txBody>
+      </p:sp>
+      <p:sp>
+        <p:nvSpPr>
+          <p:cNvPr id="294" name="Google Shape;294;p42"/>
+          <p:cNvSpPr txBox="1"/>
+          <p:nvPr/>
+        </p:nvSpPr>
+        <p:spPr>
+          <a:xfrm>
+            <a:off x="5679525" y="161575"/>
+            <a:ext cx="2854500" cy="723300"/>
+          </a:xfrm>
+          <a:prstGeom prst="rect">
+            <a:avLst/>
+          </a:prstGeom>
+          <a:noFill/>
+          <a:ln>
+            <a:noFill/>
+          </a:ln>
+        </p:spPr>
+        <p:txBody>
+          <a:bodyPr anchorCtr="0" anchor="t" bIns="91425" lIns="91425" spcFirstLastPara="1" rIns="91425" wrap="square" tIns="91425">
+            <a:spAutoFit/>
+          </a:bodyPr>
+          <a:lstStyle/>
+          <a:p>
+            <a:pPr indent="0" lvl="0" marL="0" rtl="0" algn="l">
+              <a:spcBef>
+                <a:spcPts val="0"/>
+              </a:spcBef>
+              <a:spcAft>
+                <a:spcPts val="0"/>
+              </a:spcAft>
+              <a:buNone/>
+            </a:pPr>
+            <a:r>
+              <a:t/>
+            </a:r>
+            <a:endParaRPr sz="3500">
+              <a:latin typeface="Economica"/>
+              <a:ea typeface="Economica"/>
+              <a:cs typeface="Economica"/>
+              <a:sym typeface="Economica"/>
+            </a:endParaRPr>
+          </a:p>
+        </p:txBody>
+      </p:sp>
+      <p:sp>
+        <p:nvSpPr>
+          <p:cNvPr id="295" name="Google Shape;295;p42"/>
+          <p:cNvSpPr txBox="1"/>
+          <p:nvPr/>
+        </p:nvSpPr>
+        <p:spPr>
+          <a:xfrm>
+            <a:off x="227125" y="1935075"/>
+            <a:ext cx="8362200" cy="2647500"/>
+          </a:xfrm>
+          <a:prstGeom prst="rect">
+            <a:avLst/>
+          </a:prstGeom>
+          <a:noFill/>
+          <a:ln>
+            <a:noFill/>
+          </a:ln>
+        </p:spPr>
+        <p:txBody>
+          <a:bodyPr anchorCtr="0" anchor="t" bIns="91425" lIns="91425" spcFirstLastPara="1" rIns="91425" wrap="square" tIns="91425">
+            <a:spAutoFit/>
+          </a:bodyPr>
+          <a:lstStyle/>
+          <a:p>
+            <a:pPr indent="-412750" lvl="0" marL="457200" rtl="0" algn="l">
+              <a:spcBef>
+                <a:spcPts val="0"/>
+              </a:spcBef>
+              <a:spcAft>
+                <a:spcPts val="0"/>
+              </a:spcAft>
+              <a:buSzPts val="2900"/>
+              <a:buFont typeface="Economica"/>
+              <a:buChar char="●"/>
+            </a:pPr>
+            <a:r>
+              <a:rPr lang="es" sz="4000">
+                <a:latin typeface="Economica"/>
+                <a:ea typeface="Economica"/>
+                <a:cs typeface="Economica"/>
+                <a:sym typeface="Economica"/>
+              </a:rPr>
+              <a:t>Coste de generar datasets propios</a:t>
+            </a:r>
+            <a:endParaRPr sz="4000">
+              <a:latin typeface="Economica"/>
+              <a:ea typeface="Economica"/>
+              <a:cs typeface="Economica"/>
+              <a:sym typeface="Economica"/>
+            </a:endParaRPr>
+          </a:p>
+          <a:p>
+            <a:pPr indent="-412750" lvl="0" marL="457200" rtl="0" algn="l">
+              <a:spcBef>
+                <a:spcPts val="0"/>
+              </a:spcBef>
+              <a:spcAft>
+                <a:spcPts val="0"/>
+              </a:spcAft>
+              <a:buClr>
+                <a:schemeClr val="dk1"/>
+              </a:buClr>
+              <a:buSzPts val="2900"/>
+              <a:buFont typeface="Economica"/>
+              <a:buChar char="●"/>
+            </a:pPr>
+            <a:r>
+              <a:rPr lang="es" sz="4000">
+                <a:solidFill>
+                  <a:schemeClr val="dk1"/>
+                </a:solidFill>
+                <a:latin typeface="Economica"/>
+                <a:ea typeface="Economica"/>
+                <a:cs typeface="Economica"/>
+                <a:sym typeface="Economica"/>
+              </a:rPr>
+              <a:t>Importancia de preprocesar la información</a:t>
+            </a:r>
+            <a:endParaRPr sz="4000">
+              <a:solidFill>
+                <a:schemeClr val="dk1"/>
+              </a:solidFill>
+              <a:latin typeface="Economica"/>
+              <a:ea typeface="Economica"/>
+              <a:cs typeface="Economica"/>
+              <a:sym typeface="Economica"/>
+            </a:endParaRPr>
+          </a:p>
+          <a:p>
+            <a:pPr indent="-412750" lvl="0" marL="457200" rtl="0" algn="l">
+              <a:spcBef>
+                <a:spcPts val="0"/>
+              </a:spcBef>
+              <a:spcAft>
+                <a:spcPts val="0"/>
+              </a:spcAft>
+              <a:buClr>
+                <a:schemeClr val="dk1"/>
+              </a:buClr>
+              <a:buSzPts val="2900"/>
+              <a:buFont typeface="Economica"/>
+              <a:buChar char="●"/>
+            </a:pPr>
+            <a:r>
+              <a:rPr lang="es" sz="4000">
+                <a:solidFill>
+                  <a:schemeClr val="dk1"/>
+                </a:solidFill>
+                <a:latin typeface="Economica"/>
+                <a:ea typeface="Economica"/>
+                <a:cs typeface="Economica"/>
+                <a:sym typeface="Economica"/>
+              </a:rPr>
+              <a:t>La visualización no es suficiente</a:t>
+            </a:r>
+            <a:endParaRPr sz="4000">
+              <a:solidFill>
+                <a:schemeClr val="dk1"/>
+              </a:solidFill>
+              <a:latin typeface="Economica"/>
+              <a:ea typeface="Economica"/>
+              <a:cs typeface="Economica"/>
+              <a:sym typeface="Economica"/>
+            </a:endParaRPr>
+          </a:p>
+          <a:p>
+            <a:pPr indent="-412750" lvl="0" marL="457200" rtl="0" algn="l">
+              <a:spcBef>
+                <a:spcPts val="0"/>
+              </a:spcBef>
+              <a:spcAft>
+                <a:spcPts val="0"/>
+              </a:spcAft>
+              <a:buClr>
+                <a:schemeClr val="dk1"/>
+              </a:buClr>
+              <a:buSzPts val="2900"/>
+              <a:buFont typeface="Economica"/>
+              <a:buChar char="●"/>
+            </a:pPr>
+            <a:r>
+              <a:rPr lang="es" sz="4000">
+                <a:solidFill>
+                  <a:schemeClr val="dk1"/>
+                </a:solidFill>
+                <a:latin typeface="Economica"/>
+                <a:ea typeface="Economica"/>
+                <a:cs typeface="Economica"/>
+                <a:sym typeface="Economica"/>
+              </a:rPr>
+              <a:t>Ajustarse bien a la evaluación</a:t>
+            </a:r>
+            <a:endParaRPr sz="4000">
+              <a:solidFill>
+                <a:schemeClr val="dk1"/>
+              </a:solidFill>
               <a:latin typeface="Economica"/>
               <a:ea typeface="Economica"/>
               <a:cs typeface="Economica"/>
@@ -14700,6 +16449,710 @@
 </p:sld>
 </file>
 
+<file path=ppt/slides/slide30.xml><?xml version="1.0" encoding="utf-8"?>
+<p:sld xmlns:a="http://schemas.openxmlformats.org/drawingml/2006/main" xmlns:r="http://schemas.openxmlformats.org/officeDocument/2006/relationships" xmlns:mc="http://schemas.openxmlformats.org/markup-compatibility/2006" xmlns:mv="urn:schemas-microsoft-com:mac:vml" xmlns:p="http://schemas.openxmlformats.org/presentationml/2006/main" xmlns:c="http://schemas.openxmlformats.org/drawingml/2006/chart" xmlns:dgm="http://schemas.openxmlformats.org/drawingml/2006/diagram" xmlns:o="urn:schemas-microsoft-com:office:office" xmlns:v="urn:schemas-microsoft-com:vml" xmlns:pvml="urn:schemas-microsoft-com:office:powerpoint" xmlns:com="http://schemas.openxmlformats.org/drawingml/2006/compatibility" xmlns:p14="http://schemas.microsoft.com/office/powerpoint/2010/main" xmlns:p15="http://schemas.microsoft.com/office/powerpoint/2012/main" xmlns:ahyp="http://schemas.microsoft.com/office/drawing/2018/hyperlinkcolor">
+  <p:cSld>
+    <p:spTree>
+      <p:nvGrpSpPr>
+        <p:cNvPr id="299" name="Shape 299"/>
+        <p:cNvGrpSpPr/>
+        <p:nvPr/>
+      </p:nvGrpSpPr>
+      <p:grpSpPr>
+        <a:xfrm>
+          <a:off x="0" y="0"/>
+          <a:ext cx="0" cy="0"/>
+          <a:chOff x="0" y="0"/>
+          <a:chExt cx="0" cy="0"/>
+        </a:xfrm>
+      </p:grpSpPr>
+      <p:sp>
+        <p:nvSpPr>
+          <p:cNvPr id="300" name="Google Shape;300;p43"/>
+          <p:cNvSpPr txBox="1"/>
+          <p:nvPr/>
+        </p:nvSpPr>
+        <p:spPr>
+          <a:xfrm>
+            <a:off x="227125" y="161575"/>
+            <a:ext cx="8556900" cy="1339200"/>
+          </a:xfrm>
+          <a:prstGeom prst="rect">
+            <a:avLst/>
+          </a:prstGeom>
+          <a:noFill/>
+          <a:ln>
+            <a:noFill/>
+          </a:ln>
+        </p:spPr>
+        <p:txBody>
+          <a:bodyPr anchorCtr="0" anchor="t" bIns="91425" lIns="91425" spcFirstLastPara="1" rIns="91425" wrap="square" tIns="91425">
+            <a:spAutoFit/>
+          </a:bodyPr>
+          <a:lstStyle/>
+          <a:p>
+            <a:pPr indent="0" lvl="0" marL="0" rtl="0" algn="l">
+              <a:spcBef>
+                <a:spcPts val="0"/>
+              </a:spcBef>
+              <a:spcAft>
+                <a:spcPts val="0"/>
+              </a:spcAft>
+              <a:buNone/>
+            </a:pPr>
+            <a:r>
+              <a:rPr b="1" lang="es" sz="4000">
+                <a:latin typeface="Economica"/>
+                <a:ea typeface="Economica"/>
+                <a:cs typeface="Economica"/>
+                <a:sym typeface="Economica"/>
+              </a:rPr>
+              <a:t>5. Conclusiones</a:t>
+            </a:r>
+            <a:endParaRPr b="1" sz="4000">
+              <a:latin typeface="Economica"/>
+              <a:ea typeface="Economica"/>
+              <a:cs typeface="Economica"/>
+              <a:sym typeface="Economica"/>
+            </a:endParaRPr>
+          </a:p>
+          <a:p>
+            <a:pPr indent="0" lvl="0" marL="0" rtl="0" algn="l">
+              <a:spcBef>
+                <a:spcPts val="0"/>
+              </a:spcBef>
+              <a:spcAft>
+                <a:spcPts val="0"/>
+              </a:spcAft>
+              <a:buNone/>
+            </a:pPr>
+            <a:r>
+              <a:rPr lang="es" sz="3500">
+                <a:latin typeface="Economica"/>
+                <a:ea typeface="Economica"/>
+                <a:cs typeface="Economica"/>
+                <a:sym typeface="Economica"/>
+              </a:rPr>
+              <a:t>Trabajo futuro</a:t>
+            </a:r>
+            <a:endParaRPr sz="3500">
+              <a:latin typeface="Economica"/>
+              <a:ea typeface="Economica"/>
+              <a:cs typeface="Economica"/>
+              <a:sym typeface="Economica"/>
+            </a:endParaRPr>
+          </a:p>
+        </p:txBody>
+      </p:sp>
+      <p:sp>
+        <p:nvSpPr>
+          <p:cNvPr id="301" name="Google Shape;301;p43"/>
+          <p:cNvSpPr/>
+          <p:nvPr/>
+        </p:nvSpPr>
+        <p:spPr>
+          <a:xfrm>
+            <a:off x="7487725" y="5991350"/>
+            <a:ext cx="1296300" cy="506400"/>
+          </a:xfrm>
+          <a:prstGeom prst="roundRect">
+            <a:avLst>
+              <a:gd fmla="val 16667" name="adj"/>
+            </a:avLst>
+          </a:prstGeom>
+          <a:solidFill>
+            <a:schemeClr val="lt2"/>
+          </a:solidFill>
+          <a:ln>
+            <a:noFill/>
+          </a:ln>
+        </p:spPr>
+        <p:txBody>
+          <a:bodyPr anchorCtr="0" anchor="ctr" bIns="91425" lIns="91425" spcFirstLastPara="1" rIns="91425" wrap="square" tIns="91425">
+            <a:noAutofit/>
+          </a:bodyPr>
+          <a:lstStyle/>
+          <a:p>
+            <a:pPr indent="0" lvl="0" marL="0" rtl="0" algn="ctr">
+              <a:spcBef>
+                <a:spcPts val="0"/>
+              </a:spcBef>
+              <a:spcAft>
+                <a:spcPts val="0"/>
+              </a:spcAft>
+              <a:buNone/>
+            </a:pPr>
+            <a:r>
+              <a:rPr b="1" lang="es" sz="3000">
+                <a:latin typeface="Economica"/>
+                <a:ea typeface="Economica"/>
+                <a:cs typeface="Economica"/>
+                <a:sym typeface="Economica"/>
+              </a:rPr>
+              <a:t>22</a:t>
+            </a:r>
+            <a:r>
+              <a:rPr b="1" lang="es" sz="3000">
+                <a:latin typeface="Economica"/>
+                <a:ea typeface="Economica"/>
+                <a:cs typeface="Economica"/>
+                <a:sym typeface="Economica"/>
+              </a:rPr>
+              <a:t> </a:t>
+            </a:r>
+            <a:r>
+              <a:rPr b="1" lang="es" sz="3000">
+                <a:latin typeface="Economica"/>
+                <a:ea typeface="Economica"/>
+                <a:cs typeface="Economica"/>
+                <a:sym typeface="Economica"/>
+              </a:rPr>
+              <a:t>- 22</a:t>
+            </a:r>
+            <a:endParaRPr b="1" sz="3000">
+              <a:latin typeface="Economica"/>
+              <a:ea typeface="Economica"/>
+              <a:cs typeface="Economica"/>
+              <a:sym typeface="Economica"/>
+            </a:endParaRPr>
+          </a:p>
+        </p:txBody>
+      </p:sp>
+      <p:sp>
+        <p:nvSpPr>
+          <p:cNvPr id="302" name="Google Shape;302;p43"/>
+          <p:cNvSpPr txBox="1"/>
+          <p:nvPr/>
+        </p:nvSpPr>
+        <p:spPr>
+          <a:xfrm>
+            <a:off x="5679525" y="161575"/>
+            <a:ext cx="2854500" cy="723300"/>
+          </a:xfrm>
+          <a:prstGeom prst="rect">
+            <a:avLst/>
+          </a:prstGeom>
+          <a:noFill/>
+          <a:ln>
+            <a:noFill/>
+          </a:ln>
+        </p:spPr>
+        <p:txBody>
+          <a:bodyPr anchorCtr="0" anchor="t" bIns="91425" lIns="91425" spcFirstLastPara="1" rIns="91425" wrap="square" tIns="91425">
+            <a:spAutoFit/>
+          </a:bodyPr>
+          <a:lstStyle/>
+          <a:p>
+            <a:pPr indent="0" lvl="0" marL="0" rtl="0" algn="l">
+              <a:spcBef>
+                <a:spcPts val="0"/>
+              </a:spcBef>
+              <a:spcAft>
+                <a:spcPts val="0"/>
+              </a:spcAft>
+              <a:buNone/>
+            </a:pPr>
+            <a:r>
+              <a:t/>
+            </a:r>
+            <a:endParaRPr sz="3500">
+              <a:latin typeface="Economica"/>
+              <a:ea typeface="Economica"/>
+              <a:cs typeface="Economica"/>
+              <a:sym typeface="Economica"/>
+            </a:endParaRPr>
+          </a:p>
+        </p:txBody>
+      </p:sp>
+      <p:sp>
+        <p:nvSpPr>
+          <p:cNvPr id="303" name="Google Shape;303;p43"/>
+          <p:cNvSpPr txBox="1"/>
+          <p:nvPr/>
+        </p:nvSpPr>
+        <p:spPr>
+          <a:xfrm>
+            <a:off x="227125" y="1935075"/>
+            <a:ext cx="8362200" cy="2647500"/>
+          </a:xfrm>
+          <a:prstGeom prst="rect">
+            <a:avLst/>
+          </a:prstGeom>
+          <a:noFill/>
+          <a:ln>
+            <a:noFill/>
+          </a:ln>
+        </p:spPr>
+        <p:txBody>
+          <a:bodyPr anchorCtr="0" anchor="t" bIns="91425" lIns="91425" spcFirstLastPara="1" rIns="91425" wrap="square" tIns="91425">
+            <a:spAutoFit/>
+          </a:bodyPr>
+          <a:lstStyle/>
+          <a:p>
+            <a:pPr indent="-412750" lvl="0" marL="457200" rtl="0" algn="l">
+              <a:spcBef>
+                <a:spcPts val="0"/>
+              </a:spcBef>
+              <a:spcAft>
+                <a:spcPts val="0"/>
+              </a:spcAft>
+              <a:buClr>
+                <a:schemeClr val="dk1"/>
+              </a:buClr>
+              <a:buSzPts val="2900"/>
+              <a:buFont typeface="Economica"/>
+              <a:buChar char="●"/>
+            </a:pPr>
+            <a:r>
+              <a:rPr lang="es" sz="4000">
+                <a:latin typeface="Economica"/>
+                <a:ea typeface="Economica"/>
+                <a:cs typeface="Economica"/>
+                <a:sym typeface="Economica"/>
+              </a:rPr>
+              <a:t>Aumentar el número de versiones para Ubuntu</a:t>
+            </a:r>
+            <a:endParaRPr sz="4000">
+              <a:latin typeface="Economica"/>
+              <a:ea typeface="Economica"/>
+              <a:cs typeface="Economica"/>
+              <a:sym typeface="Economica"/>
+            </a:endParaRPr>
+          </a:p>
+          <a:p>
+            <a:pPr indent="-412750" lvl="0" marL="457200" rtl="0" algn="l">
+              <a:spcBef>
+                <a:spcPts val="0"/>
+              </a:spcBef>
+              <a:spcAft>
+                <a:spcPts val="0"/>
+              </a:spcAft>
+              <a:buSzPts val="2900"/>
+              <a:buFont typeface="Economica"/>
+              <a:buChar char="●"/>
+            </a:pPr>
+            <a:r>
+              <a:rPr lang="es" sz="4000">
+                <a:latin typeface="Economica"/>
+                <a:ea typeface="Economica"/>
+                <a:cs typeface="Economica"/>
+                <a:sym typeface="Economica"/>
+              </a:rPr>
+              <a:t>Añadir nuevas distribuciones </a:t>
+            </a:r>
+            <a:endParaRPr sz="4000">
+              <a:latin typeface="Economica"/>
+              <a:ea typeface="Economica"/>
+              <a:cs typeface="Economica"/>
+              <a:sym typeface="Economica"/>
+            </a:endParaRPr>
+          </a:p>
+          <a:p>
+            <a:pPr indent="-412750" lvl="0" marL="457200" rtl="0" algn="l">
+              <a:spcBef>
+                <a:spcPts val="0"/>
+              </a:spcBef>
+              <a:spcAft>
+                <a:spcPts val="0"/>
+              </a:spcAft>
+              <a:buSzPts val="2900"/>
+              <a:buFont typeface="Economica"/>
+              <a:buChar char="●"/>
+            </a:pPr>
+            <a:r>
+              <a:rPr lang="es" sz="4000">
+                <a:latin typeface="Economica"/>
+                <a:ea typeface="Economica"/>
+                <a:cs typeface="Economica"/>
+                <a:sym typeface="Economica"/>
+              </a:rPr>
+              <a:t>Realizar un análisis global</a:t>
+            </a:r>
+            <a:endParaRPr sz="4000">
+              <a:latin typeface="Economica"/>
+              <a:ea typeface="Economica"/>
+              <a:cs typeface="Economica"/>
+              <a:sym typeface="Economica"/>
+            </a:endParaRPr>
+          </a:p>
+          <a:p>
+            <a:pPr indent="-412750" lvl="0" marL="457200" rtl="0" algn="l">
+              <a:spcBef>
+                <a:spcPts val="0"/>
+              </a:spcBef>
+              <a:spcAft>
+                <a:spcPts val="0"/>
+              </a:spcAft>
+              <a:buSzPts val="2900"/>
+              <a:buFont typeface="Economica"/>
+              <a:buChar char="●"/>
+            </a:pPr>
+            <a:r>
+              <a:rPr lang="es" sz="4000">
+                <a:latin typeface="Economica"/>
+                <a:ea typeface="Economica"/>
+                <a:cs typeface="Economica"/>
+                <a:sym typeface="Economica"/>
+              </a:rPr>
+              <a:t>Redactar artículo</a:t>
+            </a:r>
+            <a:endParaRPr sz="4000">
+              <a:latin typeface="Economica"/>
+              <a:ea typeface="Economica"/>
+              <a:cs typeface="Economica"/>
+              <a:sym typeface="Economica"/>
+            </a:endParaRPr>
+          </a:p>
+        </p:txBody>
+      </p:sp>
+    </p:spTree>
+  </p:cSld>
+  <p:clrMapOvr>
+    <a:masterClrMapping/>
+  </p:clrMapOvr>
+</p:sld>
+</file>
+
+<file path=ppt/slides/slide31.xml><?xml version="1.0" encoding="utf-8"?>
+<p:sld xmlns:a="http://schemas.openxmlformats.org/drawingml/2006/main" xmlns:r="http://schemas.openxmlformats.org/officeDocument/2006/relationships" xmlns:mc="http://schemas.openxmlformats.org/markup-compatibility/2006" xmlns:mv="urn:schemas-microsoft-com:mac:vml" xmlns:p="http://schemas.openxmlformats.org/presentationml/2006/main" xmlns:c="http://schemas.openxmlformats.org/drawingml/2006/chart" xmlns:dgm="http://schemas.openxmlformats.org/drawingml/2006/diagram" xmlns:o="urn:schemas-microsoft-com:office:office" xmlns:v="urn:schemas-microsoft-com:vml" xmlns:pvml="urn:schemas-microsoft-com:office:powerpoint" xmlns:com="http://schemas.openxmlformats.org/drawingml/2006/compatibility" xmlns:p14="http://schemas.microsoft.com/office/powerpoint/2010/main" xmlns:p15="http://schemas.microsoft.com/office/powerpoint/2012/main" xmlns:ahyp="http://schemas.microsoft.com/office/drawing/2018/hyperlinkcolor">
+  <p:cSld>
+    <p:bg>
+      <p:bgPr>
+        <a:solidFill>
+          <a:schemeClr val="lt2"/>
+        </a:solidFill>
+      </p:bgPr>
+    </p:bg>
+    <p:spTree>
+      <p:nvGrpSpPr>
+        <p:cNvPr id="307" name="Shape 307"/>
+        <p:cNvGrpSpPr/>
+        <p:nvPr/>
+      </p:nvGrpSpPr>
+      <p:grpSpPr>
+        <a:xfrm>
+          <a:off x="0" y="0"/>
+          <a:ext cx="0" cy="0"/>
+          <a:chOff x="0" y="0"/>
+          <a:chExt cx="0" cy="0"/>
+        </a:xfrm>
+      </p:grpSpPr>
+      <p:sp>
+        <p:nvSpPr>
+          <p:cNvPr id="308" name="Google Shape;308;p44"/>
+          <p:cNvSpPr txBox="1"/>
+          <p:nvPr/>
+        </p:nvSpPr>
+        <p:spPr>
+          <a:xfrm>
+            <a:off x="232975" y="184925"/>
+            <a:ext cx="7260600" cy="1108200"/>
+          </a:xfrm>
+          <a:prstGeom prst="rect">
+            <a:avLst/>
+          </a:prstGeom>
+          <a:noFill/>
+          <a:ln>
+            <a:noFill/>
+          </a:ln>
+        </p:spPr>
+        <p:txBody>
+          <a:bodyPr anchorCtr="0" anchor="t" bIns="91425" lIns="91425" spcFirstLastPara="1" rIns="91425" wrap="square" tIns="91425">
+            <a:spAutoFit/>
+          </a:bodyPr>
+          <a:lstStyle/>
+          <a:p>
+            <a:pPr indent="0" lvl="0" marL="0" rtl="0" algn="l">
+              <a:spcBef>
+                <a:spcPts val="0"/>
+              </a:spcBef>
+              <a:spcAft>
+                <a:spcPts val="0"/>
+              </a:spcAft>
+              <a:buNone/>
+            </a:pPr>
+            <a:r>
+              <a:rPr lang="es" sz="3000">
+                <a:latin typeface="Economica"/>
+                <a:ea typeface="Economica"/>
+                <a:cs typeface="Economica"/>
+                <a:sym typeface="Economica"/>
+              </a:rPr>
+              <a:t>Máster MIS</a:t>
+            </a:r>
+            <a:endParaRPr sz="3000">
+              <a:latin typeface="Economica"/>
+              <a:ea typeface="Economica"/>
+              <a:cs typeface="Economica"/>
+              <a:sym typeface="Economica"/>
+            </a:endParaRPr>
+          </a:p>
+          <a:p>
+            <a:pPr indent="0" lvl="0" marL="0" rtl="0" algn="l">
+              <a:spcBef>
+                <a:spcPts val="0"/>
+              </a:spcBef>
+              <a:spcAft>
+                <a:spcPts val="0"/>
+              </a:spcAft>
+              <a:buNone/>
+            </a:pPr>
+            <a:r>
+              <a:rPr lang="es" sz="3000">
+                <a:latin typeface="Economica"/>
+                <a:ea typeface="Economica"/>
+                <a:cs typeface="Economica"/>
+                <a:sym typeface="Economica"/>
+              </a:rPr>
+              <a:t>Data Science 2023</a:t>
+            </a:r>
+            <a:endParaRPr sz="3000">
+              <a:latin typeface="Economica"/>
+              <a:ea typeface="Economica"/>
+              <a:cs typeface="Economica"/>
+              <a:sym typeface="Economica"/>
+            </a:endParaRPr>
+          </a:p>
+        </p:txBody>
+      </p:sp>
+      <p:sp>
+        <p:nvSpPr>
+          <p:cNvPr id="309" name="Google Shape;309;p44"/>
+          <p:cNvSpPr txBox="1"/>
+          <p:nvPr/>
+        </p:nvSpPr>
+        <p:spPr>
+          <a:xfrm>
+            <a:off x="232975" y="2174875"/>
+            <a:ext cx="8550900" cy="723300"/>
+          </a:xfrm>
+          <a:prstGeom prst="rect">
+            <a:avLst/>
+          </a:prstGeom>
+          <a:noFill/>
+          <a:ln>
+            <a:noFill/>
+          </a:ln>
+        </p:spPr>
+        <p:txBody>
+          <a:bodyPr anchorCtr="0" anchor="t" bIns="91425" lIns="91425" spcFirstLastPara="1" rIns="91425" wrap="square" tIns="91425">
+            <a:spAutoFit/>
+          </a:bodyPr>
+          <a:lstStyle/>
+          <a:p>
+            <a:pPr indent="0" lvl="0" marL="0" rtl="0" algn="l">
+              <a:spcBef>
+                <a:spcPts val="0"/>
+              </a:spcBef>
+              <a:spcAft>
+                <a:spcPts val="0"/>
+              </a:spcAft>
+              <a:buNone/>
+            </a:pPr>
+            <a:r>
+              <a:t/>
+            </a:r>
+            <a:endParaRPr sz="3500">
+              <a:latin typeface="Economica"/>
+              <a:ea typeface="Economica"/>
+              <a:cs typeface="Economica"/>
+              <a:sym typeface="Economica"/>
+            </a:endParaRPr>
+          </a:p>
+        </p:txBody>
+      </p:sp>
+      <p:sp>
+        <p:nvSpPr>
+          <p:cNvPr id="310" name="Google Shape;310;p44"/>
+          <p:cNvSpPr txBox="1"/>
+          <p:nvPr/>
+        </p:nvSpPr>
+        <p:spPr>
+          <a:xfrm>
+            <a:off x="232975" y="2639200"/>
+            <a:ext cx="8550900" cy="723300"/>
+          </a:xfrm>
+          <a:prstGeom prst="rect">
+            <a:avLst/>
+          </a:prstGeom>
+          <a:noFill/>
+          <a:ln>
+            <a:noFill/>
+          </a:ln>
+        </p:spPr>
+        <p:txBody>
+          <a:bodyPr anchorCtr="0" anchor="t" bIns="91425" lIns="91425" spcFirstLastPara="1" rIns="91425" wrap="square" tIns="91425">
+            <a:spAutoFit/>
+          </a:bodyPr>
+          <a:lstStyle/>
+          <a:p>
+            <a:pPr indent="0" lvl="0" marL="0" rtl="0" algn="l">
+              <a:spcBef>
+                <a:spcPts val="0"/>
+              </a:spcBef>
+              <a:spcAft>
+                <a:spcPts val="0"/>
+              </a:spcAft>
+              <a:buNone/>
+            </a:pPr>
+            <a:r>
+              <a:rPr b="1" lang="es" sz="3500">
+                <a:latin typeface="Economica"/>
+                <a:ea typeface="Economica"/>
+                <a:cs typeface="Economica"/>
+                <a:sym typeface="Economica"/>
+              </a:rPr>
+              <a:t>Análisis de variabilidad en distribuciones Linux</a:t>
+            </a:r>
+            <a:endParaRPr b="1" sz="3500">
+              <a:latin typeface="Economica"/>
+              <a:ea typeface="Economica"/>
+              <a:cs typeface="Economica"/>
+              <a:sym typeface="Economica"/>
+            </a:endParaRPr>
+          </a:p>
+        </p:txBody>
+      </p:sp>
+      <p:pic>
+        <p:nvPicPr>
+          <p:cNvPr id="311" name="Google Shape;311;p44"/>
+          <p:cNvPicPr preferRelativeResize="0"/>
+          <p:nvPr/>
+        </p:nvPicPr>
+        <p:blipFill>
+          <a:blip r:embed="rId3">
+            <a:alphaModFix/>
+          </a:blip>
+          <a:stretch>
+            <a:fillRect/>
+          </a:stretch>
+        </p:blipFill>
+        <p:spPr>
+          <a:xfrm>
+            <a:off x="355561" y="4887300"/>
+            <a:ext cx="2673766" cy="1574499"/>
+          </a:xfrm>
+          <a:prstGeom prst="rect">
+            <a:avLst/>
+          </a:prstGeom>
+          <a:noFill/>
+          <a:ln>
+            <a:noFill/>
+          </a:ln>
+        </p:spPr>
+      </p:pic>
+      <p:sp>
+        <p:nvSpPr>
+          <p:cNvPr id="312" name="Google Shape;312;p44"/>
+          <p:cNvSpPr txBox="1"/>
+          <p:nvPr/>
+        </p:nvSpPr>
+        <p:spPr>
+          <a:xfrm>
+            <a:off x="3134275" y="5022475"/>
+            <a:ext cx="5649600" cy="1569900"/>
+          </a:xfrm>
+          <a:prstGeom prst="rect">
+            <a:avLst/>
+          </a:prstGeom>
+          <a:noFill/>
+          <a:ln>
+            <a:noFill/>
+          </a:ln>
+        </p:spPr>
+        <p:txBody>
+          <a:bodyPr anchorCtr="0" anchor="t" bIns="91425" lIns="91425" spcFirstLastPara="1" rIns="91425" wrap="square" tIns="91425">
+            <a:spAutoFit/>
+          </a:bodyPr>
+          <a:lstStyle/>
+          <a:p>
+            <a:pPr indent="0" lvl="0" marL="0" rtl="0" algn="r">
+              <a:spcBef>
+                <a:spcPts val="0"/>
+              </a:spcBef>
+              <a:spcAft>
+                <a:spcPts val="0"/>
+              </a:spcAft>
+              <a:buNone/>
+            </a:pPr>
+            <a:r>
+              <a:rPr b="1" lang="es" sz="3000">
+                <a:latin typeface="Economica"/>
+                <a:ea typeface="Economica"/>
+                <a:cs typeface="Economica"/>
+                <a:sym typeface="Economica"/>
+              </a:rPr>
+              <a:t>Diego Monsalves Vázquez</a:t>
+            </a:r>
+            <a:endParaRPr b="1" sz="3000">
+              <a:latin typeface="Economica"/>
+              <a:ea typeface="Economica"/>
+              <a:cs typeface="Economica"/>
+              <a:sym typeface="Economica"/>
+            </a:endParaRPr>
+          </a:p>
+          <a:p>
+            <a:pPr indent="0" lvl="0" marL="0" rtl="0" algn="r">
+              <a:spcBef>
+                <a:spcPts val="0"/>
+              </a:spcBef>
+              <a:spcAft>
+                <a:spcPts val="0"/>
+              </a:spcAft>
+              <a:buNone/>
+            </a:pPr>
+            <a:r>
+              <a:rPr b="1" lang="es" sz="3000">
+                <a:latin typeface="Economica"/>
+                <a:ea typeface="Economica"/>
+                <a:cs typeface="Economica"/>
+                <a:sym typeface="Economica"/>
+              </a:rPr>
+              <a:t>Carlos Núñez Arenas</a:t>
+            </a:r>
+            <a:endParaRPr b="1" sz="3000">
+              <a:latin typeface="Economica"/>
+              <a:ea typeface="Economica"/>
+              <a:cs typeface="Economica"/>
+              <a:sym typeface="Economica"/>
+            </a:endParaRPr>
+          </a:p>
+          <a:p>
+            <a:pPr indent="0" lvl="0" marL="0" rtl="0" algn="r">
+              <a:spcBef>
+                <a:spcPts val="0"/>
+              </a:spcBef>
+              <a:spcAft>
+                <a:spcPts val="0"/>
+              </a:spcAft>
+              <a:buNone/>
+            </a:pPr>
+            <a:r>
+              <a:rPr b="1" lang="es" sz="3000">
+                <a:latin typeface="Economica"/>
+                <a:ea typeface="Economica"/>
+                <a:cs typeface="Economica"/>
+                <a:sym typeface="Economica"/>
+              </a:rPr>
+              <a:t>José Antonio Zamudio Amaya</a:t>
+            </a:r>
+            <a:endParaRPr b="1" sz="3000">
+              <a:latin typeface="Economica"/>
+              <a:ea typeface="Economica"/>
+              <a:cs typeface="Economica"/>
+              <a:sym typeface="Economica"/>
+            </a:endParaRPr>
+          </a:p>
+        </p:txBody>
+      </p:sp>
+    </p:spTree>
+  </p:cSld>
+  <p:clrMapOvr>
+    <a:masterClrMapping/>
+  </p:clrMapOvr>
+</p:sld>
+</file>
+
 <file path=ppt/slides/slide4.xml><?xml version="1.0" encoding="utf-8"?>
 <p:sld xmlns:a="http://schemas.openxmlformats.org/drawingml/2006/main" xmlns:r="http://schemas.openxmlformats.org/officeDocument/2006/relationships" xmlns:mc="http://schemas.openxmlformats.org/markup-compatibility/2006" xmlns:mv="urn:schemas-microsoft-com:mac:vml" xmlns:p="http://schemas.openxmlformats.org/presentationml/2006/main" xmlns:c="http://schemas.openxmlformats.org/drawingml/2006/chart" xmlns:dgm="http://schemas.openxmlformats.org/drawingml/2006/diagram" xmlns:o="urn:schemas-microsoft-com:office:office" xmlns:v="urn:schemas-microsoft-com:vml" xmlns:pvml="urn:schemas-microsoft-com:office:powerpoint" xmlns:com="http://schemas.openxmlformats.org/drawingml/2006/compatibility" xmlns:p14="http://schemas.microsoft.com/office/powerpoint/2010/main" xmlns:p15="http://schemas.microsoft.com/office/powerpoint/2012/main" xmlns:ahyp="http://schemas.microsoft.com/office/drawing/2018/hyperlinkcolor">
   <p:cSld>
@@ -14851,16 +17304,7 @@
                 <a:cs typeface="Economica"/>
                 <a:sym typeface="Economica"/>
               </a:rPr>
-              <a:t>- </a:t>
-            </a:r>
-            <a:r>
-              <a:rPr b="1" lang="es" sz="3000">
-                <a:latin typeface="Economica"/>
-                <a:ea typeface="Economica"/>
-                <a:cs typeface="Economica"/>
-                <a:sym typeface="Economica"/>
-              </a:rPr>
-              <a:t>14</a:t>
+              <a:t>- 22</a:t>
             </a:r>
             <a:endParaRPr b="1" sz="3000">
               <a:latin typeface="Economica"/>
@@ -15104,7 +17548,16 @@
                 <a:cs typeface="Economica"/>
                 <a:sym typeface="Economica"/>
               </a:rPr>
-              <a:t>02 - 14</a:t>
+              <a:t>02 </a:t>
+            </a:r>
+            <a:r>
+              <a:rPr b="1" lang="es" sz="3000">
+                <a:latin typeface="Economica"/>
+                <a:ea typeface="Economica"/>
+                <a:cs typeface="Economica"/>
+                <a:sym typeface="Economica"/>
+              </a:rPr>
+              <a:t>- 22</a:t>
             </a:r>
             <a:endParaRPr b="1" sz="3000">
               <a:latin typeface="Economica"/>
@@ -15449,7 +17902,16 @@
                 <a:cs typeface="Economica"/>
                 <a:sym typeface="Economica"/>
               </a:rPr>
-              <a:t>03 - 14</a:t>
+              <a:t>03 </a:t>
+            </a:r>
+            <a:r>
+              <a:rPr b="1" lang="es" sz="3000">
+                <a:latin typeface="Economica"/>
+                <a:ea typeface="Economica"/>
+                <a:cs typeface="Economica"/>
+                <a:sym typeface="Economica"/>
+              </a:rPr>
+              <a:t>- 22</a:t>
             </a:r>
             <a:endParaRPr b="1" sz="3000">
               <a:latin typeface="Economica"/>
@@ -16021,7 +18483,7 @@
                 <a:cs typeface="Economica"/>
                 <a:sym typeface="Economica"/>
               </a:rPr>
-              <a:t>Para test estadístico</a:t>
+              <a:t>Para analizar con ML</a:t>
             </a:r>
             <a:endParaRPr sz="3500">
               <a:latin typeface="Economica"/>
@@ -16077,7 +18539,16 @@
                 <a:cs typeface="Economica"/>
                 <a:sym typeface="Economica"/>
               </a:rPr>
-              <a:t>04 - 14</a:t>
+              <a:t>04 </a:t>
+            </a:r>
+            <a:r>
+              <a:rPr b="1" lang="es" sz="3000">
+                <a:latin typeface="Economica"/>
+                <a:ea typeface="Economica"/>
+                <a:cs typeface="Economica"/>
+                <a:sym typeface="Economica"/>
+              </a:rPr>
+              <a:t>- 22</a:t>
             </a:r>
             <a:endParaRPr b="1" sz="3000">
               <a:latin typeface="Economica"/>
@@ -16175,7 +18646,7 @@
                 <a:cs typeface="Economica"/>
                 <a:sym typeface="Economica"/>
               </a:rPr>
-              <a:t>¿Cómo afecta esto al número de dependencias de un paquete respecto al tiempo? </a:t>
+              <a:t>¿Tiende a crecer el tamaño de las distribuciones a lo largo del tiempo?</a:t>
             </a:r>
             <a:endParaRPr b="1" sz="3900">
               <a:latin typeface="Economica"/>
@@ -16343,16 +18814,7 @@
                 <a:cs typeface="Economica"/>
                 <a:sym typeface="Economica"/>
               </a:rPr>
-              <a:t>- </a:t>
-            </a:r>
-            <a:r>
-              <a:rPr b="1" lang="es" sz="3000">
-                <a:latin typeface="Economica"/>
-                <a:ea typeface="Economica"/>
-                <a:cs typeface="Economica"/>
-                <a:sym typeface="Economica"/>
-              </a:rPr>
-              <a:t>14</a:t>
+              <a:t>- 22</a:t>
             </a:r>
             <a:endParaRPr b="1" sz="3000">
               <a:latin typeface="Economica"/>
@@ -16372,7 +18834,7 @@
         <p:spPr>
           <a:xfrm>
             <a:off x="227125" y="1715975"/>
-            <a:ext cx="8556900" cy="3786600"/>
+            <a:ext cx="8556900" cy="3186300"/>
           </a:xfrm>
           <a:prstGeom prst="rect">
             <a:avLst/>
@@ -16407,7 +18869,7 @@
                 <a:cs typeface="Economica"/>
                 <a:sym typeface="Economica"/>
               </a:rPr>
-              <a:t>En cada versión desaparecen funcionalidades desactualizadas para dar soporte a nuevas operaciones…</a:t>
+              <a:t>En cada versión, desaparecen funcionalidades o aparecen nuevas funcionalidades…</a:t>
             </a:r>
             <a:endParaRPr sz="3900">
               <a:latin typeface="Economica"/>
@@ -16456,30 +18918,7 @@
                 <a:cs typeface="Economica"/>
                 <a:sym typeface="Economica"/>
               </a:rPr>
-              <a:t>¿Cómo afecta esto al tamaño de las distribuciones?</a:t>
-            </a:r>
-            <a:endParaRPr b="1" sz="3900">
-              <a:solidFill>
-                <a:schemeClr val="dk1"/>
-              </a:solidFill>
-              <a:latin typeface="Economica"/>
-              <a:ea typeface="Economica"/>
-              <a:cs typeface="Economica"/>
-              <a:sym typeface="Economica"/>
-            </a:endParaRPr>
-          </a:p>
-          <a:p>
-            <a:pPr indent="0" lvl="0" marL="0" rtl="0" algn="l">
-              <a:spcBef>
-                <a:spcPts val="0"/>
-              </a:spcBef>
-              <a:spcAft>
-                <a:spcPts val="0"/>
-              </a:spcAft>
-              <a:buNone/>
-            </a:pPr>
-            <a:r>
-              <a:t/>
+              <a:t>¿Cómo fluctúan los paquetes? ¿Tienden a desaparecer? ¿El ratio de aparición es mayor?</a:t>
             </a:r>
             <a:endParaRPr b="1" sz="3900">
               <a:latin typeface="Economica"/>
